--- a/PowerPoint/Präsentation.pptx
+++ b/PowerPoint/Präsentation.pptx
@@ -5,13 +5,15 @@
     <p:sldMasterId id="2147483648" r:id="rId1"/>
   </p:sldMasterIdLst>
   <p:notesMasterIdLst>
-    <p:notesMasterId r:id="rId6"/>
+    <p:notesMasterId r:id="rId8"/>
   </p:notesMasterIdLst>
   <p:sldIdLst>
     <p:sldId id="259" r:id="rId2"/>
     <p:sldId id="458" r:id="rId3"/>
     <p:sldId id="459" r:id="rId4"/>
     <p:sldId id="460" r:id="rId5"/>
+    <p:sldId id="461" r:id="rId6"/>
+    <p:sldId id="462" r:id="rId7"/>
   </p:sldIdLst>
   <p:sldSz cx="9144000" cy="6858000" type="screen4x3"/>
   <p:notesSz cx="6858000" cy="9144000"/>
@@ -141,6 +143,24 @@
     </a:lvl9pPr>
   </p:defaultTextStyle>
   <p:extLst>
+    <p:ext uri="{521415D9-36F7-43E2-AB2F-B90AF26B5E84}">
+      <p14:sectionLst xmlns:p14="http://schemas.microsoft.com/office/powerpoint/2010/main">
+        <p14:section name="Standardabschnitt" id="{EAD9825D-AEF8-491D-9663-061CFA4CE3ED}">
+          <p14:sldIdLst>
+            <p14:sldId id="259"/>
+          </p14:sldIdLst>
+        </p14:section>
+        <p14:section name="Inhalt" id="{3253FDF0-C1DB-487E-9D1F-064E6CC3DA2F}">
+          <p14:sldIdLst>
+            <p14:sldId id="458"/>
+            <p14:sldId id="459"/>
+            <p14:sldId id="460"/>
+            <p14:sldId id="461"/>
+            <p14:sldId id="462"/>
+          </p14:sldIdLst>
+        </p14:section>
+      </p14:sectionLst>
+    </p:ext>
     <p:ext uri="{EFAFB233-063F-42B5-8137-9DF3F51BA10A}">
       <p15:sldGuideLst xmlns:p15="http://schemas.microsoft.com/office/powerpoint/2012/main">
         <p15:guide id="1" orient="horz" pos="2160">
@@ -219,14 +239,14 @@
           <a:effectLst/>
           <a:extLst>
             <a:ext uri="{909E8E84-426E-40dd-AFC4-6F175D3DCCD1}">
-              <a14:hiddenFill xmlns:a14="http://schemas.microsoft.com/office/drawing/2010/main" xmlns="">
+              <a14:hiddenFill xmlns="" xmlns:a14="http://schemas.microsoft.com/office/drawing/2010/main">
                 <a:solidFill>
                   <a:schemeClr val="accent1"/>
                 </a:solidFill>
               </a14:hiddenFill>
             </a:ext>
             <a:ext uri="{91240B29-F687-4f45-9708-019B960494DF}">
-              <a14:hiddenLine xmlns:a14="http://schemas.microsoft.com/office/drawing/2010/main" xmlns="" w="9525">
+              <a14:hiddenLine xmlns="" xmlns:a14="http://schemas.microsoft.com/office/drawing/2010/main" w="9525">
                 <a:solidFill>
                   <a:schemeClr val="tx1"/>
                 </a:solidFill>
@@ -236,7 +256,7 @@
               </a14:hiddenLine>
             </a:ext>
             <a:ext uri="{AF507438-7753-43e0-B8FC-AC1667EBCBE1}">
-              <a14:hiddenEffects xmlns:a14="http://schemas.microsoft.com/office/drawing/2010/main" xmlns="">
+              <a14:hiddenEffects xmlns="" xmlns:a14="http://schemas.microsoft.com/office/drawing/2010/main">
                 <a:effectLst>
                   <a:outerShdw blurRad="63500" dist="38099" dir="2700000" algn="ctr" rotWithShape="0">
                     <a:schemeClr val="bg2">
@@ -247,7 +267,7 @@
               </a14:hiddenEffects>
             </a:ext>
             <a:ext uri="{FAA26D3D-D897-4be2-8F04-BA451C77F1D7}">
-              <ma14:placeholderFlag xmlns:ma14="http://schemas.microsoft.com/office/mac/drawingml/2011/main" xmlns="" val="1"/>
+              <ma14:placeholderFlag xmlns="" xmlns:ma14="http://schemas.microsoft.com/office/mac/drawingml/2011/main" val="1"/>
             </a:ext>
           </a:extLst>
         </p:spPr>
@@ -294,14 +314,14 @@
           <a:effectLst/>
           <a:extLst>
             <a:ext uri="{909E8E84-426E-40dd-AFC4-6F175D3DCCD1}">
-              <a14:hiddenFill xmlns:a14="http://schemas.microsoft.com/office/drawing/2010/main" xmlns="">
+              <a14:hiddenFill xmlns="" xmlns:a14="http://schemas.microsoft.com/office/drawing/2010/main">
                 <a:solidFill>
                   <a:schemeClr val="accent1"/>
                 </a:solidFill>
               </a14:hiddenFill>
             </a:ext>
             <a:ext uri="{91240B29-F687-4f45-9708-019B960494DF}">
-              <a14:hiddenLine xmlns:a14="http://schemas.microsoft.com/office/drawing/2010/main" xmlns="" w="9525">
+              <a14:hiddenLine xmlns="" xmlns:a14="http://schemas.microsoft.com/office/drawing/2010/main" w="9525">
                 <a:solidFill>
                   <a:schemeClr val="tx1"/>
                 </a:solidFill>
@@ -311,7 +331,7 @@
               </a14:hiddenLine>
             </a:ext>
             <a:ext uri="{AF507438-7753-43e0-B8FC-AC1667EBCBE1}">
-              <a14:hiddenEffects xmlns:a14="http://schemas.microsoft.com/office/drawing/2010/main" xmlns="">
+              <a14:hiddenEffects xmlns="" xmlns:a14="http://schemas.microsoft.com/office/drawing/2010/main">
                 <a:effectLst>
                   <a:outerShdw blurRad="63500" dist="38099" dir="2700000" algn="ctr" rotWithShape="0">
                     <a:schemeClr val="bg2">
@@ -322,7 +342,7 @@
               </a14:hiddenEffects>
             </a:ext>
             <a:ext uri="{FAA26D3D-D897-4be2-8F04-BA451C77F1D7}">
-              <ma14:placeholderFlag xmlns:ma14="http://schemas.microsoft.com/office/mac/drawingml/2011/main" xmlns="" val="1"/>
+              <ma14:placeholderFlag xmlns="" xmlns:ma14="http://schemas.microsoft.com/office/mac/drawingml/2011/main" val="1"/>
             </a:ext>
           </a:extLst>
         </p:spPr>
@@ -374,7 +394,7 @@
           <a:effectLst/>
           <a:extLst>
             <a:ext uri="{AF507438-7753-43e0-B8FC-AC1667EBCBE1}">
-              <a14:hiddenEffects xmlns:a14="http://schemas.microsoft.com/office/drawing/2010/main" xmlns="">
+              <a14:hiddenEffects xmlns="" xmlns:a14="http://schemas.microsoft.com/office/drawing/2010/main">
                 <a:effectLst>
                   <a:outerShdw blurRad="63500" dist="38099" dir="2700000" algn="ctr" rotWithShape="0">
                     <a:srgbClr val="000000">
@@ -385,7 +405,7 @@
               </a14:hiddenEffects>
             </a:ext>
             <a:ext uri="{53640926-AAD7-44d8-BBD7-CCE9431645EC}">
-              <a14:shadowObscured xmlns:a14="http://schemas.microsoft.com/office/drawing/2010/main" xmlns="" val="1"/>
+              <a14:shadowObscured xmlns="" xmlns:a14="http://schemas.microsoft.com/office/drawing/2010/main" val="1"/>
             </a:ext>
           </a:extLst>
         </p:spPr>
@@ -415,14 +435,14 @@
           <a:effectLst/>
           <a:extLst>
             <a:ext uri="{909E8E84-426E-40dd-AFC4-6F175D3DCCD1}">
-              <a14:hiddenFill xmlns:a14="http://schemas.microsoft.com/office/drawing/2010/main" xmlns="">
+              <a14:hiddenFill xmlns="" xmlns:a14="http://schemas.microsoft.com/office/drawing/2010/main">
                 <a:solidFill>
                   <a:schemeClr val="accent1"/>
                 </a:solidFill>
               </a14:hiddenFill>
             </a:ext>
             <a:ext uri="{91240B29-F687-4f45-9708-019B960494DF}">
-              <a14:hiddenLine xmlns:a14="http://schemas.microsoft.com/office/drawing/2010/main" xmlns="" w="9525">
+              <a14:hiddenLine xmlns="" xmlns:a14="http://schemas.microsoft.com/office/drawing/2010/main" w="9525">
                 <a:solidFill>
                   <a:schemeClr val="tx1"/>
                 </a:solidFill>
@@ -432,7 +452,7 @@
               </a14:hiddenLine>
             </a:ext>
             <a:ext uri="{AF507438-7753-43e0-B8FC-AC1667EBCBE1}">
-              <a14:hiddenEffects xmlns:a14="http://schemas.microsoft.com/office/drawing/2010/main" xmlns="">
+              <a14:hiddenEffects xmlns="" xmlns:a14="http://schemas.microsoft.com/office/drawing/2010/main">
                 <a:effectLst>
                   <a:outerShdw blurRad="63500" dist="38099" dir="2700000" algn="ctr" rotWithShape="0">
                     <a:schemeClr val="bg2">
@@ -443,7 +463,7 @@
               </a14:hiddenEffects>
             </a:ext>
             <a:ext uri="{FAA26D3D-D897-4be2-8F04-BA451C77F1D7}">
-              <ma14:placeholderFlag xmlns:ma14="http://schemas.microsoft.com/office/mac/drawingml/2011/main" xmlns="" val="1"/>
+              <ma14:placeholderFlag xmlns="" xmlns:ma14="http://schemas.microsoft.com/office/mac/drawingml/2011/main" val="1"/>
             </a:ext>
           </a:extLst>
         </p:spPr>
@@ -516,14 +536,14 @@
           <a:effectLst/>
           <a:extLst>
             <a:ext uri="{909E8E84-426E-40dd-AFC4-6F175D3DCCD1}">
-              <a14:hiddenFill xmlns:a14="http://schemas.microsoft.com/office/drawing/2010/main" xmlns="">
+              <a14:hiddenFill xmlns="" xmlns:a14="http://schemas.microsoft.com/office/drawing/2010/main">
                 <a:solidFill>
                   <a:schemeClr val="accent1"/>
                 </a:solidFill>
               </a14:hiddenFill>
             </a:ext>
             <a:ext uri="{91240B29-F687-4f45-9708-019B960494DF}">
-              <a14:hiddenLine xmlns:a14="http://schemas.microsoft.com/office/drawing/2010/main" xmlns="" w="9525">
+              <a14:hiddenLine xmlns="" xmlns:a14="http://schemas.microsoft.com/office/drawing/2010/main" w="9525">
                 <a:solidFill>
                   <a:schemeClr val="tx1"/>
                 </a:solidFill>
@@ -533,7 +553,7 @@
               </a14:hiddenLine>
             </a:ext>
             <a:ext uri="{AF507438-7753-43e0-B8FC-AC1667EBCBE1}">
-              <a14:hiddenEffects xmlns:a14="http://schemas.microsoft.com/office/drawing/2010/main" xmlns="">
+              <a14:hiddenEffects xmlns="" xmlns:a14="http://schemas.microsoft.com/office/drawing/2010/main">
                 <a:effectLst>
                   <a:outerShdw blurRad="63500" dist="38099" dir="2700000" algn="ctr" rotWithShape="0">
                     <a:schemeClr val="bg2">
@@ -544,7 +564,7 @@
               </a14:hiddenEffects>
             </a:ext>
             <a:ext uri="{FAA26D3D-D897-4be2-8F04-BA451C77F1D7}">
-              <ma14:placeholderFlag xmlns:ma14="http://schemas.microsoft.com/office/mac/drawingml/2011/main" xmlns="" val="1"/>
+              <ma14:placeholderFlag xmlns="" xmlns:ma14="http://schemas.microsoft.com/office/mac/drawingml/2011/main" val="1"/>
             </a:ext>
           </a:extLst>
         </p:spPr>
@@ -591,14 +611,14 @@
           <a:effectLst/>
           <a:extLst>
             <a:ext uri="{909E8E84-426E-40dd-AFC4-6F175D3DCCD1}">
-              <a14:hiddenFill xmlns:a14="http://schemas.microsoft.com/office/drawing/2010/main" xmlns="">
+              <a14:hiddenFill xmlns="" xmlns:a14="http://schemas.microsoft.com/office/drawing/2010/main">
                 <a:solidFill>
                   <a:schemeClr val="accent1"/>
                 </a:solidFill>
               </a14:hiddenFill>
             </a:ext>
             <a:ext uri="{91240B29-F687-4f45-9708-019B960494DF}">
-              <a14:hiddenLine xmlns:a14="http://schemas.microsoft.com/office/drawing/2010/main" xmlns="" w="9525">
+              <a14:hiddenLine xmlns="" xmlns:a14="http://schemas.microsoft.com/office/drawing/2010/main" w="9525">
                 <a:solidFill>
                   <a:schemeClr val="tx1"/>
                 </a:solidFill>
@@ -608,7 +628,7 @@
               </a14:hiddenLine>
             </a:ext>
             <a:ext uri="{AF507438-7753-43e0-B8FC-AC1667EBCBE1}">
-              <a14:hiddenEffects xmlns:a14="http://schemas.microsoft.com/office/drawing/2010/main" xmlns="">
+              <a14:hiddenEffects xmlns="" xmlns:a14="http://schemas.microsoft.com/office/drawing/2010/main">
                 <a:effectLst>
                   <a:outerShdw blurRad="63500" dist="38099" dir="2700000" algn="ctr" rotWithShape="0">
                     <a:schemeClr val="bg2">
@@ -619,7 +639,7 @@
               </a14:hiddenEffects>
             </a:ext>
             <a:ext uri="{FAA26D3D-D897-4be2-8F04-BA451C77F1D7}">
-              <ma14:placeholderFlag xmlns:ma14="http://schemas.microsoft.com/office/mac/drawingml/2011/main" xmlns="" val="1"/>
+              <ma14:placeholderFlag xmlns="" xmlns:ma14="http://schemas.microsoft.com/office/mac/drawingml/2011/main" val="1"/>
             </a:ext>
           </a:extLst>
         </p:spPr>
@@ -836,7 +856,7 @@
           <a:ln/>
           <a:extLst>
             <a:ext uri="{FAA26D3D-D897-4be2-8F04-BA451C77F1D7}">
-              <ma14:placeholderFlag xmlns:ma14="http://schemas.microsoft.com/office/mac/drawingml/2011/main" xmlns="" val="1"/>
+              <ma14:placeholderFlag xmlns="" xmlns:ma14="http://schemas.microsoft.com/office/mac/drawingml/2011/main" val="1"/>
             </a:ext>
           </a:extLst>
         </p:spPr>
@@ -930,7 +950,7 @@
           <a:ln/>
           <a:extLst>
             <a:ext uri="{FAA26D3D-D897-4be2-8F04-BA451C77F1D7}">
-              <ma14:placeholderFlag xmlns:ma14="http://schemas.microsoft.com/office/mac/drawingml/2011/main" xmlns="" val="1"/>
+              <ma14:placeholderFlag xmlns="" xmlns:ma14="http://schemas.microsoft.com/office/mac/drawingml/2011/main" val="1"/>
             </a:ext>
           </a:extLst>
         </p:spPr>
@@ -1143,7 +1163,7 @@
           <a:noFill/>
           <a:extLst>
             <a:ext uri="{909E8E84-426E-40dd-AFC4-6F175D3DCCD1}">
-              <a14:hiddenFill xmlns:a14="http://schemas.microsoft.com/office/drawing/2010/main" xmlns="">
+              <a14:hiddenFill xmlns="" xmlns:a14="http://schemas.microsoft.com/office/drawing/2010/main">
                 <a:solidFill>
                   <a:srgbClr val="FFFFFF"/>
                 </a:solidFill>
@@ -3486,14 +3506,14 @@
           <a:effectLst/>
           <a:extLst>
             <a:ext uri="{909E8E84-426E-40dd-AFC4-6F175D3DCCD1}">
-              <a14:hiddenFill xmlns:a14="http://schemas.microsoft.com/office/drawing/2010/main" xmlns="">
+              <a14:hiddenFill xmlns="" xmlns:a14="http://schemas.microsoft.com/office/drawing/2010/main">
                 <a:solidFill>
                   <a:schemeClr val="accent1"/>
                 </a:solidFill>
               </a14:hiddenFill>
             </a:ext>
             <a:ext uri="{91240B29-F687-4f45-9708-019B960494DF}">
-              <a14:hiddenLine xmlns:a14="http://schemas.microsoft.com/office/drawing/2010/main" xmlns="" w="9525">
+              <a14:hiddenLine xmlns="" xmlns:a14="http://schemas.microsoft.com/office/drawing/2010/main" w="9525">
                 <a:solidFill>
                   <a:schemeClr val="tx1"/>
                 </a:solidFill>
@@ -3503,7 +3523,7 @@
               </a14:hiddenLine>
             </a:ext>
             <a:ext uri="{AF507438-7753-43e0-B8FC-AC1667EBCBE1}">
-              <a14:hiddenEffects xmlns:a14="http://schemas.microsoft.com/office/drawing/2010/main" xmlns="">
+              <a14:hiddenEffects xmlns="" xmlns:a14="http://schemas.microsoft.com/office/drawing/2010/main">
                 <a:effectLst>
                   <a:outerShdw blurRad="63500" dist="38099" dir="2700000" algn="ctr" rotWithShape="0">
                     <a:schemeClr val="bg2">
@@ -3514,7 +3534,7 @@
               </a14:hiddenEffects>
             </a:ext>
             <a:ext uri="{FAA26D3D-D897-4be2-8F04-BA451C77F1D7}">
-              <ma14:placeholderFlag xmlns:ma14="http://schemas.microsoft.com/office/mac/drawingml/2011/main" xmlns="" val="1"/>
+              <ma14:placeholderFlag xmlns="" xmlns:ma14="http://schemas.microsoft.com/office/mac/drawingml/2011/main" val="1"/>
             </a:ext>
           </a:extLst>
         </p:spPr>
@@ -3559,14 +3579,14 @@
           <a:effectLst/>
           <a:extLst>
             <a:ext uri="{909E8E84-426E-40dd-AFC4-6F175D3DCCD1}">
-              <a14:hiddenFill xmlns:a14="http://schemas.microsoft.com/office/drawing/2010/main" xmlns="">
+              <a14:hiddenFill xmlns="" xmlns:a14="http://schemas.microsoft.com/office/drawing/2010/main">
                 <a:solidFill>
                   <a:schemeClr val="accent1"/>
                 </a:solidFill>
               </a14:hiddenFill>
             </a:ext>
             <a:ext uri="{91240B29-F687-4f45-9708-019B960494DF}">
-              <a14:hiddenLine xmlns:a14="http://schemas.microsoft.com/office/drawing/2010/main" xmlns="" w="9525">
+              <a14:hiddenLine xmlns="" xmlns:a14="http://schemas.microsoft.com/office/drawing/2010/main" w="9525">
                 <a:solidFill>
                   <a:schemeClr val="tx1"/>
                 </a:solidFill>
@@ -3576,7 +3596,7 @@
               </a14:hiddenLine>
             </a:ext>
             <a:ext uri="{AF507438-7753-43e0-B8FC-AC1667EBCBE1}">
-              <a14:hiddenEffects xmlns:a14="http://schemas.microsoft.com/office/drawing/2010/main" xmlns="">
+              <a14:hiddenEffects xmlns="" xmlns:a14="http://schemas.microsoft.com/office/drawing/2010/main">
                 <a:effectLst>
                   <a:outerShdw blurRad="63500" dist="38099" dir="2700000" algn="ctr" rotWithShape="0">
                     <a:schemeClr val="bg2">
@@ -3587,7 +3607,7 @@
               </a14:hiddenEffects>
             </a:ext>
             <a:ext uri="{FAA26D3D-D897-4be2-8F04-BA451C77F1D7}">
-              <ma14:placeholderFlag xmlns:ma14="http://schemas.microsoft.com/office/mac/drawingml/2011/main" xmlns="" val="1"/>
+              <ma14:placeholderFlag xmlns="" xmlns:ma14="http://schemas.microsoft.com/office/mac/drawingml/2011/main" val="1"/>
             </a:ext>
           </a:extLst>
         </p:spPr>
@@ -3660,14 +3680,14 @@
           <a:effectLst/>
           <a:extLst>
             <a:ext uri="{909E8E84-426E-40dd-AFC4-6F175D3DCCD1}">
-              <a14:hiddenFill xmlns:a14="http://schemas.microsoft.com/office/drawing/2010/main" xmlns="">
+              <a14:hiddenFill xmlns="" xmlns:a14="http://schemas.microsoft.com/office/drawing/2010/main">
                 <a:solidFill>
                   <a:schemeClr val="accent1"/>
                 </a:solidFill>
               </a14:hiddenFill>
             </a:ext>
             <a:ext uri="{91240B29-F687-4f45-9708-019B960494DF}">
-              <a14:hiddenLine xmlns:a14="http://schemas.microsoft.com/office/drawing/2010/main" xmlns="" w="9525">
+              <a14:hiddenLine xmlns="" xmlns:a14="http://schemas.microsoft.com/office/drawing/2010/main" w="9525">
                 <a:solidFill>
                   <a:schemeClr val="tx1"/>
                 </a:solidFill>
@@ -3677,7 +3697,7 @@
               </a14:hiddenLine>
             </a:ext>
             <a:ext uri="{AF507438-7753-43e0-B8FC-AC1667EBCBE1}">
-              <a14:hiddenEffects xmlns:a14="http://schemas.microsoft.com/office/drawing/2010/main" xmlns="">
+              <a14:hiddenEffects xmlns="" xmlns:a14="http://schemas.microsoft.com/office/drawing/2010/main">
                 <a:effectLst>
                   <a:outerShdw blurRad="63500" dist="38099" dir="2700000" algn="ctr" rotWithShape="0">
                     <a:schemeClr val="bg2">
@@ -3688,7 +3708,7 @@
               </a14:hiddenEffects>
             </a:ext>
             <a:ext uri="{FAA26D3D-D897-4be2-8F04-BA451C77F1D7}">
-              <ma14:placeholderFlag xmlns:ma14="http://schemas.microsoft.com/office/mac/drawingml/2011/main" xmlns="" val="1"/>
+              <ma14:placeholderFlag xmlns="" xmlns:ma14="http://schemas.microsoft.com/office/mac/drawingml/2011/main" val="1"/>
             </a:ext>
           </a:extLst>
         </p:spPr>
@@ -3735,14 +3755,14 @@
           <a:effectLst/>
           <a:extLst>
             <a:ext uri="{909E8E84-426E-40dd-AFC4-6F175D3DCCD1}">
-              <a14:hiddenFill xmlns:a14="http://schemas.microsoft.com/office/drawing/2010/main" xmlns="">
+              <a14:hiddenFill xmlns="" xmlns:a14="http://schemas.microsoft.com/office/drawing/2010/main">
                 <a:solidFill>
                   <a:schemeClr val="accent1"/>
                 </a:solidFill>
               </a14:hiddenFill>
             </a:ext>
             <a:ext uri="{91240B29-F687-4f45-9708-019B960494DF}">
-              <a14:hiddenLine xmlns:a14="http://schemas.microsoft.com/office/drawing/2010/main" xmlns="" w="9525">
+              <a14:hiddenLine xmlns="" xmlns:a14="http://schemas.microsoft.com/office/drawing/2010/main" w="9525">
                 <a:solidFill>
                   <a:schemeClr val="tx1"/>
                 </a:solidFill>
@@ -3752,7 +3772,7 @@
               </a14:hiddenLine>
             </a:ext>
             <a:ext uri="{AF507438-7753-43e0-B8FC-AC1667EBCBE1}">
-              <a14:hiddenEffects xmlns:a14="http://schemas.microsoft.com/office/drawing/2010/main" xmlns="">
+              <a14:hiddenEffects xmlns="" xmlns:a14="http://schemas.microsoft.com/office/drawing/2010/main">
                 <a:effectLst>
                   <a:outerShdw blurRad="63500" dist="38099" dir="2700000" algn="ctr" rotWithShape="0">
                     <a:schemeClr val="bg2">
@@ -3763,7 +3783,7 @@
               </a14:hiddenEffects>
             </a:ext>
             <a:ext uri="{FAA26D3D-D897-4be2-8F04-BA451C77F1D7}">
-              <ma14:placeholderFlag xmlns:ma14="http://schemas.microsoft.com/office/mac/drawingml/2011/main" xmlns="" val="1"/>
+              <ma14:placeholderFlag xmlns="" xmlns:ma14="http://schemas.microsoft.com/office/mac/drawingml/2011/main" val="1"/>
             </a:ext>
           </a:extLst>
         </p:spPr>
@@ -3810,14 +3830,14 @@
           <a:effectLst/>
           <a:extLst>
             <a:ext uri="{909E8E84-426E-40dd-AFC4-6F175D3DCCD1}">
-              <a14:hiddenFill xmlns:a14="http://schemas.microsoft.com/office/drawing/2010/main" xmlns="">
+              <a14:hiddenFill xmlns="" xmlns:a14="http://schemas.microsoft.com/office/drawing/2010/main">
                 <a:solidFill>
                   <a:schemeClr val="accent1"/>
                 </a:solidFill>
               </a14:hiddenFill>
             </a:ext>
             <a:ext uri="{91240B29-F687-4f45-9708-019B960494DF}">
-              <a14:hiddenLine xmlns:a14="http://schemas.microsoft.com/office/drawing/2010/main" xmlns="" w="9525">
+              <a14:hiddenLine xmlns="" xmlns:a14="http://schemas.microsoft.com/office/drawing/2010/main" w="9525">
                 <a:solidFill>
                   <a:schemeClr val="tx1"/>
                 </a:solidFill>
@@ -3827,7 +3847,7 @@
               </a14:hiddenLine>
             </a:ext>
             <a:ext uri="{AF507438-7753-43e0-B8FC-AC1667EBCBE1}">
-              <a14:hiddenEffects xmlns:a14="http://schemas.microsoft.com/office/drawing/2010/main" xmlns="">
+              <a14:hiddenEffects xmlns="" xmlns:a14="http://schemas.microsoft.com/office/drawing/2010/main">
                 <a:effectLst>
                   <a:outerShdw blurRad="63500" dist="38099" dir="2700000" algn="ctr" rotWithShape="0">
                     <a:schemeClr val="bg2">
@@ -3838,7 +3858,7 @@
               </a14:hiddenEffects>
             </a:ext>
             <a:ext uri="{FAA26D3D-D897-4be2-8F04-BA451C77F1D7}">
-              <ma14:placeholderFlag xmlns:ma14="http://schemas.microsoft.com/office/mac/drawingml/2011/main" xmlns="" val="1"/>
+              <ma14:placeholderFlag xmlns="" xmlns:ma14="http://schemas.microsoft.com/office/mac/drawingml/2011/main" val="1"/>
             </a:ext>
           </a:extLst>
         </p:spPr>
@@ -3893,12 +3913,12 @@
           <a:effectLst/>
           <a:extLst>
             <a:ext uri="{909E8E84-426E-40dd-AFC4-6F175D3DCCD1}">
-              <a14:hiddenFill xmlns:a14="http://schemas.microsoft.com/office/drawing/2010/main" xmlns="">
+              <a14:hiddenFill xmlns="" xmlns:a14="http://schemas.microsoft.com/office/drawing/2010/main">
                 <a:noFill/>
               </a14:hiddenFill>
             </a:ext>
             <a:ext uri="{AF507438-7753-43e0-B8FC-AC1667EBCBE1}">
-              <a14:hiddenEffects xmlns:a14="http://schemas.microsoft.com/office/drawing/2010/main" xmlns="">
+              <a14:hiddenEffects xmlns="" xmlns:a14="http://schemas.microsoft.com/office/drawing/2010/main">
                 <a:effectLst>
                   <a:outerShdw blurRad="63500" dist="38099" dir="2700000" algn="ctr" rotWithShape="0">
                     <a:schemeClr val="bg2">
@@ -3943,7 +3963,7 @@
           <a:effectLst/>
           <a:extLst>
             <a:ext uri="{91240B29-F687-4f45-9708-019B960494DF}">
-              <a14:hiddenLine xmlns:a14="http://schemas.microsoft.com/office/drawing/2010/main" xmlns="" w="9525">
+              <a14:hiddenLine xmlns="" xmlns:a14="http://schemas.microsoft.com/office/drawing/2010/main" w="9525">
                 <a:solidFill>
                   <a:schemeClr val="tx1"/>
                 </a:solidFill>
@@ -3953,7 +3973,7 @@
               </a14:hiddenLine>
             </a:ext>
             <a:ext uri="{AF507438-7753-43e0-B8FC-AC1667EBCBE1}">
-              <a14:hiddenEffects xmlns:a14="http://schemas.microsoft.com/office/drawing/2010/main" xmlns="">
+              <a14:hiddenEffects xmlns="" xmlns:a14="http://schemas.microsoft.com/office/drawing/2010/main">
                 <a:effectLst>
                   <a:outerShdw blurRad="63500" dist="38099" dir="2700000" algn="ctr" rotWithShape="0">
                     <a:schemeClr val="bg2">
@@ -4002,14 +4022,14 @@
           <a:effectLst/>
           <a:extLst>
             <a:ext uri="{909E8E84-426E-40dd-AFC4-6F175D3DCCD1}">
-              <a14:hiddenFill xmlns:a14="http://schemas.microsoft.com/office/drawing/2010/main" xmlns="">
+              <a14:hiddenFill xmlns="" xmlns:a14="http://schemas.microsoft.com/office/drawing/2010/main">
                 <a:solidFill>
                   <a:schemeClr val="accent1"/>
                 </a:solidFill>
               </a14:hiddenFill>
             </a:ext>
             <a:ext uri="{91240B29-F687-4f45-9708-019B960494DF}">
-              <a14:hiddenLine xmlns:a14="http://schemas.microsoft.com/office/drawing/2010/main" xmlns="" w="9525">
+              <a14:hiddenLine xmlns="" xmlns:a14="http://schemas.microsoft.com/office/drawing/2010/main" w="9525">
                 <a:solidFill>
                   <a:schemeClr val="tx1"/>
                 </a:solidFill>
@@ -4019,7 +4039,7 @@
               </a14:hiddenLine>
             </a:ext>
             <a:ext uri="{AF507438-7753-43e0-B8FC-AC1667EBCBE1}">
-              <a14:hiddenEffects xmlns:a14="http://schemas.microsoft.com/office/drawing/2010/main" xmlns="">
+              <a14:hiddenEffects xmlns="" xmlns:a14="http://schemas.microsoft.com/office/drawing/2010/main">
                 <a:effectLst>
                   <a:outerShdw blurRad="63500" dist="38099" dir="2700000" algn="ctr" rotWithShape="0">
                     <a:schemeClr val="bg2">
@@ -4076,14 +4096,14 @@
           <a:effectLst/>
           <a:extLst>
             <a:ext uri="{909E8E84-426E-40dd-AFC4-6F175D3DCCD1}">
-              <a14:hiddenFill xmlns:a14="http://schemas.microsoft.com/office/drawing/2010/main" xmlns="">
+              <a14:hiddenFill xmlns="" xmlns:a14="http://schemas.microsoft.com/office/drawing/2010/main">
                 <a:solidFill>
                   <a:schemeClr val="accent1"/>
                 </a:solidFill>
               </a14:hiddenFill>
             </a:ext>
             <a:ext uri="{91240B29-F687-4f45-9708-019B960494DF}">
-              <a14:hiddenLine xmlns:a14="http://schemas.microsoft.com/office/drawing/2010/main" xmlns="" w="9525">
+              <a14:hiddenLine xmlns="" xmlns:a14="http://schemas.microsoft.com/office/drawing/2010/main" w="9525">
                 <a:solidFill>
                   <a:schemeClr val="tx1"/>
                 </a:solidFill>
@@ -4093,7 +4113,7 @@
               </a14:hiddenLine>
             </a:ext>
             <a:ext uri="{AF507438-7753-43e0-B8FC-AC1667EBCBE1}">
-              <a14:hiddenEffects xmlns:a14="http://schemas.microsoft.com/office/drawing/2010/main" xmlns="">
+              <a14:hiddenEffects xmlns="" xmlns:a14="http://schemas.microsoft.com/office/drawing/2010/main">
                 <a:effectLst>
                   <a:outerShdw blurRad="63500" dist="38099" dir="2700000" algn="ctr" rotWithShape="0">
                     <a:schemeClr val="bg2">
@@ -4168,12 +4188,12 @@
           <a:effectLst/>
           <a:extLst>
             <a:ext uri="{909E8E84-426E-40dd-AFC4-6F175D3DCCD1}">
-              <a14:hiddenFill xmlns:a14="http://schemas.microsoft.com/office/drawing/2010/main" xmlns="">
+              <a14:hiddenFill xmlns="" xmlns:a14="http://schemas.microsoft.com/office/drawing/2010/main">
                 <a:noFill/>
               </a14:hiddenFill>
             </a:ext>
             <a:ext uri="{91240B29-F687-4f45-9708-019B960494DF}">
-              <a14:hiddenLine xmlns:a14="http://schemas.microsoft.com/office/drawing/2010/main" xmlns="" w="6350">
+              <a14:hiddenLine xmlns="" xmlns:a14="http://schemas.microsoft.com/office/drawing/2010/main" w="6350">
                 <a:solidFill>
                   <a:schemeClr val="tx1"/>
                 </a:solidFill>
@@ -4183,7 +4203,7 @@
               </a14:hiddenLine>
             </a:ext>
             <a:ext uri="{AF507438-7753-43e0-B8FC-AC1667EBCBE1}">
-              <a14:hiddenEffects xmlns:a14="http://schemas.microsoft.com/office/drawing/2010/main" xmlns="">
+              <a14:hiddenEffects xmlns="" xmlns:a14="http://schemas.microsoft.com/office/drawing/2010/main">
                 <a:effectLst>
                   <a:outerShdw blurRad="63500" dist="38099" dir="2700000" algn="ctr" rotWithShape="0">
                     <a:schemeClr val="bg2">
@@ -4226,12 +4246,12 @@
           <a:effectLst/>
           <a:extLst>
             <a:ext uri="{909E8E84-426E-40dd-AFC4-6F175D3DCCD1}">
-              <a14:hiddenFill xmlns:a14="http://schemas.microsoft.com/office/drawing/2010/main" xmlns="">
+              <a14:hiddenFill xmlns="" xmlns:a14="http://schemas.microsoft.com/office/drawing/2010/main">
                 <a:noFill/>
               </a14:hiddenFill>
             </a:ext>
             <a:ext uri="{91240B29-F687-4f45-9708-019B960494DF}">
-              <a14:hiddenLine xmlns:a14="http://schemas.microsoft.com/office/drawing/2010/main" xmlns="" w="9525">
+              <a14:hiddenLine xmlns="" xmlns:a14="http://schemas.microsoft.com/office/drawing/2010/main" w="9525">
                 <a:solidFill>
                   <a:schemeClr val="tx1"/>
                 </a:solidFill>
@@ -4241,7 +4261,7 @@
               </a14:hiddenLine>
             </a:ext>
             <a:ext uri="{AF507438-7753-43e0-B8FC-AC1667EBCBE1}">
-              <a14:hiddenEffects xmlns:a14="http://schemas.microsoft.com/office/drawing/2010/main" xmlns="">
+              <a14:hiddenEffects xmlns="" xmlns:a14="http://schemas.microsoft.com/office/drawing/2010/main">
                 <a:effectLst>
                   <a:outerShdw blurRad="63500" dist="38099" dir="2700000" algn="ctr" rotWithShape="0">
                     <a:schemeClr val="bg2">
@@ -4743,7 +4763,7 @@
           <a:noFill/>
           <a:extLst>
             <a:ext uri="{909E8E84-426E-40dd-AFC4-6F175D3DCCD1}">
-              <a14:hiddenFill xmlns:a14="http://schemas.microsoft.com/office/drawing/2010/main" xmlns="">
+              <a14:hiddenFill xmlns="" xmlns:a14="http://schemas.microsoft.com/office/drawing/2010/main">
                 <a:solidFill>
                   <a:srgbClr val="FFFFFF"/>
                 </a:solidFill>
@@ -4752,47 +4772,6 @@
           </a:extLst>
         </p:spPr>
       </p:pic>
-      <p:pic>
-        <p:nvPicPr>
-          <p:cNvPr id="6161" name="Picture 17"/>
-          <p:cNvPicPr>
-            <a:picLocks noChangeAspect="1" noChangeArrowheads="1"/>
-          </p:cNvPicPr>
-          <p:nvPr/>
-        </p:nvPicPr>
-        <p:blipFill>
-          <a:blip r:embed="rId4">
-            <a:extLst>
-              <a:ext uri="{28A0092B-C50C-407E-A947-70E740481C1C}">
-                <a14:useLocalDpi xmlns:a14="http://schemas.microsoft.com/office/drawing/2010/main" val="0"/>
-              </a:ext>
-            </a:extLst>
-          </a:blip>
-          <a:srcRect l="2" t="20613"/>
-          <a:stretch>
-            <a:fillRect/>
-          </a:stretch>
-        </p:blipFill>
-        <p:spPr bwMode="auto">
-          <a:xfrm>
-            <a:off x="0" y="1295400"/>
-            <a:ext cx="9144000" cy="3959225"/>
-          </a:xfrm>
-          <a:prstGeom prst="rect">
-            <a:avLst/>
-          </a:prstGeom>
-          <a:noFill/>
-          <a:extLst>
-            <a:ext uri="{909E8E84-426E-40dd-AFC4-6F175D3DCCD1}">
-              <a14:hiddenFill xmlns:a14="http://schemas.microsoft.com/office/drawing/2010/main" xmlns="">
-                <a:solidFill>
-                  <a:srgbClr val="FFFFFF"/>
-                </a:solidFill>
-              </a14:hiddenFill>
-            </a:ext>
-          </a:extLst>
-        </p:spPr>
-      </p:pic>
       <p:sp>
         <p:nvSpPr>
           <p:cNvPr id="6176" name="Text Box 32"/>
@@ -4804,7 +4783,7 @@
         <p:spPr bwMode="auto">
           <a:xfrm>
             <a:off x="4740275" y="5502275"/>
-            <a:ext cx="4114800" cy="1101725"/>
+            <a:ext cx="4114800" cy="589905"/>
           </a:xfrm>
           <a:prstGeom prst="rect">
             <a:avLst/>
@@ -4816,14 +4795,14 @@
           <a:effectLst/>
           <a:extLst>
             <a:ext uri="{909E8E84-426E-40dd-AFC4-6F175D3DCCD1}">
-              <a14:hiddenFill xmlns:a14="http://schemas.microsoft.com/office/drawing/2010/main" xmlns="">
+              <a14:hiddenFill xmlns="" xmlns:a14="http://schemas.microsoft.com/office/drawing/2010/main">
                 <a:solidFill>
                   <a:schemeClr val="accent1"/>
                 </a:solidFill>
               </a14:hiddenFill>
             </a:ext>
             <a:ext uri="{91240B29-F687-4f45-9708-019B960494DF}">
-              <a14:hiddenLine xmlns:a14="http://schemas.microsoft.com/office/drawing/2010/main" xmlns="" w="9525">
+              <a14:hiddenLine xmlns="" xmlns:a14="http://schemas.microsoft.com/office/drawing/2010/main" w="9525">
                 <a:solidFill>
                   <a:schemeClr val="tx1"/>
                 </a:solidFill>
@@ -4833,7 +4812,7 @@
               </a14:hiddenLine>
             </a:ext>
             <a:ext uri="{AF507438-7753-43e0-B8FC-AC1667EBCBE1}">
-              <a14:hiddenEffects xmlns:a14="http://schemas.microsoft.com/office/drawing/2010/main" xmlns="">
+              <a14:hiddenEffects xmlns="" xmlns:a14="http://schemas.microsoft.com/office/drawing/2010/main">
                 <a:effectLst>
                   <a:outerShdw blurRad="63500" dist="38099" dir="2700000" algn="ctr" rotWithShape="0">
                     <a:schemeClr val="bg2">
@@ -4985,25 +4964,47 @@
           </a:lstStyle>
           <a:p>
             <a:r>
-              <a:rPr lang="de-DE" sz="2000">
+              <a:rPr lang="de-DE" sz="2000" dirty="0" smtClean="0">
                 <a:solidFill>
                   <a:srgbClr val="A32638"/>
                 </a:solidFill>
                 <a:latin typeface="Arial" charset="0"/>
               </a:rPr>
-              <a:t>Hier steht der Titel der Präsentation</a:t>
-            </a:r>
-          </a:p>
-          <a:p>
-            <a:r>
-              <a:rPr lang="de-DE" sz="2000">
+              <a:t>Jimmy Hendrix – </a:t>
+            </a:r>
+            <a:r>
+              <a:rPr lang="de-DE" sz="2000" dirty="0" err="1" smtClean="0">
                 <a:solidFill>
                   <a:srgbClr val="A32638"/>
                 </a:solidFill>
                 <a:latin typeface="Arial" charset="0"/>
               </a:rPr>
-              <a:t>einzeilig oder auch zweizeilig</a:t>
-            </a:r>
+              <a:t>Hush</a:t>
+            </a:r>
+            <a:r>
+              <a:rPr lang="de-DE" sz="2000" dirty="0" smtClean="0">
+                <a:solidFill>
+                  <a:srgbClr val="A32638"/>
+                </a:solidFill>
+                <a:latin typeface="Arial" charset="0"/>
+              </a:rPr>
+              <a:t> </a:t>
+            </a:r>
+            <a:r>
+              <a:rPr lang="de-DE" sz="2000" dirty="0" err="1" smtClean="0">
+                <a:solidFill>
+                  <a:srgbClr val="A32638"/>
+                </a:solidFill>
+                <a:latin typeface="Arial" charset="0"/>
+              </a:rPr>
+              <a:t>Now</a:t>
+            </a:r>
+            <a:endParaRPr lang="de-DE" sz="2000" dirty="0">
+              <a:solidFill>
+                <a:srgbClr val="A32638"/>
+              </a:solidFill>
+              <a:latin typeface="Arial" charset="0"/>
+            </a:endParaRPr>
           </a:p>
           <a:p>
             <a:pPr>
@@ -5012,26 +5013,15 @@
               </a:lnSpc>
             </a:pPr>
             <a:r>
-              <a:rPr lang="de-DE" sz="1400">
+              <a:rPr lang="de-DE" sz="1400" dirty="0" smtClean="0">
                 <a:solidFill>
                   <a:srgbClr val="A32638"/>
                 </a:solidFill>
                 <a:latin typeface="Arial" charset="0"/>
               </a:rPr>
-              <a:t>Manchmal wird ein Untertitel benötigt, der ebenfalls</a:t>
-            </a:r>
-          </a:p>
-          <a:p>
-            <a:r>
-              <a:rPr lang="de-DE" sz="1400">
-                <a:solidFill>
-                  <a:srgbClr val="A32638"/>
-                </a:solidFill>
-                <a:latin typeface="Arial" charset="0"/>
-              </a:rPr>
-              <a:t>einzeilig oder mehrzeilig sein kann</a:t>
-            </a:r>
-            <a:endParaRPr lang="de-DE" sz="2000" b="1">
+              <a:t>Animation mit Processing</a:t>
+            </a:r>
+            <a:endParaRPr lang="de-DE" sz="2000" b="1" dirty="0">
               <a:solidFill>
                 <a:srgbClr val="A32638"/>
               </a:solidFill>
@@ -5050,8 +5040,8 @@
         </p:nvSpPr>
         <p:spPr bwMode="auto">
           <a:xfrm>
-            <a:off x="228600" y="6203950"/>
-            <a:ext cx="2895600" cy="152400"/>
+            <a:off x="251520" y="5797227"/>
+            <a:ext cx="2895600" cy="769441"/>
           </a:xfrm>
           <a:prstGeom prst="rect">
             <a:avLst/>
@@ -5063,14 +5053,14 @@
           <a:effectLst/>
           <a:extLst>
             <a:ext uri="{909E8E84-426E-40dd-AFC4-6F175D3DCCD1}">
-              <a14:hiddenFill xmlns:a14="http://schemas.microsoft.com/office/drawing/2010/main" xmlns="">
+              <a14:hiddenFill xmlns="" xmlns:a14="http://schemas.microsoft.com/office/drawing/2010/main">
                 <a:solidFill>
                   <a:schemeClr val="accent1"/>
                 </a:solidFill>
               </a14:hiddenFill>
             </a:ext>
             <a:ext uri="{91240B29-F687-4f45-9708-019B960494DF}">
-              <a14:hiddenLine xmlns:a14="http://schemas.microsoft.com/office/drawing/2010/main" xmlns="" w="9525">
+              <a14:hiddenLine xmlns="" xmlns:a14="http://schemas.microsoft.com/office/drawing/2010/main" w="9525">
                 <a:solidFill>
                   <a:schemeClr val="tx1"/>
                 </a:solidFill>
@@ -5080,7 +5070,7 @@
               </a14:hiddenLine>
             </a:ext>
             <a:ext uri="{AF507438-7753-43e0-B8FC-AC1667EBCBE1}">
-              <a14:hiddenEffects xmlns:a14="http://schemas.microsoft.com/office/drawing/2010/main" xmlns="">
+              <a14:hiddenEffects xmlns="" xmlns:a14="http://schemas.microsoft.com/office/drawing/2010/main">
                 <a:effectLst>
                   <a:outerShdw blurRad="63500" dist="38099" dir="2700000" algn="ctr" rotWithShape="0">
                     <a:schemeClr val="bg2">
@@ -5242,17 +5232,149 @@
               <a:buNone/>
             </a:pPr>
             <a:r>
-              <a:rPr lang="de-DE" sz="900">
+              <a:rPr lang="de-DE" sz="900" dirty="0" smtClean="0">
                 <a:solidFill>
                   <a:srgbClr val="323232"/>
                 </a:solidFill>
                 <a:latin typeface="Arial" charset="0"/>
               </a:rPr>
-              <a:t>Name | Datum | sonstige Infos, auch mehrzeilig möglich</a:t>
-            </a:r>
-          </a:p>
-        </p:txBody>
-      </p:sp>
+              <a:t>Luis </a:t>
+            </a:r>
+            <a:r>
+              <a:rPr lang="de-DE" sz="900" dirty="0" err="1" smtClean="0">
+                <a:solidFill>
+                  <a:srgbClr val="323232"/>
+                </a:solidFill>
+                <a:latin typeface="Arial" charset="0"/>
+              </a:rPr>
+              <a:t>Beaucamp</a:t>
+            </a:r>
+            <a:endParaRPr lang="de-DE" sz="900" dirty="0" smtClean="0">
+              <a:solidFill>
+                <a:srgbClr val="323232"/>
+              </a:solidFill>
+              <a:latin typeface="Arial" charset="0"/>
+            </a:endParaRPr>
+          </a:p>
+          <a:p>
+            <a:pPr eaLnBrk="1" hangingPunct="1">
+              <a:lnSpc>
+                <a:spcPts val="1200"/>
+              </a:lnSpc>
+              <a:buClr>
+                <a:schemeClr val="tx2"/>
+              </a:buClr>
+              <a:buFont typeface="Times" charset="0"/>
+              <a:buNone/>
+            </a:pPr>
+            <a:r>
+              <a:rPr lang="de-DE" sz="900" dirty="0" smtClean="0">
+                <a:solidFill>
+                  <a:srgbClr val="323232"/>
+                </a:solidFill>
+                <a:latin typeface="Arial" charset="0"/>
+              </a:rPr>
+              <a:t>Tim Stenzel</a:t>
+            </a:r>
+          </a:p>
+          <a:p>
+            <a:pPr eaLnBrk="1" hangingPunct="1">
+              <a:lnSpc>
+                <a:spcPts val="1200"/>
+              </a:lnSpc>
+              <a:buClr>
+                <a:schemeClr val="tx2"/>
+              </a:buClr>
+              <a:buFont typeface="Times" charset="0"/>
+              <a:buNone/>
+            </a:pPr>
+            <a:r>
+              <a:rPr lang="de-DE" sz="900" dirty="0" smtClean="0">
+                <a:solidFill>
+                  <a:srgbClr val="323232"/>
+                </a:solidFill>
+                <a:latin typeface="Arial" charset="0"/>
+              </a:rPr>
+              <a:t>Marco Combosch</a:t>
+            </a:r>
+          </a:p>
+          <a:p>
+            <a:pPr eaLnBrk="1" hangingPunct="1">
+              <a:lnSpc>
+                <a:spcPts val="1200"/>
+              </a:lnSpc>
+              <a:buClr>
+                <a:schemeClr val="tx2"/>
+              </a:buClr>
+              <a:buFont typeface="Times" charset="0"/>
+              <a:buNone/>
+            </a:pPr>
+            <a:endParaRPr lang="de-DE" sz="900" dirty="0">
+              <a:solidFill>
+                <a:srgbClr val="323232"/>
+              </a:solidFill>
+              <a:latin typeface="Arial" charset="0"/>
+            </a:endParaRPr>
+          </a:p>
+          <a:p>
+            <a:pPr eaLnBrk="1" hangingPunct="1">
+              <a:lnSpc>
+                <a:spcPts val="1200"/>
+              </a:lnSpc>
+              <a:buClr>
+                <a:schemeClr val="tx2"/>
+              </a:buClr>
+              <a:buFont typeface="Times" charset="0"/>
+              <a:buNone/>
+            </a:pPr>
+            <a:r>
+              <a:rPr lang="de-DE" sz="900" dirty="0" smtClean="0">
+                <a:solidFill>
+                  <a:srgbClr val="323232"/>
+                </a:solidFill>
+                <a:latin typeface="Arial" charset="0"/>
+              </a:rPr>
+              <a:t>07.08.2015 | Grundlagen der Gestaltung II</a:t>
+            </a:r>
+            <a:endParaRPr lang="de-DE" sz="900" dirty="0">
+              <a:solidFill>
+                <a:srgbClr val="323232"/>
+              </a:solidFill>
+              <a:latin typeface="Arial" charset="0"/>
+            </a:endParaRPr>
+          </a:p>
+        </p:txBody>
+      </p:sp>
+      <p:pic>
+        <p:nvPicPr>
+          <p:cNvPr id="2" name="Grafik 1"/>
+          <p:cNvPicPr>
+            <a:picLocks noChangeAspect="1"/>
+          </p:cNvPicPr>
+          <p:nvPr/>
+        </p:nvPicPr>
+        <p:blipFill>
+          <a:blip r:embed="rId4">
+            <a:extLst>
+              <a:ext uri="{28A0092B-C50C-407E-A947-70E740481C1C}">
+                <a14:useLocalDpi xmlns:a14="http://schemas.microsoft.com/office/drawing/2010/main" val="0"/>
+              </a:ext>
+            </a:extLst>
+          </a:blip>
+          <a:stretch>
+            <a:fillRect/>
+          </a:stretch>
+        </p:blipFill>
+        <p:spPr>
+          <a:xfrm>
+            <a:off x="14659" y="1272010"/>
+            <a:ext cx="9144000" cy="3976234"/>
+          </a:xfrm>
+          <a:prstGeom prst="rect">
+            <a:avLst/>
+          </a:prstGeom>
+        </p:spPr>
+      </p:pic>
     </p:spTree>
   </p:cSld>
   <p:clrMapOvr>
@@ -5304,7 +5426,7 @@
           <a:lstStyle/>
           <a:p>
             <a:r>
-              <a:rPr lang="de-DE"/>
+              <a:rPr lang="de-DE" dirty="0"/>
               <a:t>Inhalt</a:t>
             </a:r>
           </a:p>
@@ -5317,76 +5439,113 @@
             <a:spLocks noGrp="1" noChangeArrowheads="1"/>
           </p:cNvSpPr>
           <p:nvPr>
-            <p:ph type="body" idx="1"/>
+            <p:ph idx="1"/>
           </p:nvPr>
         </p:nvSpPr>
         <p:spPr/>
         <p:txBody>
           <a:bodyPr/>
           <a:lstStyle/>
+          <a:p>
+            <a:pPr>
+              <a:buFont typeface="Arial" panose="020B0604020202020204" pitchFamily="34" charset="0"/>
+              <a:buChar char="•"/>
+            </a:pPr>
+            <a:r>
+              <a:rPr lang="de-DE" sz="2800" dirty="0" smtClean="0"/>
+              <a:t>Jimmy Hendrix – </a:t>
+            </a:r>
+            <a:r>
+              <a:rPr lang="de-DE" sz="2800" dirty="0" err="1" smtClean="0"/>
+              <a:t>Hush</a:t>
+            </a:r>
+            <a:r>
+              <a:rPr lang="de-DE" sz="2800" dirty="0" smtClean="0"/>
+              <a:t> </a:t>
+            </a:r>
+            <a:r>
+              <a:rPr lang="de-DE" sz="2800" dirty="0" err="1" smtClean="0"/>
+              <a:t>Now</a:t>
+            </a:r>
+            <a:endParaRPr lang="de-DE" sz="2800" dirty="0" smtClean="0"/>
+          </a:p>
+          <a:p>
+            <a:pPr marL="0" indent="0"/>
+            <a:endParaRPr lang="de-DE" sz="2800" dirty="0"/>
+          </a:p>
+          <a:p>
+            <a:pPr marL="0" indent="0"/>
+            <a:endParaRPr lang="de-DE" sz="2800" dirty="0" smtClean="0"/>
+          </a:p>
+          <a:p>
+            <a:pPr>
+              <a:buFont typeface="Arial" panose="020B0604020202020204" pitchFamily="34" charset="0"/>
+              <a:buChar char="•"/>
+            </a:pPr>
+            <a:r>
+              <a:rPr lang="de-DE" sz="2800" dirty="0" smtClean="0"/>
+              <a:t>Vom Song zur Idee</a:t>
+            </a:r>
+          </a:p>
+          <a:p>
+            <a:pPr>
+              <a:buFont typeface="Arial" panose="020B0604020202020204" pitchFamily="34" charset="0"/>
+              <a:buChar char="•"/>
+            </a:pPr>
+            <a:endParaRPr lang="de-DE" sz="2800" dirty="0" smtClean="0"/>
+          </a:p>
+          <a:p>
+            <a:pPr>
+              <a:buFont typeface="Arial" panose="020B0604020202020204" pitchFamily="34" charset="0"/>
+              <a:buChar char="•"/>
+            </a:pPr>
+            <a:endParaRPr lang="de-DE" sz="2800" dirty="0" smtClean="0"/>
+          </a:p>
+          <a:p>
+            <a:pPr>
+              <a:buFont typeface="Arial" panose="020B0604020202020204" pitchFamily="34" charset="0"/>
+              <a:buChar char="•"/>
+            </a:pPr>
+            <a:r>
+              <a:rPr lang="de-DE" sz="2800" dirty="0" smtClean="0"/>
+              <a:t>Von der Idee zum Video</a:t>
+            </a:r>
+          </a:p>
+          <a:p>
+            <a:pPr>
+              <a:buFont typeface="Arial" panose="020B0604020202020204" pitchFamily="34" charset="0"/>
+              <a:buChar char="•"/>
+            </a:pPr>
+            <a:endParaRPr lang="de-DE" sz="2800" dirty="0"/>
+          </a:p>
+          <a:p>
+            <a:pPr>
+              <a:buFont typeface="Arial" panose="020B0604020202020204" pitchFamily="34" charset="0"/>
+              <a:buChar char="•"/>
+            </a:pPr>
+            <a:endParaRPr lang="de-DE" sz="2800" dirty="0" smtClean="0"/>
+          </a:p>
+          <a:p>
+            <a:pPr>
+              <a:buFont typeface="Arial" panose="020B0604020202020204" pitchFamily="34" charset="0"/>
+              <a:buChar char="•"/>
+            </a:pPr>
+            <a:r>
+              <a:rPr lang="de-DE" sz="2800" dirty="0" smtClean="0"/>
+              <a:t>Fazit</a:t>
+            </a:r>
+            <a:endParaRPr lang="de-DE" sz="2800" dirty="0"/>
+          </a:p>
+          <a:p>
+            <a:endParaRPr lang="de-DE" dirty="0"/>
+          </a:p>
           <a:p>
             <a:pPr lvl="1">
               <a:lnSpc>
                 <a:spcPct val="90000"/>
               </a:lnSpc>
             </a:pPr>
-            <a:r>
-              <a:rPr lang="de-DE"/>
-              <a:t>Das ist eine Möglichkeit für eine Aufzählung</a:t>
-            </a:r>
-          </a:p>
-          <a:p>
-            <a:pPr lvl="1">
-              <a:lnSpc>
-                <a:spcPct val="90000"/>
-              </a:lnSpc>
-            </a:pPr>
-            <a:endParaRPr lang="de-DE"/>
-          </a:p>
-          <a:p>
-            <a:pPr lvl="1">
-              <a:lnSpc>
-                <a:spcPct val="90000"/>
-              </a:lnSpc>
-            </a:pPr>
-            <a:r>
-              <a:rPr lang="de-DE"/>
-              <a:t>Aufzählung in Arial 18 pt</a:t>
-            </a:r>
-          </a:p>
-          <a:p>
-            <a:pPr lvl="1">
-              <a:lnSpc>
-                <a:spcPct val="90000"/>
-              </a:lnSpc>
-            </a:pPr>
-            <a:endParaRPr lang="de-DE"/>
-          </a:p>
-          <a:p>
-            <a:pPr lvl="1">
-              <a:lnSpc>
-                <a:spcPct val="90000"/>
-              </a:lnSpc>
-            </a:pPr>
-            <a:r>
-              <a:rPr lang="de-DE"/>
-              <a:t>Aufzählung</a:t>
-            </a:r>
-            <a:endParaRPr lang="de-DE" sz="1600"/>
-          </a:p>
-          <a:p>
-            <a:endParaRPr lang="de-DE"/>
-          </a:p>
-          <a:p>
-            <a:endParaRPr lang="de-DE"/>
-          </a:p>
-          <a:p>
-            <a:pPr lvl="1">
-              <a:lnSpc>
-                <a:spcPct val="90000"/>
-              </a:lnSpc>
-            </a:pPr>
-            <a:endParaRPr lang="de-DE" sz="1600"/>
+            <a:endParaRPr lang="de-DE" sz="1600" dirty="0"/>
           </a:p>
         </p:txBody>
       </p:sp>
@@ -5441,30 +5600,80 @@
           <a:lstStyle/>
           <a:p>
             <a:r>
-              <a:rPr lang="de-DE"/>
-              <a:t>Das ist eine Überschrift in Arial 20 pt</a:t>
-            </a:r>
-          </a:p>
-        </p:txBody>
-      </p:sp>
-      <p:sp>
-        <p:nvSpPr>
-          <p:cNvPr id="582659" name="Rectangle 3"/>
-          <p:cNvSpPr>
-            <a:spLocks noGrp="1" noChangeArrowheads="1"/>
-          </p:cNvSpPr>
-          <p:nvPr>
-            <p:ph type="body" idx="1"/>
-          </p:nvPr>
-        </p:nvSpPr>
-        <p:spPr/>
-        <p:txBody>
-          <a:bodyPr/>
+              <a:rPr lang="de-DE" dirty="0" smtClean="0"/>
+              <a:t>Jimmy Hendrix – </a:t>
+            </a:r>
+            <a:r>
+              <a:rPr lang="de-DE" dirty="0" err="1" smtClean="0"/>
+              <a:t>Hush</a:t>
+            </a:r>
+            <a:r>
+              <a:rPr lang="de-DE" dirty="0" smtClean="0"/>
+              <a:t> </a:t>
+            </a:r>
+            <a:r>
+              <a:rPr lang="de-DE" dirty="0" err="1" smtClean="0"/>
+              <a:t>Now</a:t>
+            </a:r>
+            <a:endParaRPr lang="de-DE" dirty="0"/>
+          </a:p>
+        </p:txBody>
+      </p:sp>
+      <p:pic>
+        <p:nvPicPr>
+          <p:cNvPr id="2" name="Grafik 1"/>
+          <p:cNvPicPr>
+            <a:picLocks noChangeAspect="1"/>
+          </p:cNvPicPr>
+          <p:nvPr/>
+        </p:nvPicPr>
+        <p:blipFill>
+          <a:blip r:embed="rId2">
+            <a:extLst>
+              <a:ext uri="{28A0092B-C50C-407E-A947-70E740481C1C}">
+                <a14:useLocalDpi xmlns:a14="http://schemas.microsoft.com/office/drawing/2010/main" val="0"/>
+              </a:ext>
+            </a:extLst>
+          </a:blip>
+          <a:stretch>
+            <a:fillRect/>
+          </a:stretch>
+        </p:blipFill>
+        <p:spPr>
+          <a:xfrm>
+            <a:off x="4972557" y="1571625"/>
+            <a:ext cx="3633948" cy="4233639"/>
+          </a:xfrm>
+          <a:prstGeom prst="rect">
+            <a:avLst/>
+          </a:prstGeom>
+        </p:spPr>
+      </p:pic>
+      <p:sp>
+        <p:nvSpPr>
+          <p:cNvPr id="4" name="Textfeld 3"/>
+          <p:cNvSpPr txBox="1"/>
+          <p:nvPr/>
+        </p:nvSpPr>
+        <p:spPr>
+          <a:xfrm>
+            <a:off x="4972557" y="5949280"/>
+            <a:ext cx="3633948" cy="461665"/>
+          </a:xfrm>
+          <a:prstGeom prst="rect">
+            <a:avLst/>
+          </a:prstGeom>
+          <a:noFill/>
+        </p:spPr>
+        <p:txBody>
+          <a:bodyPr wrap="square" rtlCol="0">
+            <a:spAutoFit/>
+          </a:bodyPr>
           <a:lstStyle/>
           <a:p>
             <a:r>
-              <a:rPr lang="de-DE"/>
-              <a:t>Das ist ein Beispieltext in Arial 18 pt</a:t>
+              <a:rPr lang="de-DE" sz="1200" dirty="0"/>
+              <a:t>Quelle: http://www.flowerpowerpacha.com/wp-content/uploads/2015/03/jimi.jpg</a:t>
             </a:r>
           </a:p>
         </p:txBody>
@@ -5477,6 +5686,13 @@
   <p:transition>
     <p:dissolve/>
   </p:transition>
+  <p:timing>
+    <p:tnLst>
+      <p:par>
+        <p:cTn id="1" dur="indefinite" restart="never" nodeType="tmRoot"/>
+      </p:par>
+    </p:tnLst>
+  </p:timing>
 </p:sld>
 </file>
 
@@ -5499,9 +5715,9 @@
       </p:grpSpPr>
       <p:sp>
         <p:nvSpPr>
-          <p:cNvPr id="583682" name="Rectangle 2"/>
-          <p:cNvSpPr>
-            <a:spLocks noGrp="1" noChangeArrowheads="1"/>
+          <p:cNvPr id="2" name="Titel 1"/>
+          <p:cNvSpPr>
+            <a:spLocks noGrp="1"/>
           </p:cNvSpPr>
           <p:nvPr>
             <p:ph type="title"/>
@@ -5513,5011 +5729,38 @@
           <a:lstStyle/>
           <a:p>
             <a:r>
-              <a:rPr lang="de-DE"/>
-              <a:t>Die Uni-Farben im Überblick</a:t>
-            </a:r>
-          </a:p>
-        </p:txBody>
-      </p:sp>
-      <p:sp>
-        <p:nvSpPr>
-          <p:cNvPr id="583747" name="Rectangle 67"/>
-          <p:cNvSpPr>
-            <a:spLocks noChangeArrowheads="1"/>
-          </p:cNvSpPr>
-          <p:nvPr/>
-        </p:nvSpPr>
-        <p:spPr bwMode="auto">
-          <a:xfrm>
-            <a:off x="923925" y="2603500"/>
-            <a:ext cx="609600" cy="457200"/>
-          </a:xfrm>
-          <a:prstGeom prst="rect">
-            <a:avLst/>
-          </a:prstGeom>
-          <a:solidFill>
-            <a:srgbClr val="AAA28D"/>
-          </a:solidFill>
-          <a:ln>
-            <a:noFill/>
-          </a:ln>
-          <a:effectLst/>
-          <a:extLst>
-            <a:ext uri="{91240B29-F687-4f45-9708-019B960494DF}">
-              <a14:hiddenLine xmlns:a14="http://schemas.microsoft.com/office/drawing/2010/main" xmlns="" w="9525">
-                <a:solidFill>
-                  <a:schemeClr val="tx1"/>
-                </a:solidFill>
-                <a:miter lim="800000"/>
-                <a:headEnd/>
-                <a:tailEnd/>
-              </a14:hiddenLine>
-            </a:ext>
-            <a:ext uri="{AF507438-7753-43e0-B8FC-AC1667EBCBE1}">
-              <a14:hiddenEffects xmlns:a14="http://schemas.microsoft.com/office/drawing/2010/main" xmlns="">
-                <a:effectLst>
-                  <a:outerShdw blurRad="63500" dist="38099" dir="2700000" algn="ctr" rotWithShape="0">
-                    <a:schemeClr val="bg2">
-                      <a:alpha val="74998"/>
-                    </a:schemeClr>
-                  </a:outerShdw>
-                </a:effectLst>
-              </a14:hiddenEffects>
-            </a:ext>
-          </a:extLst>
-        </p:spPr>
-        <p:txBody>
-          <a:bodyPr wrap="none" anchor="ctr"/>
+              <a:rPr lang="de-DE" dirty="0" smtClean="0"/>
+              <a:t>Vom Song zur Idee</a:t>
+            </a:r>
+            <a:endParaRPr lang="de-DE" dirty="0"/>
+          </a:p>
+        </p:txBody>
+      </p:sp>
+      <p:sp>
+        <p:nvSpPr>
+          <p:cNvPr id="3" name="Inhaltsplatzhalter 2"/>
+          <p:cNvSpPr>
+            <a:spLocks noGrp="1"/>
+          </p:cNvSpPr>
+          <p:nvPr>
+            <p:ph idx="1"/>
+          </p:nvPr>
+        </p:nvSpPr>
+        <p:spPr/>
+        <p:txBody>
+          <a:bodyPr/>
           <a:lstStyle/>
           <a:p>
-            <a:pPr algn="ctr"/>
-            <a:endParaRPr lang="de-DE">
-              <a:solidFill>
-                <a:srgbClr val="A2A180"/>
-              </a:solidFill>
-              <a:latin typeface="Times" charset="0"/>
-            </a:endParaRPr>
-          </a:p>
-        </p:txBody>
-      </p:sp>
-      <p:sp>
-        <p:nvSpPr>
-          <p:cNvPr id="583748" name="Rectangle 68"/>
-          <p:cNvSpPr>
-            <a:spLocks noChangeArrowheads="1"/>
-          </p:cNvSpPr>
-          <p:nvPr/>
-        </p:nvSpPr>
-        <p:spPr bwMode="auto">
-          <a:xfrm>
-            <a:off x="1685925" y="2603500"/>
-            <a:ext cx="609600" cy="457200"/>
-          </a:xfrm>
-          <a:prstGeom prst="rect">
-            <a:avLst/>
-          </a:prstGeom>
-          <a:solidFill>
-            <a:srgbClr val="AAA28D">
-              <a:alpha val="89999"/>
-            </a:srgbClr>
-          </a:solidFill>
-          <a:ln>
-            <a:noFill/>
-          </a:ln>
-          <a:effectLst/>
-          <a:extLst>
-            <a:ext uri="{91240B29-F687-4f45-9708-019B960494DF}">
-              <a14:hiddenLine xmlns:a14="http://schemas.microsoft.com/office/drawing/2010/main" xmlns="" w="9525">
-                <a:solidFill>
-                  <a:schemeClr val="tx1"/>
-                </a:solidFill>
-                <a:miter lim="800000"/>
-                <a:headEnd/>
-                <a:tailEnd/>
-              </a14:hiddenLine>
-            </a:ext>
-            <a:ext uri="{AF507438-7753-43e0-B8FC-AC1667EBCBE1}">
-              <a14:hiddenEffects xmlns:a14="http://schemas.microsoft.com/office/drawing/2010/main" xmlns="">
-                <a:effectLst>
-                  <a:outerShdw blurRad="63500" dist="38099" dir="2700000" algn="ctr" rotWithShape="0">
-                    <a:schemeClr val="bg2">
-                      <a:alpha val="74998"/>
-                    </a:schemeClr>
-                  </a:outerShdw>
-                </a:effectLst>
-              </a14:hiddenEffects>
-            </a:ext>
-          </a:extLst>
-        </p:spPr>
-        <p:txBody>
-          <a:bodyPr wrap="none" anchor="ctr"/>
-          <a:lstStyle/>
-          <a:p>
-            <a:pPr algn="ctr"/>
-            <a:endParaRPr lang="de-DE">
-              <a:solidFill>
-                <a:srgbClr val="A2A180"/>
-              </a:solidFill>
-              <a:latin typeface="Times" charset="0"/>
-            </a:endParaRPr>
-          </a:p>
-        </p:txBody>
-      </p:sp>
-      <p:sp>
-        <p:nvSpPr>
-          <p:cNvPr id="583749" name="Rectangle 69"/>
-          <p:cNvSpPr>
-            <a:spLocks noChangeArrowheads="1"/>
-          </p:cNvSpPr>
-          <p:nvPr/>
-        </p:nvSpPr>
-        <p:spPr bwMode="auto">
-          <a:xfrm>
-            <a:off x="2447925" y="2603500"/>
-            <a:ext cx="609600" cy="457200"/>
-          </a:xfrm>
-          <a:prstGeom prst="rect">
-            <a:avLst/>
-          </a:prstGeom>
-          <a:solidFill>
-            <a:srgbClr val="AAA28D">
-              <a:alpha val="80000"/>
-            </a:srgbClr>
-          </a:solidFill>
-          <a:ln>
-            <a:noFill/>
-          </a:ln>
-          <a:effectLst/>
-          <a:extLst>
-            <a:ext uri="{91240B29-F687-4f45-9708-019B960494DF}">
-              <a14:hiddenLine xmlns:a14="http://schemas.microsoft.com/office/drawing/2010/main" xmlns="" w="9525">
-                <a:solidFill>
-                  <a:schemeClr val="tx1"/>
-                </a:solidFill>
-                <a:miter lim="800000"/>
-                <a:headEnd/>
-                <a:tailEnd/>
-              </a14:hiddenLine>
-            </a:ext>
-            <a:ext uri="{AF507438-7753-43e0-B8FC-AC1667EBCBE1}">
-              <a14:hiddenEffects xmlns:a14="http://schemas.microsoft.com/office/drawing/2010/main" xmlns="">
-                <a:effectLst>
-                  <a:outerShdw blurRad="63500" dist="38099" dir="2700000" algn="ctr" rotWithShape="0">
-                    <a:schemeClr val="bg2">
-                      <a:alpha val="74998"/>
-                    </a:schemeClr>
-                  </a:outerShdw>
-                </a:effectLst>
-              </a14:hiddenEffects>
-            </a:ext>
-          </a:extLst>
-        </p:spPr>
-        <p:txBody>
-          <a:bodyPr wrap="none" anchor="ctr"/>
-          <a:lstStyle/>
-          <a:p>
-            <a:pPr algn="ctr"/>
-            <a:endParaRPr lang="de-DE">
-              <a:solidFill>
-                <a:srgbClr val="A2A180"/>
-              </a:solidFill>
-              <a:latin typeface="Times" charset="0"/>
-            </a:endParaRPr>
-          </a:p>
-        </p:txBody>
-      </p:sp>
-      <p:sp>
-        <p:nvSpPr>
-          <p:cNvPr id="583750" name="Rectangle 70"/>
-          <p:cNvSpPr>
-            <a:spLocks noChangeArrowheads="1"/>
-          </p:cNvSpPr>
-          <p:nvPr/>
-        </p:nvSpPr>
-        <p:spPr bwMode="auto">
-          <a:xfrm>
-            <a:off x="3209925" y="2603500"/>
-            <a:ext cx="609600" cy="457200"/>
-          </a:xfrm>
-          <a:prstGeom prst="rect">
-            <a:avLst/>
-          </a:prstGeom>
-          <a:solidFill>
-            <a:srgbClr val="AAA28D">
-              <a:alpha val="70000"/>
-            </a:srgbClr>
-          </a:solidFill>
-          <a:ln>
-            <a:noFill/>
-          </a:ln>
-          <a:effectLst/>
-          <a:extLst>
-            <a:ext uri="{91240B29-F687-4f45-9708-019B960494DF}">
-              <a14:hiddenLine xmlns:a14="http://schemas.microsoft.com/office/drawing/2010/main" xmlns="" w="9525">
-                <a:solidFill>
-                  <a:schemeClr val="tx1"/>
-                </a:solidFill>
-                <a:miter lim="800000"/>
-                <a:headEnd/>
-                <a:tailEnd/>
-              </a14:hiddenLine>
-            </a:ext>
-            <a:ext uri="{AF507438-7753-43e0-B8FC-AC1667EBCBE1}">
-              <a14:hiddenEffects xmlns:a14="http://schemas.microsoft.com/office/drawing/2010/main" xmlns="">
-                <a:effectLst>
-                  <a:outerShdw blurRad="63500" dist="38099" dir="2700000" algn="ctr" rotWithShape="0">
-                    <a:schemeClr val="bg2">
-                      <a:alpha val="74998"/>
-                    </a:schemeClr>
-                  </a:outerShdw>
-                </a:effectLst>
-              </a14:hiddenEffects>
-            </a:ext>
-          </a:extLst>
-        </p:spPr>
-        <p:txBody>
-          <a:bodyPr wrap="none" anchor="ctr"/>
-          <a:lstStyle/>
-          <a:p>
-            <a:pPr algn="ctr"/>
-            <a:endParaRPr lang="de-DE">
-              <a:solidFill>
-                <a:srgbClr val="A2A180"/>
-              </a:solidFill>
-              <a:latin typeface="Times" charset="0"/>
-            </a:endParaRPr>
-          </a:p>
-        </p:txBody>
-      </p:sp>
-      <p:sp>
-        <p:nvSpPr>
-          <p:cNvPr id="583751" name="Rectangle 71"/>
-          <p:cNvSpPr>
-            <a:spLocks noChangeArrowheads="1"/>
-          </p:cNvSpPr>
-          <p:nvPr/>
-        </p:nvSpPr>
-        <p:spPr bwMode="auto">
-          <a:xfrm>
-            <a:off x="3971925" y="2603500"/>
-            <a:ext cx="609600" cy="457200"/>
-          </a:xfrm>
-          <a:prstGeom prst="rect">
-            <a:avLst/>
-          </a:prstGeom>
-          <a:solidFill>
-            <a:srgbClr val="AAA28D">
-              <a:alpha val="60001"/>
-            </a:srgbClr>
-          </a:solidFill>
-          <a:ln>
-            <a:noFill/>
-          </a:ln>
-          <a:effectLst/>
-          <a:extLst>
-            <a:ext uri="{91240B29-F687-4f45-9708-019B960494DF}">
-              <a14:hiddenLine xmlns:a14="http://schemas.microsoft.com/office/drawing/2010/main" xmlns="" w="9525">
-                <a:solidFill>
-                  <a:schemeClr val="tx1"/>
-                </a:solidFill>
-                <a:miter lim="800000"/>
-                <a:headEnd/>
-                <a:tailEnd/>
-              </a14:hiddenLine>
-            </a:ext>
-            <a:ext uri="{AF507438-7753-43e0-B8FC-AC1667EBCBE1}">
-              <a14:hiddenEffects xmlns:a14="http://schemas.microsoft.com/office/drawing/2010/main" xmlns="">
-                <a:effectLst>
-                  <a:outerShdw blurRad="63500" dist="38099" dir="2700000" algn="ctr" rotWithShape="0">
-                    <a:schemeClr val="bg2">
-                      <a:alpha val="74998"/>
-                    </a:schemeClr>
-                  </a:outerShdw>
-                </a:effectLst>
-              </a14:hiddenEffects>
-            </a:ext>
-          </a:extLst>
-        </p:spPr>
-        <p:txBody>
-          <a:bodyPr wrap="none" anchor="ctr"/>
-          <a:lstStyle/>
-          <a:p>
-            <a:pPr algn="ctr"/>
-            <a:endParaRPr lang="de-DE">
-              <a:solidFill>
-                <a:srgbClr val="A2A180"/>
-              </a:solidFill>
-              <a:latin typeface="Times" charset="0"/>
-            </a:endParaRPr>
-          </a:p>
-        </p:txBody>
-      </p:sp>
-      <p:sp>
-        <p:nvSpPr>
-          <p:cNvPr id="583752" name="Rectangle 72"/>
-          <p:cNvSpPr>
-            <a:spLocks noChangeArrowheads="1"/>
-          </p:cNvSpPr>
-          <p:nvPr/>
-        </p:nvSpPr>
-        <p:spPr bwMode="auto">
-          <a:xfrm>
-            <a:off x="4733925" y="2603500"/>
-            <a:ext cx="608013" cy="457200"/>
-          </a:xfrm>
-          <a:prstGeom prst="rect">
-            <a:avLst/>
-          </a:prstGeom>
-          <a:solidFill>
-            <a:srgbClr val="AAA28D">
-              <a:alpha val="50000"/>
-            </a:srgbClr>
-          </a:solidFill>
-          <a:ln>
-            <a:noFill/>
-          </a:ln>
-          <a:effectLst/>
-          <a:extLst>
-            <a:ext uri="{91240B29-F687-4f45-9708-019B960494DF}">
-              <a14:hiddenLine xmlns:a14="http://schemas.microsoft.com/office/drawing/2010/main" xmlns="" w="9525">
-                <a:solidFill>
-                  <a:schemeClr val="tx1"/>
-                </a:solidFill>
-                <a:miter lim="800000"/>
-                <a:headEnd/>
-                <a:tailEnd/>
-              </a14:hiddenLine>
-            </a:ext>
-            <a:ext uri="{AF507438-7753-43e0-B8FC-AC1667EBCBE1}">
-              <a14:hiddenEffects xmlns:a14="http://schemas.microsoft.com/office/drawing/2010/main" xmlns="">
-                <a:effectLst>
-                  <a:outerShdw blurRad="63500" dist="38099" dir="2700000" algn="ctr" rotWithShape="0">
-                    <a:schemeClr val="bg2">
-                      <a:alpha val="74998"/>
-                    </a:schemeClr>
-                  </a:outerShdw>
-                </a:effectLst>
-              </a14:hiddenEffects>
-            </a:ext>
-          </a:extLst>
-        </p:spPr>
-        <p:txBody>
-          <a:bodyPr wrap="none" lIns="90000" tIns="46800" rIns="90000" bIns="46800" anchor="ctr"/>
-          <a:lstStyle/>
-          <a:p>
-            <a:pPr algn="ctr"/>
-            <a:endParaRPr lang="de-DE">
-              <a:solidFill>
-                <a:srgbClr val="A2A180"/>
-              </a:solidFill>
-              <a:latin typeface="Times" charset="0"/>
-            </a:endParaRPr>
-          </a:p>
-        </p:txBody>
-      </p:sp>
-      <p:sp>
-        <p:nvSpPr>
-          <p:cNvPr id="583753" name="Rectangle 73"/>
-          <p:cNvSpPr>
-            <a:spLocks noChangeArrowheads="1"/>
-          </p:cNvSpPr>
-          <p:nvPr/>
-        </p:nvSpPr>
-        <p:spPr bwMode="auto">
-          <a:xfrm>
-            <a:off x="5495925" y="2603500"/>
-            <a:ext cx="608013" cy="457200"/>
-          </a:xfrm>
-          <a:prstGeom prst="rect">
-            <a:avLst/>
-          </a:prstGeom>
-          <a:solidFill>
-            <a:srgbClr val="AAA28D">
-              <a:alpha val="39999"/>
-            </a:srgbClr>
-          </a:solidFill>
-          <a:ln>
-            <a:noFill/>
-          </a:ln>
-          <a:effectLst/>
-          <a:extLst>
-            <a:ext uri="{91240B29-F687-4f45-9708-019B960494DF}">
-              <a14:hiddenLine xmlns:a14="http://schemas.microsoft.com/office/drawing/2010/main" xmlns="" w="9525">
-                <a:solidFill>
-                  <a:schemeClr val="tx1"/>
-                </a:solidFill>
-                <a:miter lim="800000"/>
-                <a:headEnd/>
-                <a:tailEnd/>
-              </a14:hiddenLine>
-            </a:ext>
-            <a:ext uri="{AF507438-7753-43e0-B8FC-AC1667EBCBE1}">
-              <a14:hiddenEffects xmlns:a14="http://schemas.microsoft.com/office/drawing/2010/main" xmlns="">
-                <a:effectLst>
-                  <a:outerShdw blurRad="63500" dist="38099" dir="2700000" algn="ctr" rotWithShape="0">
-                    <a:schemeClr val="bg2">
-                      <a:alpha val="74998"/>
-                    </a:schemeClr>
-                  </a:outerShdw>
-                </a:effectLst>
-              </a14:hiddenEffects>
-            </a:ext>
-          </a:extLst>
-        </p:spPr>
-        <p:txBody>
-          <a:bodyPr wrap="none" lIns="90000" tIns="46800" rIns="90000" bIns="46800" anchor="ctr"/>
-          <a:lstStyle/>
-          <a:p>
-            <a:pPr algn="ctr"/>
-            <a:endParaRPr lang="de-DE">
-              <a:solidFill>
-                <a:srgbClr val="A2A180"/>
-              </a:solidFill>
-              <a:latin typeface="Times" charset="0"/>
-            </a:endParaRPr>
-          </a:p>
-        </p:txBody>
-      </p:sp>
-      <p:sp>
-        <p:nvSpPr>
-          <p:cNvPr id="583754" name="Rectangle 74"/>
-          <p:cNvSpPr>
-            <a:spLocks noChangeArrowheads="1"/>
-          </p:cNvSpPr>
-          <p:nvPr/>
-        </p:nvSpPr>
-        <p:spPr bwMode="auto">
-          <a:xfrm>
-            <a:off x="6257925" y="2603500"/>
-            <a:ext cx="608013" cy="457200"/>
-          </a:xfrm>
-          <a:prstGeom prst="rect">
-            <a:avLst/>
-          </a:prstGeom>
-          <a:solidFill>
-            <a:srgbClr val="AAA28D">
-              <a:alpha val="30000"/>
-            </a:srgbClr>
-          </a:solidFill>
-          <a:ln>
-            <a:noFill/>
-          </a:ln>
-          <a:effectLst/>
-          <a:extLst>
-            <a:ext uri="{91240B29-F687-4f45-9708-019B960494DF}">
-              <a14:hiddenLine xmlns:a14="http://schemas.microsoft.com/office/drawing/2010/main" xmlns="" w="9525">
-                <a:solidFill>
-                  <a:schemeClr val="tx1"/>
-                </a:solidFill>
-                <a:miter lim="800000"/>
-                <a:headEnd/>
-                <a:tailEnd/>
-              </a14:hiddenLine>
-            </a:ext>
-            <a:ext uri="{AF507438-7753-43e0-B8FC-AC1667EBCBE1}">
-              <a14:hiddenEffects xmlns:a14="http://schemas.microsoft.com/office/drawing/2010/main" xmlns="">
-                <a:effectLst>
-                  <a:outerShdw blurRad="63500" dist="38099" dir="2700000" algn="ctr" rotWithShape="0">
-                    <a:schemeClr val="bg2">
-                      <a:alpha val="74998"/>
-                    </a:schemeClr>
-                  </a:outerShdw>
-                </a:effectLst>
-              </a14:hiddenEffects>
-            </a:ext>
-          </a:extLst>
-        </p:spPr>
-        <p:txBody>
-          <a:bodyPr wrap="none" lIns="90000" tIns="46800" rIns="90000" bIns="46800" anchor="ctr"/>
-          <a:lstStyle/>
-          <a:p>
-            <a:pPr algn="ctr"/>
-            <a:endParaRPr lang="de-DE">
-              <a:solidFill>
-                <a:srgbClr val="A2A180"/>
-              </a:solidFill>
-              <a:latin typeface="Times" charset="0"/>
-            </a:endParaRPr>
-          </a:p>
-        </p:txBody>
-      </p:sp>
-      <p:sp>
-        <p:nvSpPr>
-          <p:cNvPr id="583755" name="Rectangle 75"/>
-          <p:cNvSpPr>
-            <a:spLocks noChangeArrowheads="1"/>
-          </p:cNvSpPr>
-          <p:nvPr/>
-        </p:nvSpPr>
-        <p:spPr bwMode="auto">
-          <a:xfrm>
-            <a:off x="7029450" y="2603500"/>
-            <a:ext cx="608013" cy="457200"/>
-          </a:xfrm>
-          <a:prstGeom prst="rect">
-            <a:avLst/>
-          </a:prstGeom>
-          <a:solidFill>
-            <a:srgbClr val="AAA28D">
-              <a:alpha val="20000"/>
-            </a:srgbClr>
-          </a:solidFill>
-          <a:ln>
-            <a:noFill/>
-          </a:ln>
-          <a:effectLst/>
-          <a:extLst>
-            <a:ext uri="{91240B29-F687-4f45-9708-019B960494DF}">
-              <a14:hiddenLine xmlns:a14="http://schemas.microsoft.com/office/drawing/2010/main" xmlns="" w="9525">
-                <a:solidFill>
-                  <a:schemeClr val="tx1"/>
-                </a:solidFill>
-                <a:miter lim="800000"/>
-                <a:headEnd/>
-                <a:tailEnd/>
-              </a14:hiddenLine>
-            </a:ext>
-            <a:ext uri="{AF507438-7753-43e0-B8FC-AC1667EBCBE1}">
-              <a14:hiddenEffects xmlns:a14="http://schemas.microsoft.com/office/drawing/2010/main" xmlns="">
-                <a:effectLst>
-                  <a:outerShdw blurRad="63500" dist="38099" dir="2700000" algn="ctr" rotWithShape="0">
-                    <a:schemeClr val="bg2">
-                      <a:alpha val="74998"/>
-                    </a:schemeClr>
-                  </a:outerShdw>
-                </a:effectLst>
-              </a14:hiddenEffects>
-            </a:ext>
-          </a:extLst>
-        </p:spPr>
-        <p:txBody>
-          <a:bodyPr wrap="none" lIns="90000" tIns="46800" rIns="90000" bIns="46800" anchor="ctr"/>
-          <a:lstStyle/>
-          <a:p>
-            <a:pPr algn="ctr"/>
-            <a:endParaRPr lang="de-DE">
-              <a:solidFill>
-                <a:srgbClr val="A2A180"/>
-              </a:solidFill>
-              <a:latin typeface="Times" charset="0"/>
-            </a:endParaRPr>
-          </a:p>
-        </p:txBody>
-      </p:sp>
-      <p:sp>
-        <p:nvSpPr>
-          <p:cNvPr id="583756" name="Rectangle 76"/>
-          <p:cNvSpPr>
-            <a:spLocks noChangeArrowheads="1"/>
-          </p:cNvSpPr>
-          <p:nvPr/>
-        </p:nvSpPr>
-        <p:spPr bwMode="auto">
-          <a:xfrm>
-            <a:off x="7791450" y="2603500"/>
-            <a:ext cx="608013" cy="457200"/>
-          </a:xfrm>
-          <a:prstGeom prst="rect">
-            <a:avLst/>
-          </a:prstGeom>
-          <a:solidFill>
-            <a:srgbClr val="AAA28D">
-              <a:alpha val="10001"/>
-            </a:srgbClr>
-          </a:solidFill>
-          <a:ln>
-            <a:noFill/>
-          </a:ln>
-          <a:effectLst/>
-          <a:extLst>
-            <a:ext uri="{91240B29-F687-4f45-9708-019B960494DF}">
-              <a14:hiddenLine xmlns:a14="http://schemas.microsoft.com/office/drawing/2010/main" xmlns="" w="9525">
-                <a:solidFill>
-                  <a:schemeClr val="tx1"/>
-                </a:solidFill>
-                <a:miter lim="800000"/>
-                <a:headEnd/>
-                <a:tailEnd/>
-              </a14:hiddenLine>
-            </a:ext>
-            <a:ext uri="{AF507438-7753-43e0-B8FC-AC1667EBCBE1}">
-              <a14:hiddenEffects xmlns:a14="http://schemas.microsoft.com/office/drawing/2010/main" xmlns="">
-                <a:effectLst>
-                  <a:outerShdw blurRad="63500" dist="38099" dir="2700000" algn="ctr" rotWithShape="0">
-                    <a:schemeClr val="bg2">
-                      <a:alpha val="74998"/>
-                    </a:schemeClr>
-                  </a:outerShdw>
-                </a:effectLst>
-              </a14:hiddenEffects>
-            </a:ext>
-          </a:extLst>
-        </p:spPr>
-        <p:txBody>
-          <a:bodyPr wrap="none" lIns="90000" tIns="46800" rIns="90000" bIns="46800" anchor="ctr"/>
-          <a:lstStyle/>
-          <a:p>
-            <a:pPr algn="ctr"/>
-            <a:endParaRPr lang="de-DE">
-              <a:solidFill>
-                <a:srgbClr val="A2A180"/>
-              </a:solidFill>
-              <a:latin typeface="Times" charset="0"/>
-            </a:endParaRPr>
-          </a:p>
-        </p:txBody>
-      </p:sp>
-      <p:sp>
-        <p:nvSpPr>
-          <p:cNvPr id="583757" name="Rectangle 77"/>
-          <p:cNvSpPr>
-            <a:spLocks noChangeArrowheads="1"/>
-          </p:cNvSpPr>
-          <p:nvPr/>
-        </p:nvSpPr>
-        <p:spPr bwMode="auto">
-          <a:xfrm>
-            <a:off x="914400" y="1841500"/>
-            <a:ext cx="609600" cy="457200"/>
-          </a:xfrm>
-          <a:prstGeom prst="rect">
-            <a:avLst/>
-          </a:prstGeom>
-          <a:solidFill>
-            <a:srgbClr val="7D9AAA"/>
-          </a:solidFill>
-          <a:ln>
-            <a:noFill/>
-          </a:ln>
-          <a:effectLst/>
-          <a:extLst>
-            <a:ext uri="{91240B29-F687-4f45-9708-019B960494DF}">
-              <a14:hiddenLine xmlns:a14="http://schemas.microsoft.com/office/drawing/2010/main" xmlns="" w="9525">
-                <a:solidFill>
-                  <a:schemeClr val="tx1"/>
-                </a:solidFill>
-                <a:miter lim="800000"/>
-                <a:headEnd/>
-                <a:tailEnd/>
-              </a14:hiddenLine>
-            </a:ext>
-            <a:ext uri="{AF507438-7753-43e0-B8FC-AC1667EBCBE1}">
-              <a14:hiddenEffects xmlns:a14="http://schemas.microsoft.com/office/drawing/2010/main" xmlns="">
-                <a:effectLst>
-                  <a:outerShdw blurRad="63500" dist="38099" dir="2700000" algn="ctr" rotWithShape="0">
-                    <a:schemeClr val="bg2">
-                      <a:alpha val="74998"/>
-                    </a:schemeClr>
-                  </a:outerShdw>
-                </a:effectLst>
-              </a14:hiddenEffects>
-            </a:ext>
-          </a:extLst>
-        </p:spPr>
-        <p:txBody>
-          <a:bodyPr wrap="none" anchor="ctr"/>
-          <a:lstStyle/>
-          <a:p>
-            <a:pPr algn="ctr"/>
-            <a:endParaRPr lang="de-DE">
-              <a:solidFill>
-                <a:srgbClr val="7D9AA9"/>
-              </a:solidFill>
-              <a:latin typeface="Times" charset="0"/>
-            </a:endParaRPr>
-          </a:p>
-        </p:txBody>
-      </p:sp>
-      <p:sp>
-        <p:nvSpPr>
-          <p:cNvPr id="583758" name="Rectangle 78"/>
-          <p:cNvSpPr>
-            <a:spLocks noChangeArrowheads="1"/>
-          </p:cNvSpPr>
-          <p:nvPr/>
-        </p:nvSpPr>
-        <p:spPr bwMode="auto">
-          <a:xfrm>
-            <a:off x="1676400" y="1841500"/>
-            <a:ext cx="609600" cy="457200"/>
-          </a:xfrm>
-          <a:prstGeom prst="rect">
-            <a:avLst/>
-          </a:prstGeom>
-          <a:solidFill>
-            <a:srgbClr val="7D9AAA">
-              <a:alpha val="89999"/>
-            </a:srgbClr>
-          </a:solidFill>
-          <a:ln>
-            <a:noFill/>
-          </a:ln>
-          <a:effectLst/>
-          <a:extLst>
-            <a:ext uri="{91240B29-F687-4f45-9708-019B960494DF}">
-              <a14:hiddenLine xmlns:a14="http://schemas.microsoft.com/office/drawing/2010/main" xmlns="" w="9525">
-                <a:solidFill>
-                  <a:schemeClr val="tx1"/>
-                </a:solidFill>
-                <a:miter lim="800000"/>
-                <a:headEnd/>
-                <a:tailEnd/>
-              </a14:hiddenLine>
-            </a:ext>
-            <a:ext uri="{AF507438-7753-43e0-B8FC-AC1667EBCBE1}">
-              <a14:hiddenEffects xmlns:a14="http://schemas.microsoft.com/office/drawing/2010/main" xmlns="">
-                <a:effectLst>
-                  <a:outerShdw blurRad="63500" dist="38099" dir="2700000" algn="ctr" rotWithShape="0">
-                    <a:schemeClr val="bg2">
-                      <a:alpha val="74998"/>
-                    </a:schemeClr>
-                  </a:outerShdw>
-                </a:effectLst>
-              </a14:hiddenEffects>
-            </a:ext>
-          </a:extLst>
-        </p:spPr>
-        <p:txBody>
-          <a:bodyPr wrap="none" anchor="ctr"/>
-          <a:lstStyle/>
-          <a:p>
-            <a:pPr algn="ctr"/>
-            <a:endParaRPr lang="de-DE">
-              <a:solidFill>
-                <a:srgbClr val="7D9AA9"/>
-              </a:solidFill>
-              <a:latin typeface="Times" charset="0"/>
-            </a:endParaRPr>
-          </a:p>
-        </p:txBody>
-      </p:sp>
-      <p:sp>
-        <p:nvSpPr>
-          <p:cNvPr id="583759" name="Rectangle 79"/>
-          <p:cNvSpPr>
-            <a:spLocks noChangeArrowheads="1"/>
-          </p:cNvSpPr>
-          <p:nvPr/>
-        </p:nvSpPr>
-        <p:spPr bwMode="auto">
-          <a:xfrm>
-            <a:off x="2438400" y="1841500"/>
-            <a:ext cx="609600" cy="457200"/>
-          </a:xfrm>
-          <a:prstGeom prst="rect">
-            <a:avLst/>
-          </a:prstGeom>
-          <a:solidFill>
-            <a:srgbClr val="7D9AAA">
-              <a:alpha val="80000"/>
-            </a:srgbClr>
-          </a:solidFill>
-          <a:ln>
-            <a:noFill/>
-          </a:ln>
-          <a:effectLst/>
-          <a:extLst>
-            <a:ext uri="{91240B29-F687-4f45-9708-019B960494DF}">
-              <a14:hiddenLine xmlns:a14="http://schemas.microsoft.com/office/drawing/2010/main" xmlns="" w="9525">
-                <a:solidFill>
-                  <a:schemeClr val="tx1"/>
-                </a:solidFill>
-                <a:miter lim="800000"/>
-                <a:headEnd/>
-                <a:tailEnd/>
-              </a14:hiddenLine>
-            </a:ext>
-            <a:ext uri="{AF507438-7753-43e0-B8FC-AC1667EBCBE1}">
-              <a14:hiddenEffects xmlns:a14="http://schemas.microsoft.com/office/drawing/2010/main" xmlns="">
-                <a:effectLst>
-                  <a:outerShdw blurRad="63500" dist="38099" dir="2700000" algn="ctr" rotWithShape="0">
-                    <a:schemeClr val="bg2">
-                      <a:alpha val="74998"/>
-                    </a:schemeClr>
-                  </a:outerShdw>
-                </a:effectLst>
-              </a14:hiddenEffects>
-            </a:ext>
-          </a:extLst>
-        </p:spPr>
-        <p:txBody>
-          <a:bodyPr wrap="none" anchor="ctr"/>
-          <a:lstStyle/>
-          <a:p>
-            <a:pPr algn="ctr"/>
-            <a:endParaRPr lang="de-DE">
-              <a:solidFill>
-                <a:srgbClr val="7D9AA9"/>
-              </a:solidFill>
-              <a:latin typeface="Times" charset="0"/>
-            </a:endParaRPr>
-          </a:p>
-        </p:txBody>
-      </p:sp>
-      <p:sp>
-        <p:nvSpPr>
-          <p:cNvPr id="583760" name="Rectangle 80"/>
-          <p:cNvSpPr>
-            <a:spLocks noChangeArrowheads="1"/>
-          </p:cNvSpPr>
-          <p:nvPr/>
-        </p:nvSpPr>
-        <p:spPr bwMode="auto">
-          <a:xfrm>
-            <a:off x="3209925" y="1841500"/>
-            <a:ext cx="609600" cy="457200"/>
-          </a:xfrm>
-          <a:prstGeom prst="rect">
-            <a:avLst/>
-          </a:prstGeom>
-          <a:solidFill>
-            <a:srgbClr val="7D9AAA">
-              <a:alpha val="70000"/>
-            </a:srgbClr>
-          </a:solidFill>
-          <a:ln>
-            <a:noFill/>
-          </a:ln>
-          <a:effectLst/>
-          <a:extLst>
-            <a:ext uri="{91240B29-F687-4f45-9708-019B960494DF}">
-              <a14:hiddenLine xmlns:a14="http://schemas.microsoft.com/office/drawing/2010/main" xmlns="" w="9525">
-                <a:solidFill>
-                  <a:schemeClr val="tx1"/>
-                </a:solidFill>
-                <a:miter lim="800000"/>
-                <a:headEnd/>
-                <a:tailEnd/>
-              </a14:hiddenLine>
-            </a:ext>
-            <a:ext uri="{AF507438-7753-43e0-B8FC-AC1667EBCBE1}">
-              <a14:hiddenEffects xmlns:a14="http://schemas.microsoft.com/office/drawing/2010/main" xmlns="">
-                <a:effectLst>
-                  <a:outerShdw blurRad="63500" dist="38099" dir="2700000" algn="ctr" rotWithShape="0">
-                    <a:schemeClr val="bg2">
-                      <a:alpha val="74998"/>
-                    </a:schemeClr>
-                  </a:outerShdw>
-                </a:effectLst>
-              </a14:hiddenEffects>
-            </a:ext>
-          </a:extLst>
-        </p:spPr>
-        <p:txBody>
-          <a:bodyPr wrap="none" anchor="ctr"/>
-          <a:lstStyle/>
-          <a:p>
-            <a:pPr algn="ctr"/>
-            <a:endParaRPr lang="de-DE">
-              <a:solidFill>
-                <a:srgbClr val="7D9AA9"/>
-              </a:solidFill>
-              <a:latin typeface="Times" charset="0"/>
-            </a:endParaRPr>
-          </a:p>
-        </p:txBody>
-      </p:sp>
-      <p:sp>
-        <p:nvSpPr>
-          <p:cNvPr id="583761" name="Rectangle 81"/>
-          <p:cNvSpPr>
-            <a:spLocks noChangeArrowheads="1"/>
-          </p:cNvSpPr>
-          <p:nvPr/>
-        </p:nvSpPr>
-        <p:spPr bwMode="auto">
-          <a:xfrm>
-            <a:off x="3962400" y="1841500"/>
-            <a:ext cx="609600" cy="457200"/>
-          </a:xfrm>
-          <a:prstGeom prst="rect">
-            <a:avLst/>
-          </a:prstGeom>
-          <a:solidFill>
-            <a:srgbClr val="7D9AAA">
-              <a:alpha val="60001"/>
-            </a:srgbClr>
-          </a:solidFill>
-          <a:ln>
-            <a:noFill/>
-          </a:ln>
-          <a:effectLst/>
-          <a:extLst>
-            <a:ext uri="{91240B29-F687-4f45-9708-019B960494DF}">
-              <a14:hiddenLine xmlns:a14="http://schemas.microsoft.com/office/drawing/2010/main" xmlns="" w="9525">
-                <a:solidFill>
-                  <a:schemeClr val="tx1"/>
-                </a:solidFill>
-                <a:miter lim="800000"/>
-                <a:headEnd/>
-                <a:tailEnd/>
-              </a14:hiddenLine>
-            </a:ext>
-            <a:ext uri="{AF507438-7753-43e0-B8FC-AC1667EBCBE1}">
-              <a14:hiddenEffects xmlns:a14="http://schemas.microsoft.com/office/drawing/2010/main" xmlns="">
-                <a:effectLst>
-                  <a:outerShdw blurRad="63500" dist="38099" dir="2700000" algn="ctr" rotWithShape="0">
-                    <a:schemeClr val="bg2">
-                      <a:alpha val="74998"/>
-                    </a:schemeClr>
-                  </a:outerShdw>
-                </a:effectLst>
-              </a14:hiddenEffects>
-            </a:ext>
-          </a:extLst>
-        </p:spPr>
-        <p:txBody>
-          <a:bodyPr wrap="none" anchor="ctr"/>
-          <a:lstStyle/>
-          <a:p>
-            <a:pPr algn="ctr"/>
-            <a:endParaRPr lang="de-DE">
-              <a:solidFill>
-                <a:srgbClr val="7D9AA9"/>
-              </a:solidFill>
-              <a:latin typeface="Times" charset="0"/>
-            </a:endParaRPr>
-          </a:p>
-        </p:txBody>
-      </p:sp>
-      <p:sp>
-        <p:nvSpPr>
-          <p:cNvPr id="583762" name="Rectangle 82"/>
-          <p:cNvSpPr>
-            <a:spLocks noChangeArrowheads="1"/>
-          </p:cNvSpPr>
-          <p:nvPr/>
-        </p:nvSpPr>
-        <p:spPr bwMode="auto">
-          <a:xfrm>
-            <a:off x="4724400" y="1841500"/>
-            <a:ext cx="608013" cy="457200"/>
-          </a:xfrm>
-          <a:prstGeom prst="rect">
-            <a:avLst/>
-          </a:prstGeom>
-          <a:solidFill>
-            <a:srgbClr val="7D9AAA">
-              <a:alpha val="50000"/>
-            </a:srgbClr>
-          </a:solidFill>
-          <a:ln>
-            <a:noFill/>
-          </a:ln>
-          <a:effectLst/>
-          <a:extLst>
-            <a:ext uri="{91240B29-F687-4f45-9708-019B960494DF}">
-              <a14:hiddenLine xmlns:a14="http://schemas.microsoft.com/office/drawing/2010/main" xmlns="" w="9525">
-                <a:solidFill>
-                  <a:schemeClr val="tx1"/>
-                </a:solidFill>
-                <a:miter lim="800000"/>
-                <a:headEnd/>
-                <a:tailEnd/>
-              </a14:hiddenLine>
-            </a:ext>
-            <a:ext uri="{AF507438-7753-43e0-B8FC-AC1667EBCBE1}">
-              <a14:hiddenEffects xmlns:a14="http://schemas.microsoft.com/office/drawing/2010/main" xmlns="">
-                <a:effectLst>
-                  <a:outerShdw blurRad="63500" dist="38099" dir="2700000" algn="ctr" rotWithShape="0">
-                    <a:schemeClr val="bg2">
-                      <a:alpha val="74998"/>
-                    </a:schemeClr>
-                  </a:outerShdw>
-                </a:effectLst>
-              </a14:hiddenEffects>
-            </a:ext>
-          </a:extLst>
-        </p:spPr>
-        <p:txBody>
-          <a:bodyPr wrap="none" lIns="90000" tIns="46800" rIns="90000" bIns="46800" anchor="ctr"/>
-          <a:lstStyle/>
-          <a:p>
-            <a:pPr algn="ctr"/>
-            <a:endParaRPr lang="de-DE">
-              <a:solidFill>
-                <a:srgbClr val="7D9AA9"/>
-              </a:solidFill>
-              <a:latin typeface="Times" charset="0"/>
-            </a:endParaRPr>
-          </a:p>
-        </p:txBody>
-      </p:sp>
-      <p:sp>
-        <p:nvSpPr>
-          <p:cNvPr id="583763" name="Rectangle 83"/>
-          <p:cNvSpPr>
-            <a:spLocks noChangeArrowheads="1"/>
-          </p:cNvSpPr>
-          <p:nvPr/>
-        </p:nvSpPr>
-        <p:spPr bwMode="auto">
-          <a:xfrm>
-            <a:off x="5486400" y="1841500"/>
-            <a:ext cx="608013" cy="457200"/>
-          </a:xfrm>
-          <a:prstGeom prst="rect">
-            <a:avLst/>
-          </a:prstGeom>
-          <a:solidFill>
-            <a:srgbClr val="7D9AAA">
-              <a:alpha val="39999"/>
-            </a:srgbClr>
-          </a:solidFill>
-          <a:ln>
-            <a:noFill/>
-          </a:ln>
-          <a:effectLst/>
-          <a:extLst>
-            <a:ext uri="{91240B29-F687-4f45-9708-019B960494DF}">
-              <a14:hiddenLine xmlns:a14="http://schemas.microsoft.com/office/drawing/2010/main" xmlns="" w="9525">
-                <a:solidFill>
-                  <a:schemeClr val="tx1"/>
-                </a:solidFill>
-                <a:miter lim="800000"/>
-                <a:headEnd/>
-                <a:tailEnd/>
-              </a14:hiddenLine>
-            </a:ext>
-            <a:ext uri="{AF507438-7753-43e0-B8FC-AC1667EBCBE1}">
-              <a14:hiddenEffects xmlns:a14="http://schemas.microsoft.com/office/drawing/2010/main" xmlns="">
-                <a:effectLst>
-                  <a:outerShdw blurRad="63500" dist="38099" dir="2700000" algn="ctr" rotWithShape="0">
-                    <a:schemeClr val="bg2">
-                      <a:alpha val="74998"/>
-                    </a:schemeClr>
-                  </a:outerShdw>
-                </a:effectLst>
-              </a14:hiddenEffects>
-            </a:ext>
-          </a:extLst>
-        </p:spPr>
-        <p:txBody>
-          <a:bodyPr wrap="none" lIns="90000" tIns="46800" rIns="90000" bIns="46800" anchor="ctr"/>
-          <a:lstStyle/>
-          <a:p>
-            <a:pPr algn="ctr"/>
-            <a:endParaRPr lang="de-DE">
-              <a:solidFill>
-                <a:srgbClr val="7D9AA9"/>
-              </a:solidFill>
-              <a:latin typeface="Times" charset="0"/>
-            </a:endParaRPr>
-          </a:p>
-        </p:txBody>
-      </p:sp>
-      <p:sp>
-        <p:nvSpPr>
-          <p:cNvPr id="583764" name="Rectangle 84"/>
-          <p:cNvSpPr>
-            <a:spLocks noChangeArrowheads="1"/>
-          </p:cNvSpPr>
-          <p:nvPr/>
-        </p:nvSpPr>
-        <p:spPr bwMode="auto">
-          <a:xfrm>
-            <a:off x="6248400" y="1841500"/>
-            <a:ext cx="608013" cy="457200"/>
-          </a:xfrm>
-          <a:prstGeom prst="rect">
-            <a:avLst/>
-          </a:prstGeom>
-          <a:solidFill>
-            <a:srgbClr val="7D9AAA">
-              <a:alpha val="30000"/>
-            </a:srgbClr>
-          </a:solidFill>
-          <a:ln>
-            <a:noFill/>
-          </a:ln>
-          <a:effectLst/>
-          <a:extLst>
-            <a:ext uri="{91240B29-F687-4f45-9708-019B960494DF}">
-              <a14:hiddenLine xmlns:a14="http://schemas.microsoft.com/office/drawing/2010/main" xmlns="" w="9525">
-                <a:solidFill>
-                  <a:schemeClr val="tx1"/>
-                </a:solidFill>
-                <a:miter lim="800000"/>
-                <a:headEnd/>
-                <a:tailEnd/>
-              </a14:hiddenLine>
-            </a:ext>
-            <a:ext uri="{AF507438-7753-43e0-B8FC-AC1667EBCBE1}">
-              <a14:hiddenEffects xmlns:a14="http://schemas.microsoft.com/office/drawing/2010/main" xmlns="">
-                <a:effectLst>
-                  <a:outerShdw blurRad="63500" dist="38099" dir="2700000" algn="ctr" rotWithShape="0">
-                    <a:schemeClr val="bg2">
-                      <a:alpha val="74998"/>
-                    </a:schemeClr>
-                  </a:outerShdw>
-                </a:effectLst>
-              </a14:hiddenEffects>
-            </a:ext>
-          </a:extLst>
-        </p:spPr>
-        <p:txBody>
-          <a:bodyPr wrap="none" lIns="90000" tIns="46800" rIns="90000" bIns="46800" anchor="ctr"/>
-          <a:lstStyle/>
-          <a:p>
-            <a:pPr algn="ctr"/>
-            <a:endParaRPr lang="de-DE">
-              <a:solidFill>
-                <a:srgbClr val="7D9AA9"/>
-              </a:solidFill>
-              <a:latin typeface="Times" charset="0"/>
-            </a:endParaRPr>
-          </a:p>
-        </p:txBody>
-      </p:sp>
-      <p:sp>
-        <p:nvSpPr>
-          <p:cNvPr id="583765" name="Rectangle 85"/>
-          <p:cNvSpPr>
-            <a:spLocks noChangeArrowheads="1"/>
-          </p:cNvSpPr>
-          <p:nvPr/>
-        </p:nvSpPr>
-        <p:spPr bwMode="auto">
-          <a:xfrm>
-            <a:off x="7019925" y="1841500"/>
-            <a:ext cx="608013" cy="457200"/>
-          </a:xfrm>
-          <a:prstGeom prst="rect">
-            <a:avLst/>
-          </a:prstGeom>
-          <a:solidFill>
-            <a:srgbClr val="7D9AAA">
-              <a:alpha val="20000"/>
-            </a:srgbClr>
-          </a:solidFill>
-          <a:ln>
-            <a:noFill/>
-          </a:ln>
-          <a:effectLst/>
-          <a:extLst>
-            <a:ext uri="{91240B29-F687-4f45-9708-019B960494DF}">
-              <a14:hiddenLine xmlns:a14="http://schemas.microsoft.com/office/drawing/2010/main" xmlns="" w="9525">
-                <a:solidFill>
-                  <a:schemeClr val="tx1"/>
-                </a:solidFill>
-                <a:miter lim="800000"/>
-                <a:headEnd/>
-                <a:tailEnd/>
-              </a14:hiddenLine>
-            </a:ext>
-            <a:ext uri="{AF507438-7753-43e0-B8FC-AC1667EBCBE1}">
-              <a14:hiddenEffects xmlns:a14="http://schemas.microsoft.com/office/drawing/2010/main" xmlns="">
-                <a:effectLst>
-                  <a:outerShdw blurRad="63500" dist="38099" dir="2700000" algn="ctr" rotWithShape="0">
-                    <a:schemeClr val="bg2">
-                      <a:alpha val="74998"/>
-                    </a:schemeClr>
-                  </a:outerShdw>
-                </a:effectLst>
-              </a14:hiddenEffects>
-            </a:ext>
-          </a:extLst>
-        </p:spPr>
-        <p:txBody>
-          <a:bodyPr wrap="none" lIns="90000" tIns="46800" rIns="90000" bIns="46800" anchor="ctr"/>
-          <a:lstStyle/>
-          <a:p>
-            <a:pPr algn="ctr"/>
-            <a:endParaRPr lang="de-DE">
-              <a:solidFill>
-                <a:srgbClr val="7D9AA9"/>
-              </a:solidFill>
-              <a:latin typeface="Times" charset="0"/>
-            </a:endParaRPr>
-          </a:p>
-        </p:txBody>
-      </p:sp>
-      <p:sp>
-        <p:nvSpPr>
-          <p:cNvPr id="583766" name="Rectangle 86"/>
-          <p:cNvSpPr>
-            <a:spLocks noChangeArrowheads="1"/>
-          </p:cNvSpPr>
-          <p:nvPr/>
-        </p:nvSpPr>
-        <p:spPr bwMode="auto">
-          <a:xfrm>
-            <a:off x="7781925" y="1841500"/>
-            <a:ext cx="608013" cy="457200"/>
-          </a:xfrm>
-          <a:prstGeom prst="rect">
-            <a:avLst/>
-          </a:prstGeom>
-          <a:solidFill>
-            <a:srgbClr val="7D9AAA">
-              <a:alpha val="10001"/>
-            </a:srgbClr>
-          </a:solidFill>
-          <a:ln>
-            <a:noFill/>
-          </a:ln>
-          <a:effectLst/>
-          <a:extLst>
-            <a:ext uri="{91240B29-F687-4f45-9708-019B960494DF}">
-              <a14:hiddenLine xmlns:a14="http://schemas.microsoft.com/office/drawing/2010/main" xmlns="" w="9525">
-                <a:solidFill>
-                  <a:schemeClr val="tx1"/>
-                </a:solidFill>
-                <a:miter lim="800000"/>
-                <a:headEnd/>
-                <a:tailEnd/>
-              </a14:hiddenLine>
-            </a:ext>
-            <a:ext uri="{AF507438-7753-43e0-B8FC-AC1667EBCBE1}">
-              <a14:hiddenEffects xmlns:a14="http://schemas.microsoft.com/office/drawing/2010/main" xmlns="">
-                <a:effectLst>
-                  <a:outerShdw blurRad="63500" dist="38099" dir="2700000" algn="ctr" rotWithShape="0">
-                    <a:schemeClr val="bg2">
-                      <a:alpha val="74998"/>
-                    </a:schemeClr>
-                  </a:outerShdw>
-                </a:effectLst>
-              </a14:hiddenEffects>
-            </a:ext>
-          </a:extLst>
-        </p:spPr>
-        <p:txBody>
-          <a:bodyPr wrap="none" lIns="90000" tIns="46800" rIns="90000" bIns="46800" anchor="ctr"/>
-          <a:lstStyle/>
-          <a:p>
-            <a:pPr algn="ctr"/>
-            <a:endParaRPr lang="de-DE">
-              <a:solidFill>
-                <a:srgbClr val="7D9AA9"/>
-              </a:solidFill>
-              <a:latin typeface="Times" charset="0"/>
-            </a:endParaRPr>
-          </a:p>
-        </p:txBody>
-      </p:sp>
-      <p:sp>
-        <p:nvSpPr>
-          <p:cNvPr id="583767" name="Text Box 87"/>
-          <p:cNvSpPr txBox="1">
-            <a:spLocks noChangeArrowheads="1"/>
-          </p:cNvSpPr>
-          <p:nvPr/>
-        </p:nvSpPr>
-        <p:spPr bwMode="auto">
-          <a:xfrm>
-            <a:off x="923925" y="1625600"/>
-            <a:ext cx="5781675" cy="177800"/>
-          </a:xfrm>
-          <a:prstGeom prst="rect">
-            <a:avLst/>
-          </a:prstGeom>
-          <a:noFill/>
-          <a:ln>
-            <a:noFill/>
-          </a:ln>
-          <a:effectLst/>
-          <a:extLst>
-            <a:ext uri="{909E8E84-426E-40dd-AFC4-6F175D3DCCD1}">
-              <a14:hiddenFill xmlns:a14="http://schemas.microsoft.com/office/drawing/2010/main" xmlns="">
-                <a:solidFill>
-                  <a:srgbClr val="FF0000"/>
-                </a:solidFill>
-              </a14:hiddenFill>
-            </a:ext>
-            <a:ext uri="{91240B29-F687-4f45-9708-019B960494DF}">
-              <a14:hiddenLine xmlns:a14="http://schemas.microsoft.com/office/drawing/2010/main" xmlns="" w="9525">
-                <a:solidFill>
-                  <a:schemeClr val="tx1"/>
-                </a:solidFill>
-                <a:miter lim="800000"/>
-                <a:headEnd/>
-                <a:tailEnd/>
-              </a14:hiddenLine>
-            </a:ext>
-            <a:ext uri="{AF507438-7753-43e0-B8FC-AC1667EBCBE1}">
-              <a14:hiddenEffects xmlns:a14="http://schemas.microsoft.com/office/drawing/2010/main" xmlns="">
-                <a:effectLst>
-                  <a:outerShdw blurRad="63500" dist="38099" dir="2700000" algn="ctr" rotWithShape="0">
-                    <a:schemeClr val="bg2">
-                      <a:alpha val="74998"/>
-                    </a:schemeClr>
-                  </a:outerShdw>
-                </a:effectLst>
-              </a14:hiddenEffects>
-            </a:ext>
-          </a:extLst>
-        </p:spPr>
-        <p:txBody>
-          <a:bodyPr lIns="0" tIns="0" rIns="0" bIns="0">
-            <a:spAutoFit/>
-          </a:bodyPr>
-          <a:lstStyle>
-            <a:lvl1pPr>
-              <a:tabLst>
-                <a:tab pos="474663" algn="l"/>
-              </a:tabLst>
-              <a:defRPr sz="2400">
-                <a:solidFill>
-                  <a:schemeClr val="tx1"/>
-                </a:solidFill>
-                <a:latin typeface="Times" charset="0"/>
-                <a:ea typeface="ＭＳ Ｐゴシック" charset="0"/>
-              </a:defRPr>
-            </a:lvl1pPr>
-            <a:lvl2pPr>
-              <a:tabLst>
-                <a:tab pos="474663" algn="l"/>
-              </a:tabLst>
-              <a:defRPr sz="2400">
-                <a:solidFill>
-                  <a:schemeClr val="tx1"/>
-                </a:solidFill>
-                <a:latin typeface="Times" charset="0"/>
-                <a:ea typeface="ＭＳ Ｐゴシック" charset="0"/>
-              </a:defRPr>
-            </a:lvl2pPr>
-            <a:lvl3pPr>
-              <a:tabLst>
-                <a:tab pos="474663" algn="l"/>
-              </a:tabLst>
-              <a:defRPr sz="2400">
-                <a:solidFill>
-                  <a:schemeClr val="tx1"/>
-                </a:solidFill>
-                <a:latin typeface="Times" charset="0"/>
-                <a:ea typeface="ＭＳ Ｐゴシック" charset="0"/>
-              </a:defRPr>
-            </a:lvl3pPr>
-            <a:lvl4pPr>
-              <a:tabLst>
-                <a:tab pos="474663" algn="l"/>
-              </a:tabLst>
-              <a:defRPr sz="2400">
-                <a:solidFill>
-                  <a:schemeClr val="tx1"/>
-                </a:solidFill>
-                <a:latin typeface="Times" charset="0"/>
-                <a:ea typeface="ＭＳ Ｐゴシック" charset="0"/>
-              </a:defRPr>
-            </a:lvl4pPr>
-            <a:lvl5pPr>
-              <a:tabLst>
-                <a:tab pos="474663" algn="l"/>
-              </a:tabLst>
-              <a:defRPr sz="2400">
-                <a:solidFill>
-                  <a:schemeClr val="tx1"/>
-                </a:solidFill>
-                <a:latin typeface="Times" charset="0"/>
-                <a:ea typeface="ＭＳ Ｐゴシック" charset="0"/>
-              </a:defRPr>
-            </a:lvl5pPr>
-            <a:lvl6pPr eaLnBrk="0" fontAlgn="base" hangingPunct="0">
-              <a:spcBef>
-                <a:spcPct val="0"/>
-              </a:spcBef>
-              <a:spcAft>
-                <a:spcPct val="0"/>
-              </a:spcAft>
-              <a:tabLst>
-                <a:tab pos="474663" algn="l"/>
-              </a:tabLst>
-              <a:defRPr sz="2400">
-                <a:solidFill>
-                  <a:schemeClr val="tx1"/>
-                </a:solidFill>
-                <a:latin typeface="Times" charset="0"/>
-                <a:ea typeface="ＭＳ Ｐゴシック" charset="0"/>
-              </a:defRPr>
-            </a:lvl6pPr>
-            <a:lvl7pPr eaLnBrk="0" fontAlgn="base" hangingPunct="0">
-              <a:spcBef>
-                <a:spcPct val="0"/>
-              </a:spcBef>
-              <a:spcAft>
-                <a:spcPct val="0"/>
-              </a:spcAft>
-              <a:tabLst>
-                <a:tab pos="474663" algn="l"/>
-              </a:tabLst>
-              <a:defRPr sz="2400">
-                <a:solidFill>
-                  <a:schemeClr val="tx1"/>
-                </a:solidFill>
-                <a:latin typeface="Times" charset="0"/>
-                <a:ea typeface="ＭＳ Ｐゴシック" charset="0"/>
-              </a:defRPr>
-            </a:lvl7pPr>
-            <a:lvl8pPr eaLnBrk="0" fontAlgn="base" hangingPunct="0">
-              <a:spcBef>
-                <a:spcPct val="0"/>
-              </a:spcBef>
-              <a:spcAft>
-                <a:spcPct val="0"/>
-              </a:spcAft>
-              <a:tabLst>
-                <a:tab pos="474663" algn="l"/>
-              </a:tabLst>
-              <a:defRPr sz="2400">
-                <a:solidFill>
-                  <a:schemeClr val="tx1"/>
-                </a:solidFill>
-                <a:latin typeface="Times" charset="0"/>
-                <a:ea typeface="ＭＳ Ｐゴシック" charset="0"/>
-              </a:defRPr>
-            </a:lvl8pPr>
-            <a:lvl9pPr eaLnBrk="0" fontAlgn="base" hangingPunct="0">
-              <a:spcBef>
-                <a:spcPct val="0"/>
-              </a:spcBef>
-              <a:spcAft>
-                <a:spcPct val="0"/>
-              </a:spcAft>
-              <a:tabLst>
-                <a:tab pos="474663" algn="l"/>
-              </a:tabLst>
-              <a:defRPr sz="2400">
-                <a:solidFill>
-                  <a:schemeClr val="tx1"/>
-                </a:solidFill>
-                <a:latin typeface="Times" charset="0"/>
-                <a:ea typeface="ＭＳ Ｐゴシック" charset="0"/>
-              </a:defRPr>
-            </a:lvl9pPr>
-          </a:lstStyle>
-          <a:p>
-            <a:pPr eaLnBrk="1" hangingPunct="1">
-              <a:lnSpc>
-                <a:spcPts val="1400"/>
-              </a:lnSpc>
-            </a:pPr>
-            <a:r>
-              <a:rPr lang="de-DE" sz="1000">
-                <a:latin typeface="Arial" charset="0"/>
-              </a:rPr>
-              <a:t>Farbwert Blau sRGB 100%: 125-154-170,  Prozentwerte von 100%-10% in 10er-Schritten	</a:t>
-            </a:r>
-          </a:p>
-        </p:txBody>
-      </p:sp>
-      <p:sp>
-        <p:nvSpPr>
-          <p:cNvPr id="583768" name="Text Box 88"/>
-          <p:cNvSpPr txBox="1">
-            <a:spLocks noChangeArrowheads="1"/>
-          </p:cNvSpPr>
-          <p:nvPr/>
-        </p:nvSpPr>
-        <p:spPr bwMode="auto">
-          <a:xfrm>
-            <a:off x="923925" y="2387600"/>
-            <a:ext cx="5781675" cy="177800"/>
-          </a:xfrm>
-          <a:prstGeom prst="rect">
-            <a:avLst/>
-          </a:prstGeom>
-          <a:noFill/>
-          <a:ln>
-            <a:noFill/>
-          </a:ln>
-          <a:effectLst/>
-          <a:extLst>
-            <a:ext uri="{909E8E84-426E-40dd-AFC4-6F175D3DCCD1}">
-              <a14:hiddenFill xmlns:a14="http://schemas.microsoft.com/office/drawing/2010/main" xmlns="">
-                <a:solidFill>
-                  <a:srgbClr val="FF0000"/>
-                </a:solidFill>
-              </a14:hiddenFill>
-            </a:ext>
-            <a:ext uri="{91240B29-F687-4f45-9708-019B960494DF}">
-              <a14:hiddenLine xmlns:a14="http://schemas.microsoft.com/office/drawing/2010/main" xmlns="" w="9525">
-                <a:solidFill>
-                  <a:schemeClr val="tx1"/>
-                </a:solidFill>
-                <a:miter lim="800000"/>
-                <a:headEnd/>
-                <a:tailEnd/>
-              </a14:hiddenLine>
-            </a:ext>
-            <a:ext uri="{AF507438-7753-43e0-B8FC-AC1667EBCBE1}">
-              <a14:hiddenEffects xmlns:a14="http://schemas.microsoft.com/office/drawing/2010/main" xmlns="">
-                <a:effectLst>
-                  <a:outerShdw blurRad="63500" dist="38099" dir="2700000" algn="ctr" rotWithShape="0">
-                    <a:schemeClr val="bg2">
-                      <a:alpha val="74998"/>
-                    </a:schemeClr>
-                  </a:outerShdw>
-                </a:effectLst>
-              </a14:hiddenEffects>
-            </a:ext>
-          </a:extLst>
-        </p:spPr>
-        <p:txBody>
-          <a:bodyPr lIns="0" tIns="0" rIns="0" bIns="0">
-            <a:spAutoFit/>
-          </a:bodyPr>
-          <a:lstStyle>
-            <a:lvl1pPr>
-              <a:tabLst>
-                <a:tab pos="474663" algn="l"/>
-              </a:tabLst>
-              <a:defRPr sz="2400">
-                <a:solidFill>
-                  <a:schemeClr val="tx1"/>
-                </a:solidFill>
-                <a:latin typeface="Times" charset="0"/>
-                <a:ea typeface="ＭＳ Ｐゴシック" charset="0"/>
-              </a:defRPr>
-            </a:lvl1pPr>
-            <a:lvl2pPr>
-              <a:tabLst>
-                <a:tab pos="474663" algn="l"/>
-              </a:tabLst>
-              <a:defRPr sz="2400">
-                <a:solidFill>
-                  <a:schemeClr val="tx1"/>
-                </a:solidFill>
-                <a:latin typeface="Times" charset="0"/>
-                <a:ea typeface="ＭＳ Ｐゴシック" charset="0"/>
-              </a:defRPr>
-            </a:lvl2pPr>
-            <a:lvl3pPr>
-              <a:tabLst>
-                <a:tab pos="474663" algn="l"/>
-              </a:tabLst>
-              <a:defRPr sz="2400">
-                <a:solidFill>
-                  <a:schemeClr val="tx1"/>
-                </a:solidFill>
-                <a:latin typeface="Times" charset="0"/>
-                <a:ea typeface="ＭＳ Ｐゴシック" charset="0"/>
-              </a:defRPr>
-            </a:lvl3pPr>
-            <a:lvl4pPr>
-              <a:tabLst>
-                <a:tab pos="474663" algn="l"/>
-              </a:tabLst>
-              <a:defRPr sz="2400">
-                <a:solidFill>
-                  <a:schemeClr val="tx1"/>
-                </a:solidFill>
-                <a:latin typeface="Times" charset="0"/>
-                <a:ea typeface="ＭＳ Ｐゴシック" charset="0"/>
-              </a:defRPr>
-            </a:lvl4pPr>
-            <a:lvl5pPr>
-              <a:tabLst>
-                <a:tab pos="474663" algn="l"/>
-              </a:tabLst>
-              <a:defRPr sz="2400">
-                <a:solidFill>
-                  <a:schemeClr val="tx1"/>
-                </a:solidFill>
-                <a:latin typeface="Times" charset="0"/>
-                <a:ea typeface="ＭＳ Ｐゴシック" charset="0"/>
-              </a:defRPr>
-            </a:lvl5pPr>
-            <a:lvl6pPr eaLnBrk="0" fontAlgn="base" hangingPunct="0">
-              <a:spcBef>
-                <a:spcPct val="0"/>
-              </a:spcBef>
-              <a:spcAft>
-                <a:spcPct val="0"/>
-              </a:spcAft>
-              <a:tabLst>
-                <a:tab pos="474663" algn="l"/>
-              </a:tabLst>
-              <a:defRPr sz="2400">
-                <a:solidFill>
-                  <a:schemeClr val="tx1"/>
-                </a:solidFill>
-                <a:latin typeface="Times" charset="0"/>
-                <a:ea typeface="ＭＳ Ｐゴシック" charset="0"/>
-              </a:defRPr>
-            </a:lvl6pPr>
-            <a:lvl7pPr eaLnBrk="0" fontAlgn="base" hangingPunct="0">
-              <a:spcBef>
-                <a:spcPct val="0"/>
-              </a:spcBef>
-              <a:spcAft>
-                <a:spcPct val="0"/>
-              </a:spcAft>
-              <a:tabLst>
-                <a:tab pos="474663" algn="l"/>
-              </a:tabLst>
-              <a:defRPr sz="2400">
-                <a:solidFill>
-                  <a:schemeClr val="tx1"/>
-                </a:solidFill>
-                <a:latin typeface="Times" charset="0"/>
-                <a:ea typeface="ＭＳ Ｐゴシック" charset="0"/>
-              </a:defRPr>
-            </a:lvl7pPr>
-            <a:lvl8pPr eaLnBrk="0" fontAlgn="base" hangingPunct="0">
-              <a:spcBef>
-                <a:spcPct val="0"/>
-              </a:spcBef>
-              <a:spcAft>
-                <a:spcPct val="0"/>
-              </a:spcAft>
-              <a:tabLst>
-                <a:tab pos="474663" algn="l"/>
-              </a:tabLst>
-              <a:defRPr sz="2400">
-                <a:solidFill>
-                  <a:schemeClr val="tx1"/>
-                </a:solidFill>
-                <a:latin typeface="Times" charset="0"/>
-                <a:ea typeface="ＭＳ Ｐゴシック" charset="0"/>
-              </a:defRPr>
-            </a:lvl8pPr>
-            <a:lvl9pPr eaLnBrk="0" fontAlgn="base" hangingPunct="0">
-              <a:spcBef>
-                <a:spcPct val="0"/>
-              </a:spcBef>
-              <a:spcAft>
-                <a:spcPct val="0"/>
-              </a:spcAft>
-              <a:tabLst>
-                <a:tab pos="474663" algn="l"/>
-              </a:tabLst>
-              <a:defRPr sz="2400">
-                <a:solidFill>
-                  <a:schemeClr val="tx1"/>
-                </a:solidFill>
-                <a:latin typeface="Times" charset="0"/>
-                <a:ea typeface="ＭＳ Ｐゴシック" charset="0"/>
-              </a:defRPr>
-            </a:lvl9pPr>
-          </a:lstStyle>
-          <a:p>
-            <a:pPr eaLnBrk="1" hangingPunct="1">
-              <a:lnSpc>
-                <a:spcPts val="1400"/>
-              </a:lnSpc>
-            </a:pPr>
-            <a:r>
-              <a:rPr lang="de-DE" sz="1000">
-                <a:latin typeface="Arial" charset="0"/>
-              </a:rPr>
-              <a:t>Farbwert Beige sRGB 100%: 169-162-141,  Prozentwerte von 100%-10% in 10er-Schritten	</a:t>
-            </a:r>
-          </a:p>
-        </p:txBody>
-      </p:sp>
-      <p:sp>
-        <p:nvSpPr>
-          <p:cNvPr id="583769" name="Rectangle 89"/>
-          <p:cNvSpPr>
-            <a:spLocks noChangeArrowheads="1"/>
-          </p:cNvSpPr>
-          <p:nvPr/>
-        </p:nvSpPr>
-        <p:spPr bwMode="auto">
-          <a:xfrm>
-            <a:off x="914400" y="3390900"/>
-            <a:ext cx="609600" cy="457200"/>
-          </a:xfrm>
-          <a:prstGeom prst="rect">
-            <a:avLst/>
-          </a:prstGeom>
-          <a:solidFill>
-            <a:srgbClr val="57AA1C"/>
-          </a:solidFill>
-          <a:ln>
-            <a:noFill/>
-          </a:ln>
-          <a:effectLst/>
-          <a:extLst>
-            <a:ext uri="{91240B29-F687-4f45-9708-019B960494DF}">
-              <a14:hiddenLine xmlns:a14="http://schemas.microsoft.com/office/drawing/2010/main" xmlns="" w="9525">
-                <a:solidFill>
-                  <a:schemeClr val="tx1"/>
-                </a:solidFill>
-                <a:miter lim="800000"/>
-                <a:headEnd/>
-                <a:tailEnd/>
-              </a14:hiddenLine>
-            </a:ext>
-            <a:ext uri="{AF507438-7753-43e0-B8FC-AC1667EBCBE1}">
-              <a14:hiddenEffects xmlns:a14="http://schemas.microsoft.com/office/drawing/2010/main" xmlns="">
-                <a:effectLst>
-                  <a:outerShdw blurRad="63500" dist="38099" dir="2700000" algn="ctr" rotWithShape="0">
-                    <a:schemeClr val="bg2">
-                      <a:alpha val="74998"/>
-                    </a:schemeClr>
-                  </a:outerShdw>
-                </a:effectLst>
-              </a14:hiddenEffects>
-            </a:ext>
-          </a:extLst>
-        </p:spPr>
-        <p:txBody>
-          <a:bodyPr wrap="none" anchor="ctr"/>
-          <a:lstStyle/>
-          <a:p>
-            <a:pPr algn="ctr"/>
-            <a:endParaRPr lang="de-DE">
-              <a:solidFill>
-                <a:srgbClr val="57AA1C"/>
-              </a:solidFill>
-              <a:latin typeface="Times" charset="0"/>
-            </a:endParaRPr>
-          </a:p>
-        </p:txBody>
-      </p:sp>
-      <p:sp>
-        <p:nvSpPr>
-          <p:cNvPr id="583770" name="Rectangle 90"/>
-          <p:cNvSpPr>
-            <a:spLocks noChangeArrowheads="1"/>
-          </p:cNvSpPr>
-          <p:nvPr/>
-        </p:nvSpPr>
-        <p:spPr bwMode="auto">
-          <a:xfrm>
-            <a:off x="1676400" y="3390900"/>
-            <a:ext cx="609600" cy="457200"/>
-          </a:xfrm>
-          <a:prstGeom prst="rect">
-            <a:avLst/>
-          </a:prstGeom>
-          <a:solidFill>
-            <a:srgbClr val="57AA1C">
-              <a:alpha val="89999"/>
-            </a:srgbClr>
-          </a:solidFill>
-          <a:ln>
-            <a:noFill/>
-          </a:ln>
-          <a:effectLst/>
-          <a:extLst>
-            <a:ext uri="{91240B29-F687-4f45-9708-019B960494DF}">
-              <a14:hiddenLine xmlns:a14="http://schemas.microsoft.com/office/drawing/2010/main" xmlns="" w="9525">
-                <a:solidFill>
-                  <a:schemeClr val="tx1"/>
-                </a:solidFill>
-                <a:miter lim="800000"/>
-                <a:headEnd/>
-                <a:tailEnd/>
-              </a14:hiddenLine>
-            </a:ext>
-            <a:ext uri="{AF507438-7753-43e0-B8FC-AC1667EBCBE1}">
-              <a14:hiddenEffects xmlns:a14="http://schemas.microsoft.com/office/drawing/2010/main" xmlns="">
-                <a:effectLst>
-                  <a:outerShdw blurRad="63500" dist="38099" dir="2700000" algn="ctr" rotWithShape="0">
-                    <a:schemeClr val="bg2">
-                      <a:alpha val="74998"/>
-                    </a:schemeClr>
-                  </a:outerShdw>
-                </a:effectLst>
-              </a14:hiddenEffects>
-            </a:ext>
-          </a:extLst>
-        </p:spPr>
-        <p:txBody>
-          <a:bodyPr wrap="none" anchor="ctr"/>
-          <a:lstStyle/>
-          <a:p>
-            <a:pPr algn="ctr"/>
-            <a:endParaRPr lang="de-DE">
-              <a:solidFill>
-                <a:srgbClr val="57AA1C"/>
-              </a:solidFill>
-              <a:latin typeface="Times" charset="0"/>
-            </a:endParaRPr>
-          </a:p>
-        </p:txBody>
-      </p:sp>
-      <p:sp>
-        <p:nvSpPr>
-          <p:cNvPr id="583771" name="Rectangle 91"/>
-          <p:cNvSpPr>
-            <a:spLocks noChangeArrowheads="1"/>
-          </p:cNvSpPr>
-          <p:nvPr/>
-        </p:nvSpPr>
-        <p:spPr bwMode="auto">
-          <a:xfrm>
-            <a:off x="2438400" y="3390900"/>
-            <a:ext cx="609600" cy="457200"/>
-          </a:xfrm>
-          <a:prstGeom prst="rect">
-            <a:avLst/>
-          </a:prstGeom>
-          <a:solidFill>
-            <a:srgbClr val="57AA1C">
-              <a:alpha val="80000"/>
-            </a:srgbClr>
-          </a:solidFill>
-          <a:ln>
-            <a:noFill/>
-          </a:ln>
-          <a:effectLst/>
-          <a:extLst>
-            <a:ext uri="{91240B29-F687-4f45-9708-019B960494DF}">
-              <a14:hiddenLine xmlns:a14="http://schemas.microsoft.com/office/drawing/2010/main" xmlns="" w="9525">
-                <a:solidFill>
-                  <a:schemeClr val="tx1"/>
-                </a:solidFill>
-                <a:miter lim="800000"/>
-                <a:headEnd/>
-                <a:tailEnd/>
-              </a14:hiddenLine>
-            </a:ext>
-            <a:ext uri="{AF507438-7753-43e0-B8FC-AC1667EBCBE1}">
-              <a14:hiddenEffects xmlns:a14="http://schemas.microsoft.com/office/drawing/2010/main" xmlns="">
-                <a:effectLst>
-                  <a:outerShdw blurRad="63500" dist="38099" dir="2700000" algn="ctr" rotWithShape="0">
-                    <a:schemeClr val="bg2">
-                      <a:alpha val="74998"/>
-                    </a:schemeClr>
-                  </a:outerShdw>
-                </a:effectLst>
-              </a14:hiddenEffects>
-            </a:ext>
-          </a:extLst>
-        </p:spPr>
-        <p:txBody>
-          <a:bodyPr wrap="none" anchor="ctr"/>
-          <a:lstStyle/>
-          <a:p>
-            <a:pPr algn="ctr"/>
-            <a:endParaRPr lang="de-DE">
-              <a:solidFill>
-                <a:srgbClr val="57AA1C"/>
-              </a:solidFill>
-              <a:latin typeface="Times" charset="0"/>
-            </a:endParaRPr>
-          </a:p>
-        </p:txBody>
-      </p:sp>
-      <p:sp>
-        <p:nvSpPr>
-          <p:cNvPr id="583772" name="Rectangle 92"/>
-          <p:cNvSpPr>
-            <a:spLocks noChangeArrowheads="1"/>
-          </p:cNvSpPr>
-          <p:nvPr/>
-        </p:nvSpPr>
-        <p:spPr bwMode="auto">
-          <a:xfrm>
-            <a:off x="3200400" y="3390900"/>
-            <a:ext cx="609600" cy="457200"/>
-          </a:xfrm>
-          <a:prstGeom prst="rect">
-            <a:avLst/>
-          </a:prstGeom>
-          <a:solidFill>
-            <a:srgbClr val="57AA1C">
-              <a:alpha val="70000"/>
-            </a:srgbClr>
-          </a:solidFill>
-          <a:ln>
-            <a:noFill/>
-          </a:ln>
-          <a:effectLst/>
-          <a:extLst>
-            <a:ext uri="{91240B29-F687-4f45-9708-019B960494DF}">
-              <a14:hiddenLine xmlns:a14="http://schemas.microsoft.com/office/drawing/2010/main" xmlns="" w="9525">
-                <a:solidFill>
-                  <a:schemeClr val="tx1"/>
-                </a:solidFill>
-                <a:miter lim="800000"/>
-                <a:headEnd/>
-                <a:tailEnd/>
-              </a14:hiddenLine>
-            </a:ext>
-            <a:ext uri="{AF507438-7753-43e0-B8FC-AC1667EBCBE1}">
-              <a14:hiddenEffects xmlns:a14="http://schemas.microsoft.com/office/drawing/2010/main" xmlns="">
-                <a:effectLst>
-                  <a:outerShdw blurRad="63500" dist="38099" dir="2700000" algn="ctr" rotWithShape="0">
-                    <a:schemeClr val="bg2">
-                      <a:alpha val="74998"/>
-                    </a:schemeClr>
-                  </a:outerShdw>
-                </a:effectLst>
-              </a14:hiddenEffects>
-            </a:ext>
-          </a:extLst>
-        </p:spPr>
-        <p:txBody>
-          <a:bodyPr wrap="none" anchor="ctr"/>
-          <a:lstStyle/>
-          <a:p>
-            <a:pPr algn="ctr"/>
-            <a:endParaRPr lang="de-DE">
-              <a:solidFill>
-                <a:srgbClr val="57AA1C"/>
-              </a:solidFill>
-              <a:latin typeface="Times" charset="0"/>
-            </a:endParaRPr>
-          </a:p>
-        </p:txBody>
-      </p:sp>
-      <p:sp>
-        <p:nvSpPr>
-          <p:cNvPr id="583773" name="Rectangle 93"/>
-          <p:cNvSpPr>
-            <a:spLocks noChangeArrowheads="1"/>
-          </p:cNvSpPr>
-          <p:nvPr/>
-        </p:nvSpPr>
-        <p:spPr bwMode="auto">
-          <a:xfrm>
-            <a:off x="3962400" y="3390900"/>
-            <a:ext cx="609600" cy="457200"/>
-          </a:xfrm>
-          <a:prstGeom prst="rect">
-            <a:avLst/>
-          </a:prstGeom>
-          <a:solidFill>
-            <a:srgbClr val="57AA1C">
-              <a:alpha val="60001"/>
-            </a:srgbClr>
-          </a:solidFill>
-          <a:ln>
-            <a:noFill/>
-          </a:ln>
-          <a:effectLst/>
-          <a:extLst>
-            <a:ext uri="{91240B29-F687-4f45-9708-019B960494DF}">
-              <a14:hiddenLine xmlns:a14="http://schemas.microsoft.com/office/drawing/2010/main" xmlns="" w="9525">
-                <a:solidFill>
-                  <a:schemeClr val="tx1"/>
-                </a:solidFill>
-                <a:miter lim="800000"/>
-                <a:headEnd/>
-                <a:tailEnd/>
-              </a14:hiddenLine>
-            </a:ext>
-            <a:ext uri="{AF507438-7753-43e0-B8FC-AC1667EBCBE1}">
-              <a14:hiddenEffects xmlns:a14="http://schemas.microsoft.com/office/drawing/2010/main" xmlns="">
-                <a:effectLst>
-                  <a:outerShdw blurRad="63500" dist="38099" dir="2700000" algn="ctr" rotWithShape="0">
-                    <a:schemeClr val="bg2">
-                      <a:alpha val="74998"/>
-                    </a:schemeClr>
-                  </a:outerShdw>
-                </a:effectLst>
-              </a14:hiddenEffects>
-            </a:ext>
-          </a:extLst>
-        </p:spPr>
-        <p:txBody>
-          <a:bodyPr wrap="none" anchor="ctr"/>
-          <a:lstStyle/>
-          <a:p>
-            <a:pPr algn="ctr"/>
-            <a:endParaRPr lang="de-DE">
-              <a:solidFill>
-                <a:srgbClr val="57AA1C"/>
-              </a:solidFill>
-              <a:latin typeface="Times" charset="0"/>
-            </a:endParaRPr>
-          </a:p>
-        </p:txBody>
-      </p:sp>
-      <p:sp>
-        <p:nvSpPr>
-          <p:cNvPr id="583774" name="Rectangle 94"/>
-          <p:cNvSpPr>
-            <a:spLocks noChangeArrowheads="1"/>
-          </p:cNvSpPr>
-          <p:nvPr/>
-        </p:nvSpPr>
-        <p:spPr bwMode="auto">
-          <a:xfrm>
-            <a:off x="4724400" y="3390900"/>
-            <a:ext cx="609600" cy="457200"/>
-          </a:xfrm>
-          <a:prstGeom prst="rect">
-            <a:avLst/>
-          </a:prstGeom>
-          <a:solidFill>
-            <a:srgbClr val="57AA1C">
-              <a:alpha val="50000"/>
-            </a:srgbClr>
-          </a:solidFill>
-          <a:ln>
-            <a:noFill/>
-          </a:ln>
-          <a:effectLst/>
-          <a:extLst>
-            <a:ext uri="{91240B29-F687-4f45-9708-019B960494DF}">
-              <a14:hiddenLine xmlns:a14="http://schemas.microsoft.com/office/drawing/2010/main" xmlns="" w="9525">
-                <a:solidFill>
-                  <a:schemeClr val="tx1"/>
-                </a:solidFill>
-                <a:miter lim="800000"/>
-                <a:headEnd/>
-                <a:tailEnd/>
-              </a14:hiddenLine>
-            </a:ext>
-            <a:ext uri="{AF507438-7753-43e0-B8FC-AC1667EBCBE1}">
-              <a14:hiddenEffects xmlns:a14="http://schemas.microsoft.com/office/drawing/2010/main" xmlns="">
-                <a:effectLst>
-                  <a:outerShdw blurRad="63500" dist="38099" dir="2700000" algn="ctr" rotWithShape="0">
-                    <a:schemeClr val="bg2">
-                      <a:alpha val="74998"/>
-                    </a:schemeClr>
-                  </a:outerShdw>
-                </a:effectLst>
-              </a14:hiddenEffects>
-            </a:ext>
-          </a:extLst>
-        </p:spPr>
-        <p:txBody>
-          <a:bodyPr wrap="none" anchor="ctr"/>
-          <a:lstStyle/>
-          <a:p>
-            <a:pPr algn="ctr"/>
-            <a:endParaRPr lang="de-DE">
-              <a:solidFill>
-                <a:srgbClr val="57AA1C"/>
-              </a:solidFill>
-              <a:latin typeface="Times" charset="0"/>
-            </a:endParaRPr>
-          </a:p>
-        </p:txBody>
-      </p:sp>
-      <p:sp>
-        <p:nvSpPr>
-          <p:cNvPr id="583775" name="Rectangle 95"/>
-          <p:cNvSpPr>
-            <a:spLocks noChangeArrowheads="1"/>
-          </p:cNvSpPr>
-          <p:nvPr/>
-        </p:nvSpPr>
-        <p:spPr bwMode="auto">
-          <a:xfrm>
-            <a:off x="5486400" y="3390900"/>
-            <a:ext cx="609600" cy="457200"/>
-          </a:xfrm>
-          <a:prstGeom prst="rect">
-            <a:avLst/>
-          </a:prstGeom>
-          <a:solidFill>
-            <a:srgbClr val="57AA1C">
-              <a:alpha val="39999"/>
-            </a:srgbClr>
-          </a:solidFill>
-          <a:ln>
-            <a:noFill/>
-          </a:ln>
-          <a:effectLst/>
-          <a:extLst>
-            <a:ext uri="{91240B29-F687-4f45-9708-019B960494DF}">
-              <a14:hiddenLine xmlns:a14="http://schemas.microsoft.com/office/drawing/2010/main" xmlns="" w="9525">
-                <a:solidFill>
-                  <a:schemeClr val="tx1"/>
-                </a:solidFill>
-                <a:miter lim="800000"/>
-                <a:headEnd/>
-                <a:tailEnd/>
-              </a14:hiddenLine>
-            </a:ext>
-            <a:ext uri="{AF507438-7753-43e0-B8FC-AC1667EBCBE1}">
-              <a14:hiddenEffects xmlns:a14="http://schemas.microsoft.com/office/drawing/2010/main" xmlns="">
-                <a:effectLst>
-                  <a:outerShdw blurRad="63500" dist="38099" dir="2700000" algn="ctr" rotWithShape="0">
-                    <a:schemeClr val="bg2">
-                      <a:alpha val="74998"/>
-                    </a:schemeClr>
-                  </a:outerShdw>
-                </a:effectLst>
-              </a14:hiddenEffects>
-            </a:ext>
-          </a:extLst>
-        </p:spPr>
-        <p:txBody>
-          <a:bodyPr wrap="none" anchor="ctr"/>
-          <a:lstStyle/>
-          <a:p>
-            <a:pPr algn="ctr"/>
-            <a:endParaRPr lang="de-DE">
-              <a:solidFill>
-                <a:srgbClr val="57AA1C"/>
-              </a:solidFill>
-              <a:latin typeface="Times" charset="0"/>
-            </a:endParaRPr>
-          </a:p>
-        </p:txBody>
-      </p:sp>
-      <p:sp>
-        <p:nvSpPr>
-          <p:cNvPr id="583776" name="Rectangle 96"/>
-          <p:cNvSpPr>
-            <a:spLocks noChangeArrowheads="1"/>
-          </p:cNvSpPr>
-          <p:nvPr/>
-        </p:nvSpPr>
-        <p:spPr bwMode="auto">
-          <a:xfrm>
-            <a:off x="6248400" y="3390900"/>
-            <a:ext cx="609600" cy="457200"/>
-          </a:xfrm>
-          <a:prstGeom prst="rect">
-            <a:avLst/>
-          </a:prstGeom>
-          <a:solidFill>
-            <a:srgbClr val="57AA1C">
-              <a:alpha val="30000"/>
-            </a:srgbClr>
-          </a:solidFill>
-          <a:ln>
-            <a:noFill/>
-          </a:ln>
-          <a:effectLst/>
-          <a:extLst>
-            <a:ext uri="{91240B29-F687-4f45-9708-019B960494DF}">
-              <a14:hiddenLine xmlns:a14="http://schemas.microsoft.com/office/drawing/2010/main" xmlns="" w="9525">
-                <a:solidFill>
-                  <a:schemeClr val="tx1"/>
-                </a:solidFill>
-                <a:miter lim="800000"/>
-                <a:headEnd/>
-                <a:tailEnd/>
-              </a14:hiddenLine>
-            </a:ext>
-            <a:ext uri="{AF507438-7753-43e0-B8FC-AC1667EBCBE1}">
-              <a14:hiddenEffects xmlns:a14="http://schemas.microsoft.com/office/drawing/2010/main" xmlns="">
-                <a:effectLst>
-                  <a:outerShdw blurRad="63500" dist="38099" dir="2700000" algn="ctr" rotWithShape="0">
-                    <a:schemeClr val="bg2">
-                      <a:alpha val="74998"/>
-                    </a:schemeClr>
-                  </a:outerShdw>
-                </a:effectLst>
-              </a14:hiddenEffects>
-            </a:ext>
-          </a:extLst>
-        </p:spPr>
-        <p:txBody>
-          <a:bodyPr wrap="none" anchor="ctr"/>
-          <a:lstStyle/>
-          <a:p>
-            <a:pPr algn="ctr"/>
-            <a:endParaRPr lang="de-DE">
-              <a:solidFill>
-                <a:srgbClr val="57AA1C"/>
-              </a:solidFill>
-              <a:latin typeface="Times" charset="0"/>
-            </a:endParaRPr>
-          </a:p>
-        </p:txBody>
-      </p:sp>
-      <p:sp>
-        <p:nvSpPr>
-          <p:cNvPr id="583777" name="Rectangle 97"/>
-          <p:cNvSpPr>
-            <a:spLocks noChangeArrowheads="1"/>
-          </p:cNvSpPr>
-          <p:nvPr/>
-        </p:nvSpPr>
-        <p:spPr bwMode="auto">
-          <a:xfrm>
-            <a:off x="7010400" y="3390900"/>
-            <a:ext cx="609600" cy="457200"/>
-          </a:xfrm>
-          <a:prstGeom prst="rect">
-            <a:avLst/>
-          </a:prstGeom>
-          <a:solidFill>
-            <a:srgbClr val="57AA1C">
-              <a:alpha val="20000"/>
-            </a:srgbClr>
-          </a:solidFill>
-          <a:ln>
-            <a:noFill/>
-          </a:ln>
-          <a:effectLst/>
-          <a:extLst>
-            <a:ext uri="{91240B29-F687-4f45-9708-019B960494DF}">
-              <a14:hiddenLine xmlns:a14="http://schemas.microsoft.com/office/drawing/2010/main" xmlns="" w="9525">
-                <a:solidFill>
-                  <a:schemeClr val="tx1"/>
-                </a:solidFill>
-                <a:miter lim="800000"/>
-                <a:headEnd/>
-                <a:tailEnd/>
-              </a14:hiddenLine>
-            </a:ext>
-            <a:ext uri="{AF507438-7753-43e0-B8FC-AC1667EBCBE1}">
-              <a14:hiddenEffects xmlns:a14="http://schemas.microsoft.com/office/drawing/2010/main" xmlns="">
-                <a:effectLst>
-                  <a:outerShdw blurRad="63500" dist="38099" dir="2700000" algn="ctr" rotWithShape="0">
-                    <a:schemeClr val="bg2">
-                      <a:alpha val="74998"/>
-                    </a:schemeClr>
-                  </a:outerShdw>
-                </a:effectLst>
-              </a14:hiddenEffects>
-            </a:ext>
-          </a:extLst>
-        </p:spPr>
-        <p:txBody>
-          <a:bodyPr wrap="none" anchor="ctr"/>
-          <a:lstStyle/>
-          <a:p>
-            <a:pPr algn="ctr"/>
-            <a:endParaRPr lang="de-DE">
-              <a:solidFill>
-                <a:srgbClr val="57AA1C"/>
-              </a:solidFill>
-              <a:latin typeface="Times" charset="0"/>
-            </a:endParaRPr>
-          </a:p>
-        </p:txBody>
-      </p:sp>
-      <p:sp>
-        <p:nvSpPr>
-          <p:cNvPr id="583778" name="Rectangle 98"/>
-          <p:cNvSpPr>
-            <a:spLocks noChangeArrowheads="1"/>
-          </p:cNvSpPr>
-          <p:nvPr/>
-        </p:nvSpPr>
-        <p:spPr bwMode="auto">
-          <a:xfrm>
-            <a:off x="7772400" y="3390900"/>
-            <a:ext cx="609600" cy="457200"/>
-          </a:xfrm>
-          <a:prstGeom prst="rect">
-            <a:avLst/>
-          </a:prstGeom>
-          <a:solidFill>
-            <a:srgbClr val="57AA1C">
-              <a:alpha val="10001"/>
-            </a:srgbClr>
-          </a:solidFill>
-          <a:ln>
-            <a:noFill/>
-          </a:ln>
-          <a:effectLst/>
-          <a:extLst>
-            <a:ext uri="{91240B29-F687-4f45-9708-019B960494DF}">
-              <a14:hiddenLine xmlns:a14="http://schemas.microsoft.com/office/drawing/2010/main" xmlns="" w="9525">
-                <a:solidFill>
-                  <a:schemeClr val="tx1"/>
-                </a:solidFill>
-                <a:miter lim="800000"/>
-                <a:headEnd/>
-                <a:tailEnd/>
-              </a14:hiddenLine>
-            </a:ext>
-            <a:ext uri="{AF507438-7753-43e0-B8FC-AC1667EBCBE1}">
-              <a14:hiddenEffects xmlns:a14="http://schemas.microsoft.com/office/drawing/2010/main" xmlns="">
-                <a:effectLst>
-                  <a:outerShdw blurRad="63500" dist="38099" dir="2700000" algn="ctr" rotWithShape="0">
-                    <a:schemeClr val="bg2">
-                      <a:alpha val="74998"/>
-                    </a:schemeClr>
-                  </a:outerShdw>
-                </a:effectLst>
-              </a14:hiddenEffects>
-            </a:ext>
-          </a:extLst>
-        </p:spPr>
-        <p:txBody>
-          <a:bodyPr wrap="none" anchor="ctr"/>
-          <a:lstStyle/>
-          <a:p>
-            <a:pPr algn="ctr"/>
-            <a:endParaRPr lang="de-DE">
-              <a:solidFill>
-                <a:srgbClr val="57AA1C"/>
-              </a:solidFill>
-              <a:latin typeface="Times" charset="0"/>
-            </a:endParaRPr>
-          </a:p>
-        </p:txBody>
-      </p:sp>
-      <p:sp>
-        <p:nvSpPr>
-          <p:cNvPr id="583779" name="Rectangle 99"/>
-          <p:cNvSpPr>
-            <a:spLocks noChangeArrowheads="1"/>
-          </p:cNvSpPr>
-          <p:nvPr/>
-        </p:nvSpPr>
-        <p:spPr bwMode="auto">
-          <a:xfrm>
-            <a:off x="914400" y="4191000"/>
-            <a:ext cx="609600" cy="457200"/>
-          </a:xfrm>
-          <a:prstGeom prst="rect">
-            <a:avLst/>
-          </a:prstGeom>
-          <a:solidFill>
-            <a:srgbClr val="A32638"/>
-          </a:solidFill>
-          <a:ln>
-            <a:noFill/>
-          </a:ln>
-          <a:effectLst/>
-          <a:extLst>
-            <a:ext uri="{91240B29-F687-4f45-9708-019B960494DF}">
-              <a14:hiddenLine xmlns:a14="http://schemas.microsoft.com/office/drawing/2010/main" xmlns="" w="9525">
-                <a:solidFill>
-                  <a:schemeClr val="tx1"/>
-                </a:solidFill>
-                <a:miter lim="800000"/>
-                <a:headEnd/>
-                <a:tailEnd/>
-              </a14:hiddenLine>
-            </a:ext>
-            <a:ext uri="{AF507438-7753-43e0-B8FC-AC1667EBCBE1}">
-              <a14:hiddenEffects xmlns:a14="http://schemas.microsoft.com/office/drawing/2010/main" xmlns="">
-                <a:effectLst>
-                  <a:outerShdw blurRad="63500" dist="38099" dir="2700000" algn="ctr" rotWithShape="0">
-                    <a:schemeClr val="bg2">
-                      <a:alpha val="74998"/>
-                    </a:schemeClr>
-                  </a:outerShdw>
-                </a:effectLst>
-              </a14:hiddenEffects>
-            </a:ext>
-          </a:extLst>
-        </p:spPr>
-        <p:txBody>
-          <a:bodyPr wrap="none" anchor="ctr"/>
-          <a:lstStyle/>
-          <a:p>
-            <a:pPr algn="ctr"/>
-            <a:endParaRPr lang="de-DE">
-              <a:solidFill>
-                <a:srgbClr val="57AA1C"/>
-              </a:solidFill>
-              <a:latin typeface="Times" charset="0"/>
-            </a:endParaRPr>
-          </a:p>
-        </p:txBody>
-      </p:sp>
-      <p:sp>
-        <p:nvSpPr>
-          <p:cNvPr id="583780" name="Rectangle 100"/>
-          <p:cNvSpPr>
-            <a:spLocks noChangeArrowheads="1"/>
-          </p:cNvSpPr>
-          <p:nvPr/>
-        </p:nvSpPr>
-        <p:spPr bwMode="auto">
-          <a:xfrm>
-            <a:off x="1676400" y="4191000"/>
-            <a:ext cx="609600" cy="457200"/>
-          </a:xfrm>
-          <a:prstGeom prst="rect">
-            <a:avLst/>
-          </a:prstGeom>
-          <a:solidFill>
-            <a:srgbClr val="A32638">
-              <a:alpha val="89999"/>
-            </a:srgbClr>
-          </a:solidFill>
-          <a:ln>
-            <a:noFill/>
-          </a:ln>
-          <a:effectLst/>
-          <a:extLst>
-            <a:ext uri="{91240B29-F687-4f45-9708-019B960494DF}">
-              <a14:hiddenLine xmlns:a14="http://schemas.microsoft.com/office/drawing/2010/main" xmlns="" w="9525">
-                <a:solidFill>
-                  <a:schemeClr val="tx1"/>
-                </a:solidFill>
-                <a:miter lim="800000"/>
-                <a:headEnd/>
-                <a:tailEnd/>
-              </a14:hiddenLine>
-            </a:ext>
-            <a:ext uri="{AF507438-7753-43e0-B8FC-AC1667EBCBE1}">
-              <a14:hiddenEffects xmlns:a14="http://schemas.microsoft.com/office/drawing/2010/main" xmlns="">
-                <a:effectLst>
-                  <a:outerShdw blurRad="63500" dist="38099" dir="2700000" algn="ctr" rotWithShape="0">
-                    <a:schemeClr val="bg2">
-                      <a:alpha val="74998"/>
-                    </a:schemeClr>
-                  </a:outerShdw>
-                </a:effectLst>
-              </a14:hiddenEffects>
-            </a:ext>
-          </a:extLst>
-        </p:spPr>
-        <p:txBody>
-          <a:bodyPr wrap="none" anchor="ctr"/>
-          <a:lstStyle/>
-          <a:p>
-            <a:pPr algn="ctr"/>
-            <a:endParaRPr lang="de-DE">
-              <a:solidFill>
-                <a:srgbClr val="57AA1C"/>
-              </a:solidFill>
-              <a:latin typeface="Times" charset="0"/>
-            </a:endParaRPr>
-          </a:p>
-        </p:txBody>
-      </p:sp>
-      <p:sp>
-        <p:nvSpPr>
-          <p:cNvPr id="583781" name="Rectangle 101"/>
-          <p:cNvSpPr>
-            <a:spLocks noChangeArrowheads="1"/>
-          </p:cNvSpPr>
-          <p:nvPr/>
-        </p:nvSpPr>
-        <p:spPr bwMode="auto">
-          <a:xfrm>
-            <a:off x="2438400" y="4191000"/>
-            <a:ext cx="609600" cy="457200"/>
-          </a:xfrm>
-          <a:prstGeom prst="rect">
-            <a:avLst/>
-          </a:prstGeom>
-          <a:solidFill>
-            <a:srgbClr val="A32638">
-              <a:alpha val="80000"/>
-            </a:srgbClr>
-          </a:solidFill>
-          <a:ln>
-            <a:noFill/>
-          </a:ln>
-          <a:effectLst/>
-          <a:extLst>
-            <a:ext uri="{91240B29-F687-4f45-9708-019B960494DF}">
-              <a14:hiddenLine xmlns:a14="http://schemas.microsoft.com/office/drawing/2010/main" xmlns="" w="9525">
-                <a:solidFill>
-                  <a:schemeClr val="tx1"/>
-                </a:solidFill>
-                <a:miter lim="800000"/>
-                <a:headEnd/>
-                <a:tailEnd/>
-              </a14:hiddenLine>
-            </a:ext>
-            <a:ext uri="{AF507438-7753-43e0-B8FC-AC1667EBCBE1}">
-              <a14:hiddenEffects xmlns:a14="http://schemas.microsoft.com/office/drawing/2010/main" xmlns="">
-                <a:effectLst>
-                  <a:outerShdw blurRad="63500" dist="38099" dir="2700000" algn="ctr" rotWithShape="0">
-                    <a:schemeClr val="bg2">
-                      <a:alpha val="74998"/>
-                    </a:schemeClr>
-                  </a:outerShdw>
-                </a:effectLst>
-              </a14:hiddenEffects>
-            </a:ext>
-          </a:extLst>
-        </p:spPr>
-        <p:txBody>
-          <a:bodyPr wrap="none" anchor="ctr"/>
-          <a:lstStyle/>
-          <a:p>
-            <a:pPr algn="ctr"/>
-            <a:endParaRPr lang="de-DE">
-              <a:solidFill>
-                <a:srgbClr val="57AA1C"/>
-              </a:solidFill>
-              <a:latin typeface="Times" charset="0"/>
-            </a:endParaRPr>
-          </a:p>
-        </p:txBody>
-      </p:sp>
-      <p:sp>
-        <p:nvSpPr>
-          <p:cNvPr id="583782" name="Rectangle 102"/>
-          <p:cNvSpPr>
-            <a:spLocks noChangeArrowheads="1"/>
-          </p:cNvSpPr>
-          <p:nvPr/>
-        </p:nvSpPr>
-        <p:spPr bwMode="auto">
-          <a:xfrm>
-            <a:off x="3200400" y="4191000"/>
-            <a:ext cx="609600" cy="457200"/>
-          </a:xfrm>
-          <a:prstGeom prst="rect">
-            <a:avLst/>
-          </a:prstGeom>
-          <a:solidFill>
-            <a:srgbClr val="A32638">
-              <a:alpha val="70000"/>
-            </a:srgbClr>
-          </a:solidFill>
-          <a:ln>
-            <a:noFill/>
-          </a:ln>
-          <a:effectLst/>
-          <a:extLst>
-            <a:ext uri="{91240B29-F687-4f45-9708-019B960494DF}">
-              <a14:hiddenLine xmlns:a14="http://schemas.microsoft.com/office/drawing/2010/main" xmlns="" w="9525">
-                <a:solidFill>
-                  <a:schemeClr val="tx1"/>
-                </a:solidFill>
-                <a:miter lim="800000"/>
-                <a:headEnd/>
-                <a:tailEnd/>
-              </a14:hiddenLine>
-            </a:ext>
-            <a:ext uri="{AF507438-7753-43e0-B8FC-AC1667EBCBE1}">
-              <a14:hiddenEffects xmlns:a14="http://schemas.microsoft.com/office/drawing/2010/main" xmlns="">
-                <a:effectLst>
-                  <a:outerShdw blurRad="63500" dist="38099" dir="2700000" algn="ctr" rotWithShape="0">
-                    <a:schemeClr val="bg2">
-                      <a:alpha val="74998"/>
-                    </a:schemeClr>
-                  </a:outerShdw>
-                </a:effectLst>
-              </a14:hiddenEffects>
-            </a:ext>
-          </a:extLst>
-        </p:spPr>
-        <p:txBody>
-          <a:bodyPr wrap="none" anchor="ctr"/>
-          <a:lstStyle/>
-          <a:p>
-            <a:pPr algn="ctr"/>
-            <a:endParaRPr lang="de-DE">
-              <a:solidFill>
-                <a:srgbClr val="57AA1C"/>
-              </a:solidFill>
-              <a:latin typeface="Times" charset="0"/>
-            </a:endParaRPr>
-          </a:p>
-        </p:txBody>
-      </p:sp>
-      <p:sp>
-        <p:nvSpPr>
-          <p:cNvPr id="583783" name="Rectangle 103"/>
-          <p:cNvSpPr>
-            <a:spLocks noChangeArrowheads="1"/>
-          </p:cNvSpPr>
-          <p:nvPr/>
-        </p:nvSpPr>
-        <p:spPr bwMode="auto">
-          <a:xfrm>
-            <a:off x="3962400" y="4191000"/>
-            <a:ext cx="609600" cy="457200"/>
-          </a:xfrm>
-          <a:prstGeom prst="rect">
-            <a:avLst/>
-          </a:prstGeom>
-          <a:solidFill>
-            <a:srgbClr val="A32638">
-              <a:alpha val="60001"/>
-            </a:srgbClr>
-          </a:solidFill>
-          <a:ln>
-            <a:noFill/>
-          </a:ln>
-          <a:effectLst/>
-          <a:extLst>
-            <a:ext uri="{91240B29-F687-4f45-9708-019B960494DF}">
-              <a14:hiddenLine xmlns:a14="http://schemas.microsoft.com/office/drawing/2010/main" xmlns="" w="9525">
-                <a:solidFill>
-                  <a:schemeClr val="tx1"/>
-                </a:solidFill>
-                <a:miter lim="800000"/>
-                <a:headEnd/>
-                <a:tailEnd/>
-              </a14:hiddenLine>
-            </a:ext>
-            <a:ext uri="{AF507438-7753-43e0-B8FC-AC1667EBCBE1}">
-              <a14:hiddenEffects xmlns:a14="http://schemas.microsoft.com/office/drawing/2010/main" xmlns="">
-                <a:effectLst>
-                  <a:outerShdw blurRad="63500" dist="38099" dir="2700000" algn="ctr" rotWithShape="0">
-                    <a:schemeClr val="bg2">
-                      <a:alpha val="74998"/>
-                    </a:schemeClr>
-                  </a:outerShdw>
-                </a:effectLst>
-              </a14:hiddenEffects>
-            </a:ext>
-          </a:extLst>
-        </p:spPr>
-        <p:txBody>
-          <a:bodyPr wrap="none" anchor="ctr"/>
-          <a:lstStyle/>
-          <a:p>
-            <a:pPr algn="ctr"/>
-            <a:endParaRPr lang="de-DE">
-              <a:solidFill>
-                <a:srgbClr val="57AA1C"/>
-              </a:solidFill>
-              <a:latin typeface="Times" charset="0"/>
-            </a:endParaRPr>
-          </a:p>
-        </p:txBody>
-      </p:sp>
-      <p:sp>
-        <p:nvSpPr>
-          <p:cNvPr id="583784" name="Rectangle 104"/>
-          <p:cNvSpPr>
-            <a:spLocks noChangeArrowheads="1"/>
-          </p:cNvSpPr>
-          <p:nvPr/>
-        </p:nvSpPr>
-        <p:spPr bwMode="auto">
-          <a:xfrm>
-            <a:off x="4724400" y="4191000"/>
-            <a:ext cx="609600" cy="457200"/>
-          </a:xfrm>
-          <a:prstGeom prst="rect">
-            <a:avLst/>
-          </a:prstGeom>
-          <a:solidFill>
-            <a:srgbClr val="A32638">
-              <a:alpha val="50000"/>
-            </a:srgbClr>
-          </a:solidFill>
-          <a:ln>
-            <a:noFill/>
-          </a:ln>
-          <a:effectLst/>
-          <a:extLst>
-            <a:ext uri="{91240B29-F687-4f45-9708-019B960494DF}">
-              <a14:hiddenLine xmlns:a14="http://schemas.microsoft.com/office/drawing/2010/main" xmlns="" w="9525">
-                <a:solidFill>
-                  <a:schemeClr val="tx1"/>
-                </a:solidFill>
-                <a:miter lim="800000"/>
-                <a:headEnd/>
-                <a:tailEnd/>
-              </a14:hiddenLine>
-            </a:ext>
-            <a:ext uri="{AF507438-7753-43e0-B8FC-AC1667EBCBE1}">
-              <a14:hiddenEffects xmlns:a14="http://schemas.microsoft.com/office/drawing/2010/main" xmlns="">
-                <a:effectLst>
-                  <a:outerShdw blurRad="63500" dist="38099" dir="2700000" algn="ctr" rotWithShape="0">
-                    <a:schemeClr val="bg2">
-                      <a:alpha val="74998"/>
-                    </a:schemeClr>
-                  </a:outerShdw>
-                </a:effectLst>
-              </a14:hiddenEffects>
-            </a:ext>
-          </a:extLst>
-        </p:spPr>
-        <p:txBody>
-          <a:bodyPr wrap="none" anchor="ctr"/>
-          <a:lstStyle/>
-          <a:p>
-            <a:pPr algn="ctr"/>
-            <a:endParaRPr lang="de-DE">
-              <a:solidFill>
-                <a:srgbClr val="57AA1C"/>
-              </a:solidFill>
-              <a:latin typeface="Times" charset="0"/>
-            </a:endParaRPr>
-          </a:p>
-        </p:txBody>
-      </p:sp>
-      <p:sp>
-        <p:nvSpPr>
-          <p:cNvPr id="583785" name="Rectangle 105"/>
-          <p:cNvSpPr>
-            <a:spLocks noChangeArrowheads="1"/>
-          </p:cNvSpPr>
-          <p:nvPr/>
-        </p:nvSpPr>
-        <p:spPr bwMode="auto">
-          <a:xfrm>
-            <a:off x="5486400" y="4191000"/>
-            <a:ext cx="609600" cy="457200"/>
-          </a:xfrm>
-          <a:prstGeom prst="rect">
-            <a:avLst/>
-          </a:prstGeom>
-          <a:solidFill>
-            <a:srgbClr val="A32638">
-              <a:alpha val="39999"/>
-            </a:srgbClr>
-          </a:solidFill>
-          <a:ln>
-            <a:noFill/>
-          </a:ln>
-          <a:effectLst/>
-          <a:extLst>
-            <a:ext uri="{91240B29-F687-4f45-9708-019B960494DF}">
-              <a14:hiddenLine xmlns:a14="http://schemas.microsoft.com/office/drawing/2010/main" xmlns="" w="9525">
-                <a:solidFill>
-                  <a:schemeClr val="tx1"/>
-                </a:solidFill>
-                <a:miter lim="800000"/>
-                <a:headEnd/>
-                <a:tailEnd/>
-              </a14:hiddenLine>
-            </a:ext>
-            <a:ext uri="{AF507438-7753-43e0-B8FC-AC1667EBCBE1}">
-              <a14:hiddenEffects xmlns:a14="http://schemas.microsoft.com/office/drawing/2010/main" xmlns="">
-                <a:effectLst>
-                  <a:outerShdw blurRad="63500" dist="38099" dir="2700000" algn="ctr" rotWithShape="0">
-                    <a:schemeClr val="bg2">
-                      <a:alpha val="74998"/>
-                    </a:schemeClr>
-                  </a:outerShdw>
-                </a:effectLst>
-              </a14:hiddenEffects>
-            </a:ext>
-          </a:extLst>
-        </p:spPr>
-        <p:txBody>
-          <a:bodyPr wrap="none" anchor="ctr"/>
-          <a:lstStyle/>
-          <a:p>
-            <a:pPr algn="ctr"/>
-            <a:endParaRPr lang="de-DE">
-              <a:solidFill>
-                <a:srgbClr val="57AA1C"/>
-              </a:solidFill>
-              <a:latin typeface="Times" charset="0"/>
-            </a:endParaRPr>
-          </a:p>
-        </p:txBody>
-      </p:sp>
-      <p:sp>
-        <p:nvSpPr>
-          <p:cNvPr id="583786" name="Rectangle 106"/>
-          <p:cNvSpPr>
-            <a:spLocks noChangeArrowheads="1"/>
-          </p:cNvSpPr>
-          <p:nvPr/>
-        </p:nvSpPr>
-        <p:spPr bwMode="auto">
-          <a:xfrm>
-            <a:off x="6248400" y="4191000"/>
-            <a:ext cx="609600" cy="457200"/>
-          </a:xfrm>
-          <a:prstGeom prst="rect">
-            <a:avLst/>
-          </a:prstGeom>
-          <a:solidFill>
-            <a:srgbClr val="A32638">
-              <a:alpha val="30000"/>
-            </a:srgbClr>
-          </a:solidFill>
-          <a:ln>
-            <a:noFill/>
-          </a:ln>
-          <a:effectLst/>
-          <a:extLst>
-            <a:ext uri="{91240B29-F687-4f45-9708-019B960494DF}">
-              <a14:hiddenLine xmlns:a14="http://schemas.microsoft.com/office/drawing/2010/main" xmlns="" w="9525">
-                <a:solidFill>
-                  <a:schemeClr val="tx1"/>
-                </a:solidFill>
-                <a:miter lim="800000"/>
-                <a:headEnd/>
-                <a:tailEnd/>
-              </a14:hiddenLine>
-            </a:ext>
-            <a:ext uri="{AF507438-7753-43e0-B8FC-AC1667EBCBE1}">
-              <a14:hiddenEffects xmlns:a14="http://schemas.microsoft.com/office/drawing/2010/main" xmlns="">
-                <a:effectLst>
-                  <a:outerShdw blurRad="63500" dist="38099" dir="2700000" algn="ctr" rotWithShape="0">
-                    <a:schemeClr val="bg2">
-                      <a:alpha val="74998"/>
-                    </a:schemeClr>
-                  </a:outerShdw>
-                </a:effectLst>
-              </a14:hiddenEffects>
-            </a:ext>
-          </a:extLst>
-        </p:spPr>
-        <p:txBody>
-          <a:bodyPr wrap="none" anchor="ctr"/>
-          <a:lstStyle/>
-          <a:p>
-            <a:pPr algn="ctr"/>
-            <a:endParaRPr lang="de-DE">
-              <a:solidFill>
-                <a:srgbClr val="57AA1C"/>
-              </a:solidFill>
-              <a:latin typeface="Times" charset="0"/>
-            </a:endParaRPr>
-          </a:p>
-        </p:txBody>
-      </p:sp>
-      <p:sp>
-        <p:nvSpPr>
-          <p:cNvPr id="583787" name="Rectangle 107"/>
-          <p:cNvSpPr>
-            <a:spLocks noChangeArrowheads="1"/>
-          </p:cNvSpPr>
-          <p:nvPr/>
-        </p:nvSpPr>
-        <p:spPr bwMode="auto">
-          <a:xfrm>
-            <a:off x="7010400" y="4191000"/>
-            <a:ext cx="609600" cy="457200"/>
-          </a:xfrm>
-          <a:prstGeom prst="rect">
-            <a:avLst/>
-          </a:prstGeom>
-          <a:solidFill>
-            <a:srgbClr val="A32638">
-              <a:alpha val="20000"/>
-            </a:srgbClr>
-          </a:solidFill>
-          <a:ln>
-            <a:noFill/>
-          </a:ln>
-          <a:effectLst/>
-          <a:extLst>
-            <a:ext uri="{91240B29-F687-4f45-9708-019B960494DF}">
-              <a14:hiddenLine xmlns:a14="http://schemas.microsoft.com/office/drawing/2010/main" xmlns="" w="9525">
-                <a:solidFill>
-                  <a:schemeClr val="tx1"/>
-                </a:solidFill>
-                <a:miter lim="800000"/>
-                <a:headEnd/>
-                <a:tailEnd/>
-              </a14:hiddenLine>
-            </a:ext>
-            <a:ext uri="{AF507438-7753-43e0-B8FC-AC1667EBCBE1}">
-              <a14:hiddenEffects xmlns:a14="http://schemas.microsoft.com/office/drawing/2010/main" xmlns="">
-                <a:effectLst>
-                  <a:outerShdw blurRad="63500" dist="38099" dir="2700000" algn="ctr" rotWithShape="0">
-                    <a:schemeClr val="bg2">
-                      <a:alpha val="74998"/>
-                    </a:schemeClr>
-                  </a:outerShdw>
-                </a:effectLst>
-              </a14:hiddenEffects>
-            </a:ext>
-          </a:extLst>
-        </p:spPr>
-        <p:txBody>
-          <a:bodyPr wrap="none" anchor="ctr"/>
-          <a:lstStyle/>
-          <a:p>
-            <a:pPr algn="ctr"/>
-            <a:endParaRPr lang="de-DE">
-              <a:solidFill>
-                <a:srgbClr val="57AA1C"/>
-              </a:solidFill>
-              <a:latin typeface="Times" charset="0"/>
-            </a:endParaRPr>
-          </a:p>
-        </p:txBody>
-      </p:sp>
-      <p:sp>
-        <p:nvSpPr>
-          <p:cNvPr id="583788" name="Rectangle 108"/>
-          <p:cNvSpPr>
-            <a:spLocks noChangeArrowheads="1"/>
-          </p:cNvSpPr>
-          <p:nvPr/>
-        </p:nvSpPr>
-        <p:spPr bwMode="auto">
-          <a:xfrm>
-            <a:off x="7772400" y="4191000"/>
-            <a:ext cx="609600" cy="457200"/>
-          </a:xfrm>
-          <a:prstGeom prst="rect">
-            <a:avLst/>
-          </a:prstGeom>
-          <a:solidFill>
-            <a:srgbClr val="A32638">
-              <a:alpha val="10001"/>
-            </a:srgbClr>
-          </a:solidFill>
-          <a:ln>
-            <a:noFill/>
-          </a:ln>
-          <a:effectLst/>
-          <a:extLst>
-            <a:ext uri="{91240B29-F687-4f45-9708-019B960494DF}">
-              <a14:hiddenLine xmlns:a14="http://schemas.microsoft.com/office/drawing/2010/main" xmlns="" w="9525">
-                <a:solidFill>
-                  <a:schemeClr val="tx1"/>
-                </a:solidFill>
-                <a:miter lim="800000"/>
-                <a:headEnd/>
-                <a:tailEnd/>
-              </a14:hiddenLine>
-            </a:ext>
-            <a:ext uri="{AF507438-7753-43e0-B8FC-AC1667EBCBE1}">
-              <a14:hiddenEffects xmlns:a14="http://schemas.microsoft.com/office/drawing/2010/main" xmlns="">
-                <a:effectLst>
-                  <a:outerShdw blurRad="63500" dist="38099" dir="2700000" algn="ctr" rotWithShape="0">
-                    <a:schemeClr val="bg2">
-                      <a:alpha val="74998"/>
-                    </a:schemeClr>
-                  </a:outerShdw>
-                </a:effectLst>
-              </a14:hiddenEffects>
-            </a:ext>
-          </a:extLst>
-        </p:spPr>
-        <p:txBody>
-          <a:bodyPr wrap="none" anchor="ctr"/>
-          <a:lstStyle/>
-          <a:p>
-            <a:pPr algn="ctr"/>
-            <a:endParaRPr lang="de-DE">
-              <a:solidFill>
-                <a:srgbClr val="57AA1C"/>
-              </a:solidFill>
-              <a:latin typeface="Times" charset="0"/>
-            </a:endParaRPr>
-          </a:p>
-        </p:txBody>
-      </p:sp>
-      <p:sp>
-        <p:nvSpPr>
-          <p:cNvPr id="583789" name="Rectangle 109"/>
-          <p:cNvSpPr>
-            <a:spLocks noChangeArrowheads="1"/>
-          </p:cNvSpPr>
-          <p:nvPr/>
-        </p:nvSpPr>
-        <p:spPr bwMode="auto">
-          <a:xfrm>
-            <a:off x="914400" y="4978400"/>
-            <a:ext cx="609600" cy="457200"/>
-          </a:xfrm>
-          <a:prstGeom prst="rect">
-            <a:avLst/>
-          </a:prstGeom>
-          <a:solidFill>
-            <a:srgbClr val="BD6005"/>
-          </a:solidFill>
-          <a:ln>
-            <a:noFill/>
-          </a:ln>
-          <a:effectLst/>
-          <a:extLst>
-            <a:ext uri="{91240B29-F687-4f45-9708-019B960494DF}">
-              <a14:hiddenLine xmlns:a14="http://schemas.microsoft.com/office/drawing/2010/main" xmlns="" w="9525">
-                <a:solidFill>
-                  <a:schemeClr val="tx1"/>
-                </a:solidFill>
-                <a:miter lim="800000"/>
-                <a:headEnd/>
-                <a:tailEnd/>
-              </a14:hiddenLine>
-            </a:ext>
-            <a:ext uri="{AF507438-7753-43e0-B8FC-AC1667EBCBE1}">
-              <a14:hiddenEffects xmlns:a14="http://schemas.microsoft.com/office/drawing/2010/main" xmlns="">
-                <a:effectLst>
-                  <a:outerShdw blurRad="63500" dist="38099" dir="2700000" algn="ctr" rotWithShape="0">
-                    <a:schemeClr val="bg2">
-                      <a:alpha val="74998"/>
-                    </a:schemeClr>
-                  </a:outerShdw>
-                </a:effectLst>
-              </a14:hiddenEffects>
-            </a:ext>
-          </a:extLst>
-        </p:spPr>
-        <p:txBody>
-          <a:bodyPr wrap="none" anchor="ctr"/>
-          <a:lstStyle/>
-          <a:p>
-            <a:pPr algn="ctr"/>
-            <a:endParaRPr lang="de-DE">
-              <a:solidFill>
-                <a:srgbClr val="57AA1C"/>
-              </a:solidFill>
-              <a:latin typeface="Times" charset="0"/>
-            </a:endParaRPr>
-          </a:p>
-        </p:txBody>
-      </p:sp>
-      <p:sp>
-        <p:nvSpPr>
-          <p:cNvPr id="583790" name="Rectangle 110"/>
-          <p:cNvSpPr>
-            <a:spLocks noChangeArrowheads="1"/>
-          </p:cNvSpPr>
-          <p:nvPr/>
-        </p:nvSpPr>
-        <p:spPr bwMode="auto">
-          <a:xfrm>
-            <a:off x="1676400" y="4978400"/>
-            <a:ext cx="609600" cy="457200"/>
-          </a:xfrm>
-          <a:prstGeom prst="rect">
-            <a:avLst/>
-          </a:prstGeom>
-          <a:solidFill>
-            <a:srgbClr val="BD6005">
-              <a:alpha val="89999"/>
-            </a:srgbClr>
-          </a:solidFill>
-          <a:ln>
-            <a:noFill/>
-          </a:ln>
-          <a:effectLst/>
-          <a:extLst>
-            <a:ext uri="{91240B29-F687-4f45-9708-019B960494DF}">
-              <a14:hiddenLine xmlns:a14="http://schemas.microsoft.com/office/drawing/2010/main" xmlns="" w="9525">
-                <a:solidFill>
-                  <a:schemeClr val="tx1"/>
-                </a:solidFill>
-                <a:miter lim="800000"/>
-                <a:headEnd/>
-                <a:tailEnd/>
-              </a14:hiddenLine>
-            </a:ext>
-            <a:ext uri="{AF507438-7753-43e0-B8FC-AC1667EBCBE1}">
-              <a14:hiddenEffects xmlns:a14="http://schemas.microsoft.com/office/drawing/2010/main" xmlns="">
-                <a:effectLst>
-                  <a:outerShdw blurRad="63500" dist="38099" dir="2700000" algn="ctr" rotWithShape="0">
-                    <a:schemeClr val="bg2">
-                      <a:alpha val="74998"/>
-                    </a:schemeClr>
-                  </a:outerShdw>
-                </a:effectLst>
-              </a14:hiddenEffects>
-            </a:ext>
-          </a:extLst>
-        </p:spPr>
-        <p:txBody>
-          <a:bodyPr wrap="none" anchor="ctr"/>
-          <a:lstStyle/>
-          <a:p>
-            <a:pPr algn="ctr"/>
-            <a:endParaRPr lang="de-DE">
-              <a:solidFill>
-                <a:srgbClr val="57AA1C"/>
-              </a:solidFill>
-              <a:latin typeface="Times" charset="0"/>
-            </a:endParaRPr>
-          </a:p>
-        </p:txBody>
-      </p:sp>
-      <p:sp>
-        <p:nvSpPr>
-          <p:cNvPr id="583791" name="Rectangle 111"/>
-          <p:cNvSpPr>
-            <a:spLocks noChangeArrowheads="1"/>
-          </p:cNvSpPr>
-          <p:nvPr/>
-        </p:nvSpPr>
-        <p:spPr bwMode="auto">
-          <a:xfrm>
-            <a:off x="2438400" y="4978400"/>
-            <a:ext cx="609600" cy="457200"/>
-          </a:xfrm>
-          <a:prstGeom prst="rect">
-            <a:avLst/>
-          </a:prstGeom>
-          <a:solidFill>
-            <a:srgbClr val="BD6005">
-              <a:alpha val="80000"/>
-            </a:srgbClr>
-          </a:solidFill>
-          <a:ln>
-            <a:noFill/>
-          </a:ln>
-          <a:effectLst/>
-          <a:extLst>
-            <a:ext uri="{91240B29-F687-4f45-9708-019B960494DF}">
-              <a14:hiddenLine xmlns:a14="http://schemas.microsoft.com/office/drawing/2010/main" xmlns="" w="9525">
-                <a:solidFill>
-                  <a:schemeClr val="tx1"/>
-                </a:solidFill>
-                <a:miter lim="800000"/>
-                <a:headEnd/>
-                <a:tailEnd/>
-              </a14:hiddenLine>
-            </a:ext>
-            <a:ext uri="{AF507438-7753-43e0-B8FC-AC1667EBCBE1}">
-              <a14:hiddenEffects xmlns:a14="http://schemas.microsoft.com/office/drawing/2010/main" xmlns="">
-                <a:effectLst>
-                  <a:outerShdw blurRad="63500" dist="38099" dir="2700000" algn="ctr" rotWithShape="0">
-                    <a:schemeClr val="bg2">
-                      <a:alpha val="74998"/>
-                    </a:schemeClr>
-                  </a:outerShdw>
-                </a:effectLst>
-              </a14:hiddenEffects>
-            </a:ext>
-          </a:extLst>
-        </p:spPr>
-        <p:txBody>
-          <a:bodyPr wrap="none" anchor="ctr"/>
-          <a:lstStyle/>
-          <a:p>
-            <a:pPr algn="ctr"/>
-            <a:endParaRPr lang="de-DE">
-              <a:solidFill>
-                <a:srgbClr val="57AA1C"/>
-              </a:solidFill>
-              <a:latin typeface="Times" charset="0"/>
-            </a:endParaRPr>
-          </a:p>
-        </p:txBody>
-      </p:sp>
-      <p:sp>
-        <p:nvSpPr>
-          <p:cNvPr id="583792" name="Rectangle 112"/>
-          <p:cNvSpPr>
-            <a:spLocks noChangeArrowheads="1"/>
-          </p:cNvSpPr>
-          <p:nvPr/>
-        </p:nvSpPr>
-        <p:spPr bwMode="auto">
-          <a:xfrm>
-            <a:off x="3200400" y="4978400"/>
-            <a:ext cx="609600" cy="457200"/>
-          </a:xfrm>
-          <a:prstGeom prst="rect">
-            <a:avLst/>
-          </a:prstGeom>
-          <a:solidFill>
-            <a:srgbClr val="BD6005">
-              <a:alpha val="70000"/>
-            </a:srgbClr>
-          </a:solidFill>
-          <a:ln>
-            <a:noFill/>
-          </a:ln>
-          <a:effectLst/>
-          <a:extLst>
-            <a:ext uri="{91240B29-F687-4f45-9708-019B960494DF}">
-              <a14:hiddenLine xmlns:a14="http://schemas.microsoft.com/office/drawing/2010/main" xmlns="" w="9525">
-                <a:solidFill>
-                  <a:schemeClr val="tx1"/>
-                </a:solidFill>
-                <a:miter lim="800000"/>
-                <a:headEnd/>
-                <a:tailEnd/>
-              </a14:hiddenLine>
-            </a:ext>
-            <a:ext uri="{AF507438-7753-43e0-B8FC-AC1667EBCBE1}">
-              <a14:hiddenEffects xmlns:a14="http://schemas.microsoft.com/office/drawing/2010/main" xmlns="">
-                <a:effectLst>
-                  <a:outerShdw blurRad="63500" dist="38099" dir="2700000" algn="ctr" rotWithShape="0">
-                    <a:schemeClr val="bg2">
-                      <a:alpha val="74998"/>
-                    </a:schemeClr>
-                  </a:outerShdw>
-                </a:effectLst>
-              </a14:hiddenEffects>
-            </a:ext>
-          </a:extLst>
-        </p:spPr>
-        <p:txBody>
-          <a:bodyPr wrap="none" anchor="ctr"/>
-          <a:lstStyle/>
-          <a:p>
-            <a:pPr algn="ctr"/>
-            <a:endParaRPr lang="de-DE">
-              <a:solidFill>
-                <a:srgbClr val="57AA1C"/>
-              </a:solidFill>
-              <a:latin typeface="Times" charset="0"/>
-            </a:endParaRPr>
-          </a:p>
-        </p:txBody>
-      </p:sp>
-      <p:sp>
-        <p:nvSpPr>
-          <p:cNvPr id="583793" name="Rectangle 113"/>
-          <p:cNvSpPr>
-            <a:spLocks noChangeArrowheads="1"/>
-          </p:cNvSpPr>
-          <p:nvPr/>
-        </p:nvSpPr>
-        <p:spPr bwMode="auto">
-          <a:xfrm>
-            <a:off x="3962400" y="4978400"/>
-            <a:ext cx="609600" cy="457200"/>
-          </a:xfrm>
-          <a:prstGeom prst="rect">
-            <a:avLst/>
-          </a:prstGeom>
-          <a:solidFill>
-            <a:srgbClr val="BD6005">
-              <a:alpha val="60001"/>
-            </a:srgbClr>
-          </a:solidFill>
-          <a:ln>
-            <a:noFill/>
-          </a:ln>
-          <a:effectLst/>
-          <a:extLst>
-            <a:ext uri="{91240B29-F687-4f45-9708-019B960494DF}">
-              <a14:hiddenLine xmlns:a14="http://schemas.microsoft.com/office/drawing/2010/main" xmlns="" w="9525">
-                <a:solidFill>
-                  <a:schemeClr val="tx1"/>
-                </a:solidFill>
-                <a:miter lim="800000"/>
-                <a:headEnd/>
-                <a:tailEnd/>
-              </a14:hiddenLine>
-            </a:ext>
-            <a:ext uri="{AF507438-7753-43e0-B8FC-AC1667EBCBE1}">
-              <a14:hiddenEffects xmlns:a14="http://schemas.microsoft.com/office/drawing/2010/main" xmlns="">
-                <a:effectLst>
-                  <a:outerShdw blurRad="63500" dist="38099" dir="2700000" algn="ctr" rotWithShape="0">
-                    <a:schemeClr val="bg2">
-                      <a:alpha val="74998"/>
-                    </a:schemeClr>
-                  </a:outerShdw>
-                </a:effectLst>
-              </a14:hiddenEffects>
-            </a:ext>
-          </a:extLst>
-        </p:spPr>
-        <p:txBody>
-          <a:bodyPr wrap="none" anchor="ctr"/>
-          <a:lstStyle/>
-          <a:p>
-            <a:pPr algn="ctr"/>
-            <a:endParaRPr lang="de-DE">
-              <a:solidFill>
-                <a:srgbClr val="57AA1C"/>
-              </a:solidFill>
-              <a:latin typeface="Times" charset="0"/>
-            </a:endParaRPr>
-          </a:p>
-        </p:txBody>
-      </p:sp>
-      <p:sp>
-        <p:nvSpPr>
-          <p:cNvPr id="583794" name="Rectangle 114"/>
-          <p:cNvSpPr>
-            <a:spLocks noChangeArrowheads="1"/>
-          </p:cNvSpPr>
-          <p:nvPr/>
-        </p:nvSpPr>
-        <p:spPr bwMode="auto">
-          <a:xfrm>
-            <a:off x="4724400" y="4978400"/>
-            <a:ext cx="609600" cy="457200"/>
-          </a:xfrm>
-          <a:prstGeom prst="rect">
-            <a:avLst/>
-          </a:prstGeom>
-          <a:solidFill>
-            <a:srgbClr val="BD6005">
-              <a:alpha val="50000"/>
-            </a:srgbClr>
-          </a:solidFill>
-          <a:ln>
-            <a:noFill/>
-          </a:ln>
-          <a:effectLst/>
-          <a:extLst>
-            <a:ext uri="{91240B29-F687-4f45-9708-019B960494DF}">
-              <a14:hiddenLine xmlns:a14="http://schemas.microsoft.com/office/drawing/2010/main" xmlns="" w="9525">
-                <a:solidFill>
-                  <a:schemeClr val="tx1"/>
-                </a:solidFill>
-                <a:miter lim="800000"/>
-                <a:headEnd/>
-                <a:tailEnd/>
-              </a14:hiddenLine>
-            </a:ext>
-            <a:ext uri="{AF507438-7753-43e0-B8FC-AC1667EBCBE1}">
-              <a14:hiddenEffects xmlns:a14="http://schemas.microsoft.com/office/drawing/2010/main" xmlns="">
-                <a:effectLst>
-                  <a:outerShdw blurRad="63500" dist="38099" dir="2700000" algn="ctr" rotWithShape="0">
-                    <a:schemeClr val="bg2">
-                      <a:alpha val="74998"/>
-                    </a:schemeClr>
-                  </a:outerShdw>
-                </a:effectLst>
-              </a14:hiddenEffects>
-            </a:ext>
-          </a:extLst>
-        </p:spPr>
-        <p:txBody>
-          <a:bodyPr wrap="none" anchor="ctr"/>
-          <a:lstStyle/>
-          <a:p>
-            <a:pPr algn="ctr"/>
-            <a:endParaRPr lang="de-DE">
-              <a:solidFill>
-                <a:srgbClr val="57AA1C"/>
-              </a:solidFill>
-              <a:latin typeface="Times" charset="0"/>
-            </a:endParaRPr>
-          </a:p>
-        </p:txBody>
-      </p:sp>
-      <p:sp>
-        <p:nvSpPr>
-          <p:cNvPr id="583795" name="Rectangle 115"/>
-          <p:cNvSpPr>
-            <a:spLocks noChangeArrowheads="1"/>
-          </p:cNvSpPr>
-          <p:nvPr/>
-        </p:nvSpPr>
-        <p:spPr bwMode="auto">
-          <a:xfrm>
-            <a:off x="5486400" y="4978400"/>
-            <a:ext cx="609600" cy="457200"/>
-          </a:xfrm>
-          <a:prstGeom prst="rect">
-            <a:avLst/>
-          </a:prstGeom>
-          <a:solidFill>
-            <a:srgbClr val="BD6005">
-              <a:alpha val="39999"/>
-            </a:srgbClr>
-          </a:solidFill>
-          <a:ln>
-            <a:noFill/>
-          </a:ln>
-          <a:effectLst/>
-          <a:extLst>
-            <a:ext uri="{91240B29-F687-4f45-9708-019B960494DF}">
-              <a14:hiddenLine xmlns:a14="http://schemas.microsoft.com/office/drawing/2010/main" xmlns="" w="9525">
-                <a:solidFill>
-                  <a:schemeClr val="tx1"/>
-                </a:solidFill>
-                <a:miter lim="800000"/>
-                <a:headEnd/>
-                <a:tailEnd/>
-              </a14:hiddenLine>
-            </a:ext>
-            <a:ext uri="{AF507438-7753-43e0-B8FC-AC1667EBCBE1}">
-              <a14:hiddenEffects xmlns:a14="http://schemas.microsoft.com/office/drawing/2010/main" xmlns="">
-                <a:effectLst>
-                  <a:outerShdw blurRad="63500" dist="38099" dir="2700000" algn="ctr" rotWithShape="0">
-                    <a:schemeClr val="bg2">
-                      <a:alpha val="74998"/>
-                    </a:schemeClr>
-                  </a:outerShdw>
-                </a:effectLst>
-              </a14:hiddenEffects>
-            </a:ext>
-          </a:extLst>
-        </p:spPr>
-        <p:txBody>
-          <a:bodyPr wrap="none" anchor="ctr"/>
-          <a:lstStyle/>
-          <a:p>
-            <a:pPr algn="ctr"/>
-            <a:endParaRPr lang="de-DE">
-              <a:solidFill>
-                <a:srgbClr val="57AA1C"/>
-              </a:solidFill>
-              <a:latin typeface="Times" charset="0"/>
-            </a:endParaRPr>
-          </a:p>
-        </p:txBody>
-      </p:sp>
-      <p:sp>
-        <p:nvSpPr>
-          <p:cNvPr id="583796" name="Rectangle 116"/>
-          <p:cNvSpPr>
-            <a:spLocks noChangeArrowheads="1"/>
-          </p:cNvSpPr>
-          <p:nvPr/>
-        </p:nvSpPr>
-        <p:spPr bwMode="auto">
-          <a:xfrm>
-            <a:off x="6248400" y="4978400"/>
-            <a:ext cx="609600" cy="457200"/>
-          </a:xfrm>
-          <a:prstGeom prst="rect">
-            <a:avLst/>
-          </a:prstGeom>
-          <a:solidFill>
-            <a:srgbClr val="BD6005">
-              <a:alpha val="30000"/>
-            </a:srgbClr>
-          </a:solidFill>
-          <a:ln>
-            <a:noFill/>
-          </a:ln>
-          <a:effectLst/>
-          <a:extLst>
-            <a:ext uri="{91240B29-F687-4f45-9708-019B960494DF}">
-              <a14:hiddenLine xmlns:a14="http://schemas.microsoft.com/office/drawing/2010/main" xmlns="" w="9525">
-                <a:solidFill>
-                  <a:schemeClr val="tx1"/>
-                </a:solidFill>
-                <a:miter lim="800000"/>
-                <a:headEnd/>
-                <a:tailEnd/>
-              </a14:hiddenLine>
-            </a:ext>
-            <a:ext uri="{AF507438-7753-43e0-B8FC-AC1667EBCBE1}">
-              <a14:hiddenEffects xmlns:a14="http://schemas.microsoft.com/office/drawing/2010/main" xmlns="">
-                <a:effectLst>
-                  <a:outerShdw blurRad="63500" dist="38099" dir="2700000" algn="ctr" rotWithShape="0">
-                    <a:schemeClr val="bg2">
-                      <a:alpha val="74998"/>
-                    </a:schemeClr>
-                  </a:outerShdw>
-                </a:effectLst>
-              </a14:hiddenEffects>
-            </a:ext>
-          </a:extLst>
-        </p:spPr>
-        <p:txBody>
-          <a:bodyPr wrap="none" anchor="ctr"/>
-          <a:lstStyle/>
-          <a:p>
-            <a:pPr algn="ctr"/>
-            <a:endParaRPr lang="de-DE">
-              <a:solidFill>
-                <a:srgbClr val="57AA1C"/>
-              </a:solidFill>
-              <a:latin typeface="Times" charset="0"/>
-            </a:endParaRPr>
-          </a:p>
-        </p:txBody>
-      </p:sp>
-      <p:sp>
-        <p:nvSpPr>
-          <p:cNvPr id="583797" name="Rectangle 117"/>
-          <p:cNvSpPr>
-            <a:spLocks noChangeArrowheads="1"/>
-          </p:cNvSpPr>
-          <p:nvPr/>
-        </p:nvSpPr>
-        <p:spPr bwMode="auto">
-          <a:xfrm>
-            <a:off x="7010400" y="4978400"/>
-            <a:ext cx="609600" cy="457200"/>
-          </a:xfrm>
-          <a:prstGeom prst="rect">
-            <a:avLst/>
-          </a:prstGeom>
-          <a:solidFill>
-            <a:srgbClr val="BD6005">
-              <a:alpha val="20000"/>
-            </a:srgbClr>
-          </a:solidFill>
-          <a:ln>
-            <a:noFill/>
-          </a:ln>
-          <a:effectLst/>
-          <a:extLst>
-            <a:ext uri="{91240B29-F687-4f45-9708-019B960494DF}">
-              <a14:hiddenLine xmlns:a14="http://schemas.microsoft.com/office/drawing/2010/main" xmlns="" w="9525">
-                <a:solidFill>
-                  <a:schemeClr val="tx1"/>
-                </a:solidFill>
-                <a:miter lim="800000"/>
-                <a:headEnd/>
-                <a:tailEnd/>
-              </a14:hiddenLine>
-            </a:ext>
-            <a:ext uri="{AF507438-7753-43e0-B8FC-AC1667EBCBE1}">
-              <a14:hiddenEffects xmlns:a14="http://schemas.microsoft.com/office/drawing/2010/main" xmlns="">
-                <a:effectLst>
-                  <a:outerShdw blurRad="63500" dist="38099" dir="2700000" algn="ctr" rotWithShape="0">
-                    <a:schemeClr val="bg2">
-                      <a:alpha val="74998"/>
-                    </a:schemeClr>
-                  </a:outerShdw>
-                </a:effectLst>
-              </a14:hiddenEffects>
-            </a:ext>
-          </a:extLst>
-        </p:spPr>
-        <p:txBody>
-          <a:bodyPr wrap="none" anchor="ctr"/>
-          <a:lstStyle/>
-          <a:p>
-            <a:pPr algn="ctr"/>
-            <a:endParaRPr lang="de-DE">
-              <a:solidFill>
-                <a:srgbClr val="57AA1C"/>
-              </a:solidFill>
-              <a:latin typeface="Times" charset="0"/>
-            </a:endParaRPr>
-          </a:p>
-        </p:txBody>
-      </p:sp>
-      <p:sp>
-        <p:nvSpPr>
-          <p:cNvPr id="583798" name="Rectangle 118"/>
-          <p:cNvSpPr>
-            <a:spLocks noChangeArrowheads="1"/>
-          </p:cNvSpPr>
-          <p:nvPr/>
-        </p:nvSpPr>
-        <p:spPr bwMode="auto">
-          <a:xfrm>
-            <a:off x="7772400" y="4978400"/>
-            <a:ext cx="609600" cy="457200"/>
-          </a:xfrm>
-          <a:prstGeom prst="rect">
-            <a:avLst/>
-          </a:prstGeom>
-          <a:solidFill>
-            <a:srgbClr val="BD6005">
-              <a:alpha val="10001"/>
-            </a:srgbClr>
-          </a:solidFill>
-          <a:ln>
-            <a:noFill/>
-          </a:ln>
-          <a:effectLst/>
-          <a:extLst>
-            <a:ext uri="{91240B29-F687-4f45-9708-019B960494DF}">
-              <a14:hiddenLine xmlns:a14="http://schemas.microsoft.com/office/drawing/2010/main" xmlns="" w="9525">
-                <a:solidFill>
-                  <a:schemeClr val="tx1"/>
-                </a:solidFill>
-                <a:miter lim="800000"/>
-                <a:headEnd/>
-                <a:tailEnd/>
-              </a14:hiddenLine>
-            </a:ext>
-            <a:ext uri="{AF507438-7753-43e0-B8FC-AC1667EBCBE1}">
-              <a14:hiddenEffects xmlns:a14="http://schemas.microsoft.com/office/drawing/2010/main" xmlns="">
-                <a:effectLst>
-                  <a:outerShdw blurRad="63500" dist="38099" dir="2700000" algn="ctr" rotWithShape="0">
-                    <a:schemeClr val="bg2">
-                      <a:alpha val="74998"/>
-                    </a:schemeClr>
-                  </a:outerShdw>
-                </a:effectLst>
-              </a14:hiddenEffects>
-            </a:ext>
-          </a:extLst>
-        </p:spPr>
-        <p:txBody>
-          <a:bodyPr wrap="none" anchor="ctr"/>
-          <a:lstStyle/>
-          <a:p>
-            <a:pPr algn="ctr"/>
-            <a:endParaRPr lang="de-DE">
-              <a:solidFill>
-                <a:srgbClr val="57AA1C"/>
-              </a:solidFill>
-              <a:latin typeface="Times" charset="0"/>
-            </a:endParaRPr>
-          </a:p>
-        </p:txBody>
-      </p:sp>
-      <p:sp>
-        <p:nvSpPr>
-          <p:cNvPr id="583799" name="Rectangle 119"/>
-          <p:cNvSpPr>
-            <a:spLocks noChangeArrowheads="1"/>
-          </p:cNvSpPr>
-          <p:nvPr/>
-        </p:nvSpPr>
-        <p:spPr bwMode="auto">
-          <a:xfrm>
-            <a:off x="914400" y="5791200"/>
-            <a:ext cx="609600" cy="457200"/>
-          </a:xfrm>
-          <a:prstGeom prst="rect">
-            <a:avLst/>
-          </a:prstGeom>
-          <a:solidFill>
-            <a:srgbClr val="26547C"/>
-          </a:solidFill>
-          <a:ln>
-            <a:noFill/>
-          </a:ln>
-          <a:effectLst/>
-          <a:extLst>
-            <a:ext uri="{91240B29-F687-4f45-9708-019B960494DF}">
-              <a14:hiddenLine xmlns:a14="http://schemas.microsoft.com/office/drawing/2010/main" xmlns="" w="9525">
-                <a:solidFill>
-                  <a:schemeClr val="tx1"/>
-                </a:solidFill>
-                <a:miter lim="800000"/>
-                <a:headEnd/>
-                <a:tailEnd/>
-              </a14:hiddenLine>
-            </a:ext>
-            <a:ext uri="{AF507438-7753-43e0-B8FC-AC1667EBCBE1}">
-              <a14:hiddenEffects xmlns:a14="http://schemas.microsoft.com/office/drawing/2010/main" xmlns="">
-                <a:effectLst>
-                  <a:outerShdw blurRad="63500" dist="38099" dir="2700000" algn="ctr" rotWithShape="0">
-                    <a:schemeClr val="bg2">
-                      <a:alpha val="74998"/>
-                    </a:schemeClr>
-                  </a:outerShdw>
-                </a:effectLst>
-              </a14:hiddenEffects>
-            </a:ext>
-          </a:extLst>
-        </p:spPr>
-        <p:txBody>
-          <a:bodyPr wrap="none" anchor="ctr"/>
-          <a:lstStyle/>
-          <a:p>
-            <a:pPr algn="ctr"/>
-            <a:endParaRPr lang="de-DE">
-              <a:solidFill>
-                <a:srgbClr val="57AA1C"/>
-              </a:solidFill>
-              <a:latin typeface="Times" charset="0"/>
-            </a:endParaRPr>
-          </a:p>
-        </p:txBody>
-      </p:sp>
-      <p:sp>
-        <p:nvSpPr>
-          <p:cNvPr id="583800" name="Rectangle 120"/>
-          <p:cNvSpPr>
-            <a:spLocks noChangeArrowheads="1"/>
-          </p:cNvSpPr>
-          <p:nvPr/>
-        </p:nvSpPr>
-        <p:spPr bwMode="auto">
-          <a:xfrm>
-            <a:off x="1676400" y="5791200"/>
-            <a:ext cx="609600" cy="457200"/>
-          </a:xfrm>
-          <a:prstGeom prst="rect">
-            <a:avLst/>
-          </a:prstGeom>
-          <a:solidFill>
-            <a:srgbClr val="26547C">
-              <a:alpha val="89999"/>
-            </a:srgbClr>
-          </a:solidFill>
-          <a:ln>
-            <a:noFill/>
-          </a:ln>
-          <a:effectLst/>
-          <a:extLst>
-            <a:ext uri="{91240B29-F687-4f45-9708-019B960494DF}">
-              <a14:hiddenLine xmlns:a14="http://schemas.microsoft.com/office/drawing/2010/main" xmlns="" w="9525">
-                <a:solidFill>
-                  <a:schemeClr val="tx1"/>
-                </a:solidFill>
-                <a:miter lim="800000"/>
-                <a:headEnd/>
-                <a:tailEnd/>
-              </a14:hiddenLine>
-            </a:ext>
-            <a:ext uri="{AF507438-7753-43e0-B8FC-AC1667EBCBE1}">
-              <a14:hiddenEffects xmlns:a14="http://schemas.microsoft.com/office/drawing/2010/main" xmlns="">
-                <a:effectLst>
-                  <a:outerShdw blurRad="63500" dist="38099" dir="2700000" algn="ctr" rotWithShape="0">
-                    <a:schemeClr val="bg2">
-                      <a:alpha val="74998"/>
-                    </a:schemeClr>
-                  </a:outerShdw>
-                </a:effectLst>
-              </a14:hiddenEffects>
-            </a:ext>
-          </a:extLst>
-        </p:spPr>
-        <p:txBody>
-          <a:bodyPr wrap="none" anchor="ctr"/>
-          <a:lstStyle/>
-          <a:p>
-            <a:pPr algn="ctr"/>
-            <a:endParaRPr lang="de-DE">
-              <a:solidFill>
-                <a:srgbClr val="57AA1C"/>
-              </a:solidFill>
-              <a:latin typeface="Times" charset="0"/>
-            </a:endParaRPr>
-          </a:p>
-        </p:txBody>
-      </p:sp>
-      <p:sp>
-        <p:nvSpPr>
-          <p:cNvPr id="583801" name="Rectangle 121"/>
-          <p:cNvSpPr>
-            <a:spLocks noChangeArrowheads="1"/>
-          </p:cNvSpPr>
-          <p:nvPr/>
-        </p:nvSpPr>
-        <p:spPr bwMode="auto">
-          <a:xfrm>
-            <a:off x="2438400" y="5791200"/>
-            <a:ext cx="609600" cy="457200"/>
-          </a:xfrm>
-          <a:prstGeom prst="rect">
-            <a:avLst/>
-          </a:prstGeom>
-          <a:solidFill>
-            <a:srgbClr val="26547C">
-              <a:alpha val="80000"/>
-            </a:srgbClr>
-          </a:solidFill>
-          <a:ln>
-            <a:noFill/>
-          </a:ln>
-          <a:effectLst/>
-          <a:extLst>
-            <a:ext uri="{91240B29-F687-4f45-9708-019B960494DF}">
-              <a14:hiddenLine xmlns:a14="http://schemas.microsoft.com/office/drawing/2010/main" xmlns="" w="9525">
-                <a:solidFill>
-                  <a:schemeClr val="tx1"/>
-                </a:solidFill>
-                <a:miter lim="800000"/>
-                <a:headEnd/>
-                <a:tailEnd/>
-              </a14:hiddenLine>
-            </a:ext>
-            <a:ext uri="{AF507438-7753-43e0-B8FC-AC1667EBCBE1}">
-              <a14:hiddenEffects xmlns:a14="http://schemas.microsoft.com/office/drawing/2010/main" xmlns="">
-                <a:effectLst>
-                  <a:outerShdw blurRad="63500" dist="38099" dir="2700000" algn="ctr" rotWithShape="0">
-                    <a:schemeClr val="bg2">
-                      <a:alpha val="74998"/>
-                    </a:schemeClr>
-                  </a:outerShdw>
-                </a:effectLst>
-              </a14:hiddenEffects>
-            </a:ext>
-          </a:extLst>
-        </p:spPr>
-        <p:txBody>
-          <a:bodyPr wrap="none" anchor="ctr"/>
-          <a:lstStyle/>
-          <a:p>
-            <a:pPr algn="ctr"/>
-            <a:endParaRPr lang="de-DE">
-              <a:solidFill>
-                <a:srgbClr val="57AA1C"/>
-              </a:solidFill>
-              <a:latin typeface="Times" charset="0"/>
-            </a:endParaRPr>
-          </a:p>
-        </p:txBody>
-      </p:sp>
-      <p:sp>
-        <p:nvSpPr>
-          <p:cNvPr id="583802" name="Rectangle 122"/>
-          <p:cNvSpPr>
-            <a:spLocks noChangeArrowheads="1"/>
-          </p:cNvSpPr>
-          <p:nvPr/>
-        </p:nvSpPr>
-        <p:spPr bwMode="auto">
-          <a:xfrm>
-            <a:off x="3200400" y="5791200"/>
-            <a:ext cx="609600" cy="457200"/>
-          </a:xfrm>
-          <a:prstGeom prst="rect">
-            <a:avLst/>
-          </a:prstGeom>
-          <a:solidFill>
-            <a:srgbClr val="26547C">
-              <a:alpha val="70000"/>
-            </a:srgbClr>
-          </a:solidFill>
-          <a:ln>
-            <a:noFill/>
-          </a:ln>
-          <a:effectLst/>
-          <a:extLst>
-            <a:ext uri="{91240B29-F687-4f45-9708-019B960494DF}">
-              <a14:hiddenLine xmlns:a14="http://schemas.microsoft.com/office/drawing/2010/main" xmlns="" w="9525">
-                <a:solidFill>
-                  <a:schemeClr val="tx1"/>
-                </a:solidFill>
-                <a:miter lim="800000"/>
-                <a:headEnd/>
-                <a:tailEnd/>
-              </a14:hiddenLine>
-            </a:ext>
-            <a:ext uri="{AF507438-7753-43e0-B8FC-AC1667EBCBE1}">
-              <a14:hiddenEffects xmlns:a14="http://schemas.microsoft.com/office/drawing/2010/main" xmlns="">
-                <a:effectLst>
-                  <a:outerShdw blurRad="63500" dist="38099" dir="2700000" algn="ctr" rotWithShape="0">
-                    <a:schemeClr val="bg2">
-                      <a:alpha val="74998"/>
-                    </a:schemeClr>
-                  </a:outerShdw>
-                </a:effectLst>
-              </a14:hiddenEffects>
-            </a:ext>
-          </a:extLst>
-        </p:spPr>
-        <p:txBody>
-          <a:bodyPr wrap="none" anchor="ctr"/>
-          <a:lstStyle/>
-          <a:p>
-            <a:pPr algn="ctr"/>
-            <a:endParaRPr lang="de-DE">
-              <a:solidFill>
-                <a:srgbClr val="57AA1C"/>
-              </a:solidFill>
-              <a:latin typeface="Times" charset="0"/>
-            </a:endParaRPr>
-          </a:p>
-        </p:txBody>
-      </p:sp>
-      <p:sp>
-        <p:nvSpPr>
-          <p:cNvPr id="583803" name="Rectangle 123"/>
-          <p:cNvSpPr>
-            <a:spLocks noChangeArrowheads="1"/>
-          </p:cNvSpPr>
-          <p:nvPr/>
-        </p:nvSpPr>
-        <p:spPr bwMode="auto">
-          <a:xfrm>
-            <a:off x="3962400" y="5791200"/>
-            <a:ext cx="609600" cy="457200"/>
-          </a:xfrm>
-          <a:prstGeom prst="rect">
-            <a:avLst/>
-          </a:prstGeom>
-          <a:solidFill>
-            <a:srgbClr val="26547C">
-              <a:alpha val="60001"/>
-            </a:srgbClr>
-          </a:solidFill>
-          <a:ln>
-            <a:noFill/>
-          </a:ln>
-          <a:effectLst/>
-          <a:extLst>
-            <a:ext uri="{91240B29-F687-4f45-9708-019B960494DF}">
-              <a14:hiddenLine xmlns:a14="http://schemas.microsoft.com/office/drawing/2010/main" xmlns="" w="9525">
-                <a:solidFill>
-                  <a:schemeClr val="tx1"/>
-                </a:solidFill>
-                <a:miter lim="800000"/>
-                <a:headEnd/>
-                <a:tailEnd/>
-              </a14:hiddenLine>
-            </a:ext>
-            <a:ext uri="{AF507438-7753-43e0-B8FC-AC1667EBCBE1}">
-              <a14:hiddenEffects xmlns:a14="http://schemas.microsoft.com/office/drawing/2010/main" xmlns="">
-                <a:effectLst>
-                  <a:outerShdw blurRad="63500" dist="38099" dir="2700000" algn="ctr" rotWithShape="0">
-                    <a:schemeClr val="bg2">
-                      <a:alpha val="74998"/>
-                    </a:schemeClr>
-                  </a:outerShdw>
-                </a:effectLst>
-              </a14:hiddenEffects>
-            </a:ext>
-          </a:extLst>
-        </p:spPr>
-        <p:txBody>
-          <a:bodyPr wrap="none" anchor="ctr"/>
-          <a:lstStyle/>
-          <a:p>
-            <a:pPr algn="ctr"/>
-            <a:endParaRPr lang="de-DE">
-              <a:solidFill>
-                <a:srgbClr val="57AA1C"/>
-              </a:solidFill>
-              <a:latin typeface="Times" charset="0"/>
-            </a:endParaRPr>
-          </a:p>
-        </p:txBody>
-      </p:sp>
-      <p:sp>
-        <p:nvSpPr>
-          <p:cNvPr id="583804" name="Rectangle 124"/>
-          <p:cNvSpPr>
-            <a:spLocks noChangeArrowheads="1"/>
-          </p:cNvSpPr>
-          <p:nvPr/>
-        </p:nvSpPr>
-        <p:spPr bwMode="auto">
-          <a:xfrm>
-            <a:off x="4724400" y="5791200"/>
-            <a:ext cx="609600" cy="457200"/>
-          </a:xfrm>
-          <a:prstGeom prst="rect">
-            <a:avLst/>
-          </a:prstGeom>
-          <a:solidFill>
-            <a:srgbClr val="26547C">
-              <a:alpha val="50000"/>
-            </a:srgbClr>
-          </a:solidFill>
-          <a:ln>
-            <a:noFill/>
-          </a:ln>
-          <a:effectLst/>
-          <a:extLst>
-            <a:ext uri="{91240B29-F687-4f45-9708-019B960494DF}">
-              <a14:hiddenLine xmlns:a14="http://schemas.microsoft.com/office/drawing/2010/main" xmlns="" w="9525">
-                <a:solidFill>
-                  <a:schemeClr val="tx1"/>
-                </a:solidFill>
-                <a:miter lim="800000"/>
-                <a:headEnd/>
-                <a:tailEnd/>
-              </a14:hiddenLine>
-            </a:ext>
-            <a:ext uri="{AF507438-7753-43e0-B8FC-AC1667EBCBE1}">
-              <a14:hiddenEffects xmlns:a14="http://schemas.microsoft.com/office/drawing/2010/main" xmlns="">
-                <a:effectLst>
-                  <a:outerShdw blurRad="63500" dist="38099" dir="2700000" algn="ctr" rotWithShape="0">
-                    <a:schemeClr val="bg2">
-                      <a:alpha val="74998"/>
-                    </a:schemeClr>
-                  </a:outerShdw>
-                </a:effectLst>
-              </a14:hiddenEffects>
-            </a:ext>
-          </a:extLst>
-        </p:spPr>
-        <p:txBody>
-          <a:bodyPr wrap="none" anchor="ctr"/>
-          <a:lstStyle/>
-          <a:p>
-            <a:pPr algn="ctr"/>
-            <a:endParaRPr lang="de-DE">
-              <a:solidFill>
-                <a:srgbClr val="57AA1C"/>
-              </a:solidFill>
-              <a:latin typeface="Times" charset="0"/>
-            </a:endParaRPr>
-          </a:p>
-        </p:txBody>
-      </p:sp>
-      <p:sp>
-        <p:nvSpPr>
-          <p:cNvPr id="583805" name="Rectangle 125"/>
-          <p:cNvSpPr>
-            <a:spLocks noChangeArrowheads="1"/>
-          </p:cNvSpPr>
-          <p:nvPr/>
-        </p:nvSpPr>
-        <p:spPr bwMode="auto">
-          <a:xfrm>
-            <a:off x="5486400" y="5791200"/>
-            <a:ext cx="609600" cy="457200"/>
-          </a:xfrm>
-          <a:prstGeom prst="rect">
-            <a:avLst/>
-          </a:prstGeom>
-          <a:solidFill>
-            <a:srgbClr val="26547C">
-              <a:alpha val="39999"/>
-            </a:srgbClr>
-          </a:solidFill>
-          <a:ln>
-            <a:noFill/>
-          </a:ln>
-          <a:effectLst/>
-          <a:extLst>
-            <a:ext uri="{91240B29-F687-4f45-9708-019B960494DF}">
-              <a14:hiddenLine xmlns:a14="http://schemas.microsoft.com/office/drawing/2010/main" xmlns="" w="9525">
-                <a:solidFill>
-                  <a:schemeClr val="tx1"/>
-                </a:solidFill>
-                <a:miter lim="800000"/>
-                <a:headEnd/>
-                <a:tailEnd/>
-              </a14:hiddenLine>
-            </a:ext>
-            <a:ext uri="{AF507438-7753-43e0-B8FC-AC1667EBCBE1}">
-              <a14:hiddenEffects xmlns:a14="http://schemas.microsoft.com/office/drawing/2010/main" xmlns="">
-                <a:effectLst>
-                  <a:outerShdw blurRad="63500" dist="38099" dir="2700000" algn="ctr" rotWithShape="0">
-                    <a:schemeClr val="bg2">
-                      <a:alpha val="74998"/>
-                    </a:schemeClr>
-                  </a:outerShdw>
-                </a:effectLst>
-              </a14:hiddenEffects>
-            </a:ext>
-          </a:extLst>
-        </p:spPr>
-        <p:txBody>
-          <a:bodyPr wrap="none" anchor="ctr"/>
-          <a:lstStyle/>
-          <a:p>
-            <a:pPr algn="ctr"/>
-            <a:endParaRPr lang="de-DE">
-              <a:solidFill>
-                <a:srgbClr val="57AA1C"/>
-              </a:solidFill>
-              <a:latin typeface="Times" charset="0"/>
-            </a:endParaRPr>
-          </a:p>
-        </p:txBody>
-      </p:sp>
-      <p:sp>
-        <p:nvSpPr>
-          <p:cNvPr id="583806" name="Rectangle 126"/>
-          <p:cNvSpPr>
-            <a:spLocks noChangeArrowheads="1"/>
-          </p:cNvSpPr>
-          <p:nvPr/>
-        </p:nvSpPr>
-        <p:spPr bwMode="auto">
-          <a:xfrm>
-            <a:off x="6248400" y="5791200"/>
-            <a:ext cx="609600" cy="457200"/>
-          </a:xfrm>
-          <a:prstGeom prst="rect">
-            <a:avLst/>
-          </a:prstGeom>
-          <a:solidFill>
-            <a:srgbClr val="26547C">
-              <a:alpha val="30000"/>
-            </a:srgbClr>
-          </a:solidFill>
-          <a:ln>
-            <a:noFill/>
-          </a:ln>
-          <a:effectLst/>
-          <a:extLst>
-            <a:ext uri="{91240B29-F687-4f45-9708-019B960494DF}">
-              <a14:hiddenLine xmlns:a14="http://schemas.microsoft.com/office/drawing/2010/main" xmlns="" w="9525">
-                <a:solidFill>
-                  <a:schemeClr val="tx1"/>
-                </a:solidFill>
-                <a:miter lim="800000"/>
-                <a:headEnd/>
-                <a:tailEnd/>
-              </a14:hiddenLine>
-            </a:ext>
-            <a:ext uri="{AF507438-7753-43e0-B8FC-AC1667EBCBE1}">
-              <a14:hiddenEffects xmlns:a14="http://schemas.microsoft.com/office/drawing/2010/main" xmlns="">
-                <a:effectLst>
-                  <a:outerShdw blurRad="63500" dist="38099" dir="2700000" algn="ctr" rotWithShape="0">
-                    <a:schemeClr val="bg2">
-                      <a:alpha val="74998"/>
-                    </a:schemeClr>
-                  </a:outerShdw>
-                </a:effectLst>
-              </a14:hiddenEffects>
-            </a:ext>
-          </a:extLst>
-        </p:spPr>
-        <p:txBody>
-          <a:bodyPr wrap="none" anchor="ctr"/>
-          <a:lstStyle/>
-          <a:p>
-            <a:pPr algn="ctr"/>
-            <a:endParaRPr lang="de-DE">
-              <a:solidFill>
-                <a:srgbClr val="57AA1C"/>
-              </a:solidFill>
-              <a:latin typeface="Times" charset="0"/>
-            </a:endParaRPr>
-          </a:p>
-        </p:txBody>
-      </p:sp>
-      <p:sp>
-        <p:nvSpPr>
-          <p:cNvPr id="583807" name="Rectangle 127"/>
-          <p:cNvSpPr>
-            <a:spLocks noChangeArrowheads="1"/>
-          </p:cNvSpPr>
-          <p:nvPr/>
-        </p:nvSpPr>
-        <p:spPr bwMode="auto">
-          <a:xfrm>
-            <a:off x="7010400" y="5791200"/>
-            <a:ext cx="609600" cy="457200"/>
-          </a:xfrm>
-          <a:prstGeom prst="rect">
-            <a:avLst/>
-          </a:prstGeom>
-          <a:solidFill>
-            <a:srgbClr val="26547C">
-              <a:alpha val="20000"/>
-            </a:srgbClr>
-          </a:solidFill>
-          <a:ln>
-            <a:noFill/>
-          </a:ln>
-          <a:effectLst/>
-          <a:extLst>
-            <a:ext uri="{91240B29-F687-4f45-9708-019B960494DF}">
-              <a14:hiddenLine xmlns:a14="http://schemas.microsoft.com/office/drawing/2010/main" xmlns="" w="9525">
-                <a:solidFill>
-                  <a:schemeClr val="tx1"/>
-                </a:solidFill>
-                <a:miter lim="800000"/>
-                <a:headEnd/>
-                <a:tailEnd/>
-              </a14:hiddenLine>
-            </a:ext>
-            <a:ext uri="{AF507438-7753-43e0-B8FC-AC1667EBCBE1}">
-              <a14:hiddenEffects xmlns:a14="http://schemas.microsoft.com/office/drawing/2010/main" xmlns="">
-                <a:effectLst>
-                  <a:outerShdw blurRad="63500" dist="38099" dir="2700000" algn="ctr" rotWithShape="0">
-                    <a:schemeClr val="bg2">
-                      <a:alpha val="74998"/>
-                    </a:schemeClr>
-                  </a:outerShdw>
-                </a:effectLst>
-              </a14:hiddenEffects>
-            </a:ext>
-          </a:extLst>
-        </p:spPr>
-        <p:txBody>
-          <a:bodyPr wrap="none" anchor="ctr"/>
-          <a:lstStyle/>
-          <a:p>
-            <a:pPr algn="ctr"/>
-            <a:endParaRPr lang="de-DE">
-              <a:solidFill>
-                <a:srgbClr val="57AA1C"/>
-              </a:solidFill>
-              <a:latin typeface="Times" charset="0"/>
-            </a:endParaRPr>
-          </a:p>
-        </p:txBody>
-      </p:sp>
-      <p:sp>
-        <p:nvSpPr>
-          <p:cNvPr id="583808" name="Rectangle 128"/>
-          <p:cNvSpPr>
-            <a:spLocks noChangeArrowheads="1"/>
-          </p:cNvSpPr>
-          <p:nvPr/>
-        </p:nvSpPr>
-        <p:spPr bwMode="auto">
-          <a:xfrm>
-            <a:off x="7772400" y="5791200"/>
-            <a:ext cx="609600" cy="457200"/>
-          </a:xfrm>
-          <a:prstGeom prst="rect">
-            <a:avLst/>
-          </a:prstGeom>
-          <a:solidFill>
-            <a:srgbClr val="26547C">
-              <a:alpha val="10001"/>
-            </a:srgbClr>
-          </a:solidFill>
-          <a:ln>
-            <a:noFill/>
-          </a:ln>
-          <a:effectLst/>
-          <a:extLst>
-            <a:ext uri="{91240B29-F687-4f45-9708-019B960494DF}">
-              <a14:hiddenLine xmlns:a14="http://schemas.microsoft.com/office/drawing/2010/main" xmlns="" w="9525">
-                <a:solidFill>
-                  <a:schemeClr val="tx1"/>
-                </a:solidFill>
-                <a:miter lim="800000"/>
-                <a:headEnd/>
-                <a:tailEnd/>
-              </a14:hiddenLine>
-            </a:ext>
-            <a:ext uri="{AF507438-7753-43e0-B8FC-AC1667EBCBE1}">
-              <a14:hiddenEffects xmlns:a14="http://schemas.microsoft.com/office/drawing/2010/main" xmlns="">
-                <a:effectLst>
-                  <a:outerShdw blurRad="63500" dist="38099" dir="2700000" algn="ctr" rotWithShape="0">
-                    <a:schemeClr val="bg2">
-                      <a:alpha val="74998"/>
-                    </a:schemeClr>
-                  </a:outerShdw>
-                </a:effectLst>
-              </a14:hiddenEffects>
-            </a:ext>
-          </a:extLst>
-        </p:spPr>
-        <p:txBody>
-          <a:bodyPr wrap="none" anchor="ctr"/>
-          <a:lstStyle/>
-          <a:p>
-            <a:pPr algn="ctr"/>
-            <a:endParaRPr lang="de-DE">
-              <a:solidFill>
-                <a:srgbClr val="57AA1C"/>
-              </a:solidFill>
-              <a:latin typeface="Times" charset="0"/>
-            </a:endParaRPr>
-          </a:p>
-        </p:txBody>
-      </p:sp>
-      <p:sp>
-        <p:nvSpPr>
-          <p:cNvPr id="583809" name="Text Box 129"/>
-          <p:cNvSpPr txBox="1">
-            <a:spLocks noChangeArrowheads="1"/>
-          </p:cNvSpPr>
-          <p:nvPr/>
-        </p:nvSpPr>
-        <p:spPr bwMode="auto">
-          <a:xfrm>
-            <a:off x="914400" y="3175000"/>
-            <a:ext cx="6400800" cy="177800"/>
-          </a:xfrm>
-          <a:prstGeom prst="rect">
-            <a:avLst/>
-          </a:prstGeom>
-          <a:noFill/>
-          <a:ln>
-            <a:noFill/>
-          </a:ln>
-          <a:effectLst/>
-          <a:extLst>
-            <a:ext uri="{909E8E84-426E-40dd-AFC4-6F175D3DCCD1}">
-              <a14:hiddenFill xmlns:a14="http://schemas.microsoft.com/office/drawing/2010/main" xmlns="">
-                <a:solidFill>
-                  <a:srgbClr val="FF0000"/>
-                </a:solidFill>
-              </a14:hiddenFill>
-            </a:ext>
-            <a:ext uri="{91240B29-F687-4f45-9708-019B960494DF}">
-              <a14:hiddenLine xmlns:a14="http://schemas.microsoft.com/office/drawing/2010/main" xmlns="" w="9525">
-                <a:solidFill>
-                  <a:schemeClr val="tx1"/>
-                </a:solidFill>
-                <a:miter lim="800000"/>
-                <a:headEnd/>
-                <a:tailEnd/>
-              </a14:hiddenLine>
-            </a:ext>
-            <a:ext uri="{AF507438-7753-43e0-B8FC-AC1667EBCBE1}">
-              <a14:hiddenEffects xmlns:a14="http://schemas.microsoft.com/office/drawing/2010/main" xmlns="">
-                <a:effectLst>
-                  <a:outerShdw blurRad="63500" dist="38099" dir="2700000" algn="ctr" rotWithShape="0">
-                    <a:schemeClr val="bg2">
-                      <a:alpha val="74998"/>
-                    </a:schemeClr>
-                  </a:outerShdw>
-                </a:effectLst>
-              </a14:hiddenEffects>
-            </a:ext>
-          </a:extLst>
-        </p:spPr>
-        <p:txBody>
-          <a:bodyPr lIns="0" tIns="0" rIns="0" bIns="0">
-            <a:spAutoFit/>
-          </a:bodyPr>
-          <a:lstStyle>
-            <a:lvl1pPr>
-              <a:tabLst>
-                <a:tab pos="474663" algn="l"/>
-              </a:tabLst>
-              <a:defRPr sz="2400">
-                <a:solidFill>
-                  <a:schemeClr val="tx1"/>
-                </a:solidFill>
-                <a:latin typeface="Times" charset="0"/>
-                <a:ea typeface="ＭＳ Ｐゴシック" charset="0"/>
-              </a:defRPr>
-            </a:lvl1pPr>
-            <a:lvl2pPr>
-              <a:tabLst>
-                <a:tab pos="474663" algn="l"/>
-              </a:tabLst>
-              <a:defRPr sz="2400">
-                <a:solidFill>
-                  <a:schemeClr val="tx1"/>
-                </a:solidFill>
-                <a:latin typeface="Times" charset="0"/>
-                <a:ea typeface="ＭＳ Ｐゴシック" charset="0"/>
-              </a:defRPr>
-            </a:lvl2pPr>
-            <a:lvl3pPr>
-              <a:tabLst>
-                <a:tab pos="474663" algn="l"/>
-              </a:tabLst>
-              <a:defRPr sz="2400">
-                <a:solidFill>
-                  <a:schemeClr val="tx1"/>
-                </a:solidFill>
-                <a:latin typeface="Times" charset="0"/>
-                <a:ea typeface="ＭＳ Ｐゴシック" charset="0"/>
-              </a:defRPr>
-            </a:lvl3pPr>
-            <a:lvl4pPr>
-              <a:tabLst>
-                <a:tab pos="474663" algn="l"/>
-              </a:tabLst>
-              <a:defRPr sz="2400">
-                <a:solidFill>
-                  <a:schemeClr val="tx1"/>
-                </a:solidFill>
-                <a:latin typeface="Times" charset="0"/>
-                <a:ea typeface="ＭＳ Ｐゴシック" charset="0"/>
-              </a:defRPr>
-            </a:lvl4pPr>
-            <a:lvl5pPr>
-              <a:tabLst>
-                <a:tab pos="474663" algn="l"/>
-              </a:tabLst>
-              <a:defRPr sz="2400">
-                <a:solidFill>
-                  <a:schemeClr val="tx1"/>
-                </a:solidFill>
-                <a:latin typeface="Times" charset="0"/>
-                <a:ea typeface="ＭＳ Ｐゴシック" charset="0"/>
-              </a:defRPr>
-            </a:lvl5pPr>
-            <a:lvl6pPr eaLnBrk="0" fontAlgn="base" hangingPunct="0">
-              <a:spcBef>
-                <a:spcPct val="0"/>
-              </a:spcBef>
-              <a:spcAft>
-                <a:spcPct val="0"/>
-              </a:spcAft>
-              <a:tabLst>
-                <a:tab pos="474663" algn="l"/>
-              </a:tabLst>
-              <a:defRPr sz="2400">
-                <a:solidFill>
-                  <a:schemeClr val="tx1"/>
-                </a:solidFill>
-                <a:latin typeface="Times" charset="0"/>
-                <a:ea typeface="ＭＳ Ｐゴシック" charset="0"/>
-              </a:defRPr>
-            </a:lvl6pPr>
-            <a:lvl7pPr eaLnBrk="0" fontAlgn="base" hangingPunct="0">
-              <a:spcBef>
-                <a:spcPct val="0"/>
-              </a:spcBef>
-              <a:spcAft>
-                <a:spcPct val="0"/>
-              </a:spcAft>
-              <a:tabLst>
-                <a:tab pos="474663" algn="l"/>
-              </a:tabLst>
-              <a:defRPr sz="2400">
-                <a:solidFill>
-                  <a:schemeClr val="tx1"/>
-                </a:solidFill>
-                <a:latin typeface="Times" charset="0"/>
-                <a:ea typeface="ＭＳ Ｐゴシック" charset="0"/>
-              </a:defRPr>
-            </a:lvl7pPr>
-            <a:lvl8pPr eaLnBrk="0" fontAlgn="base" hangingPunct="0">
-              <a:spcBef>
-                <a:spcPct val="0"/>
-              </a:spcBef>
-              <a:spcAft>
-                <a:spcPct val="0"/>
-              </a:spcAft>
-              <a:tabLst>
-                <a:tab pos="474663" algn="l"/>
-              </a:tabLst>
-              <a:defRPr sz="2400">
-                <a:solidFill>
-                  <a:schemeClr val="tx1"/>
-                </a:solidFill>
-                <a:latin typeface="Times" charset="0"/>
-                <a:ea typeface="ＭＳ Ｐゴシック" charset="0"/>
-              </a:defRPr>
-            </a:lvl8pPr>
-            <a:lvl9pPr eaLnBrk="0" fontAlgn="base" hangingPunct="0">
-              <a:spcBef>
-                <a:spcPct val="0"/>
-              </a:spcBef>
-              <a:spcAft>
-                <a:spcPct val="0"/>
-              </a:spcAft>
-              <a:tabLst>
-                <a:tab pos="474663" algn="l"/>
-              </a:tabLst>
-              <a:defRPr sz="2400">
-                <a:solidFill>
-                  <a:schemeClr val="tx1"/>
-                </a:solidFill>
-                <a:latin typeface="Times" charset="0"/>
-                <a:ea typeface="ＭＳ Ｐゴシック" charset="0"/>
-              </a:defRPr>
-            </a:lvl9pPr>
-          </a:lstStyle>
-          <a:p>
-            <a:pPr eaLnBrk="1" hangingPunct="1">
-              <a:lnSpc>
-                <a:spcPts val="1400"/>
-              </a:lnSpc>
-            </a:pPr>
-            <a:r>
-              <a:rPr lang="de-DE" sz="1000">
-                <a:latin typeface="Arial" charset="0"/>
-              </a:rPr>
-              <a:t>Mathe/Wirtschaftswissenschaften sRGB 100%: 86-170-28,  Prozentwerte von 100%-10% in 10er-Schritten	</a:t>
-            </a:r>
-          </a:p>
-        </p:txBody>
-      </p:sp>
-      <p:sp>
-        <p:nvSpPr>
-          <p:cNvPr id="583810" name="Text Box 130"/>
-          <p:cNvSpPr txBox="1">
-            <a:spLocks noChangeArrowheads="1"/>
-          </p:cNvSpPr>
-          <p:nvPr/>
-        </p:nvSpPr>
-        <p:spPr bwMode="auto">
-          <a:xfrm>
-            <a:off x="914400" y="3937000"/>
-            <a:ext cx="7924800" cy="177800"/>
-          </a:xfrm>
-          <a:prstGeom prst="rect">
-            <a:avLst/>
-          </a:prstGeom>
-          <a:noFill/>
-          <a:ln>
-            <a:noFill/>
-          </a:ln>
-          <a:effectLst/>
-          <a:extLst>
-            <a:ext uri="{909E8E84-426E-40dd-AFC4-6F175D3DCCD1}">
-              <a14:hiddenFill xmlns:a14="http://schemas.microsoft.com/office/drawing/2010/main" xmlns="">
-                <a:solidFill>
-                  <a:srgbClr val="FF0000"/>
-                </a:solidFill>
-              </a14:hiddenFill>
-            </a:ext>
-            <a:ext uri="{91240B29-F687-4f45-9708-019B960494DF}">
-              <a14:hiddenLine xmlns:a14="http://schemas.microsoft.com/office/drawing/2010/main" xmlns="" w="9525">
-                <a:solidFill>
-                  <a:schemeClr val="tx1"/>
-                </a:solidFill>
-                <a:miter lim="800000"/>
-                <a:headEnd/>
-                <a:tailEnd/>
-              </a14:hiddenLine>
-            </a:ext>
-            <a:ext uri="{AF507438-7753-43e0-B8FC-AC1667EBCBE1}">
-              <a14:hiddenEffects xmlns:a14="http://schemas.microsoft.com/office/drawing/2010/main" xmlns="">
-                <a:effectLst>
-                  <a:outerShdw blurRad="63500" dist="38099" dir="2700000" algn="ctr" rotWithShape="0">
-                    <a:schemeClr val="bg2">
-                      <a:alpha val="74998"/>
-                    </a:schemeClr>
-                  </a:outerShdw>
-                </a:effectLst>
-              </a14:hiddenEffects>
-            </a:ext>
-          </a:extLst>
-        </p:spPr>
-        <p:txBody>
-          <a:bodyPr lIns="0" tIns="0" rIns="0" bIns="0">
-            <a:spAutoFit/>
-          </a:bodyPr>
-          <a:lstStyle>
-            <a:lvl1pPr>
-              <a:tabLst>
-                <a:tab pos="474663" algn="l"/>
-              </a:tabLst>
-              <a:defRPr sz="2400">
-                <a:solidFill>
-                  <a:schemeClr val="tx1"/>
-                </a:solidFill>
-                <a:latin typeface="Times" charset="0"/>
-                <a:ea typeface="ＭＳ Ｐゴシック" charset="0"/>
-              </a:defRPr>
-            </a:lvl1pPr>
-            <a:lvl2pPr>
-              <a:tabLst>
-                <a:tab pos="474663" algn="l"/>
-              </a:tabLst>
-              <a:defRPr sz="2400">
-                <a:solidFill>
-                  <a:schemeClr val="tx1"/>
-                </a:solidFill>
-                <a:latin typeface="Times" charset="0"/>
-                <a:ea typeface="ＭＳ Ｐゴシック" charset="0"/>
-              </a:defRPr>
-            </a:lvl2pPr>
-            <a:lvl3pPr>
-              <a:tabLst>
-                <a:tab pos="474663" algn="l"/>
-              </a:tabLst>
-              <a:defRPr sz="2400">
-                <a:solidFill>
-                  <a:schemeClr val="tx1"/>
-                </a:solidFill>
-                <a:latin typeface="Times" charset="0"/>
-                <a:ea typeface="ＭＳ Ｐゴシック" charset="0"/>
-              </a:defRPr>
-            </a:lvl3pPr>
-            <a:lvl4pPr>
-              <a:tabLst>
-                <a:tab pos="474663" algn="l"/>
-              </a:tabLst>
-              <a:defRPr sz="2400">
-                <a:solidFill>
-                  <a:schemeClr val="tx1"/>
-                </a:solidFill>
-                <a:latin typeface="Times" charset="0"/>
-                <a:ea typeface="ＭＳ Ｐゴシック" charset="0"/>
-              </a:defRPr>
-            </a:lvl4pPr>
-            <a:lvl5pPr>
-              <a:tabLst>
-                <a:tab pos="474663" algn="l"/>
-              </a:tabLst>
-              <a:defRPr sz="2400">
-                <a:solidFill>
-                  <a:schemeClr val="tx1"/>
-                </a:solidFill>
-                <a:latin typeface="Times" charset="0"/>
-                <a:ea typeface="ＭＳ Ｐゴシック" charset="0"/>
-              </a:defRPr>
-            </a:lvl5pPr>
-            <a:lvl6pPr eaLnBrk="0" fontAlgn="base" hangingPunct="0">
-              <a:spcBef>
-                <a:spcPct val="0"/>
-              </a:spcBef>
-              <a:spcAft>
-                <a:spcPct val="0"/>
-              </a:spcAft>
-              <a:tabLst>
-                <a:tab pos="474663" algn="l"/>
-              </a:tabLst>
-              <a:defRPr sz="2400">
-                <a:solidFill>
-                  <a:schemeClr val="tx1"/>
-                </a:solidFill>
-                <a:latin typeface="Times" charset="0"/>
-                <a:ea typeface="ＭＳ Ｐゴシック" charset="0"/>
-              </a:defRPr>
-            </a:lvl6pPr>
-            <a:lvl7pPr eaLnBrk="0" fontAlgn="base" hangingPunct="0">
-              <a:spcBef>
-                <a:spcPct val="0"/>
-              </a:spcBef>
-              <a:spcAft>
-                <a:spcPct val="0"/>
-              </a:spcAft>
-              <a:tabLst>
-                <a:tab pos="474663" algn="l"/>
-              </a:tabLst>
-              <a:defRPr sz="2400">
-                <a:solidFill>
-                  <a:schemeClr val="tx1"/>
-                </a:solidFill>
-                <a:latin typeface="Times" charset="0"/>
-                <a:ea typeface="ＭＳ Ｐゴシック" charset="0"/>
-              </a:defRPr>
-            </a:lvl7pPr>
-            <a:lvl8pPr eaLnBrk="0" fontAlgn="base" hangingPunct="0">
-              <a:spcBef>
-                <a:spcPct val="0"/>
-              </a:spcBef>
-              <a:spcAft>
-                <a:spcPct val="0"/>
-              </a:spcAft>
-              <a:tabLst>
-                <a:tab pos="474663" algn="l"/>
-              </a:tabLst>
-              <a:defRPr sz="2400">
-                <a:solidFill>
-                  <a:schemeClr val="tx1"/>
-                </a:solidFill>
-                <a:latin typeface="Times" charset="0"/>
-                <a:ea typeface="ＭＳ Ｐゴシック" charset="0"/>
-              </a:defRPr>
-            </a:lvl8pPr>
-            <a:lvl9pPr eaLnBrk="0" fontAlgn="base" hangingPunct="0">
-              <a:spcBef>
-                <a:spcPct val="0"/>
-              </a:spcBef>
-              <a:spcAft>
-                <a:spcPct val="0"/>
-              </a:spcAft>
-              <a:tabLst>
-                <a:tab pos="474663" algn="l"/>
-              </a:tabLst>
-              <a:defRPr sz="2400">
-                <a:solidFill>
-                  <a:schemeClr val="tx1"/>
-                </a:solidFill>
-                <a:latin typeface="Times" charset="0"/>
-                <a:ea typeface="ＭＳ Ｐゴシック" charset="0"/>
-              </a:defRPr>
-            </a:lvl9pPr>
-          </a:lstStyle>
-          <a:p>
-            <a:pPr eaLnBrk="1" hangingPunct="1">
-              <a:lnSpc>
-                <a:spcPts val="1400"/>
-              </a:lnSpc>
-            </a:pPr>
-            <a:r>
-              <a:rPr lang="de-DE" sz="1000">
-                <a:latin typeface="Arial" charset="0"/>
-              </a:rPr>
-              <a:t>Ingenieurwissenschaften/Informatik sRGB 100%: 163-38-56,  Prozentwerte von 100%-10% in 10er-Schritten	</a:t>
-            </a:r>
-          </a:p>
-        </p:txBody>
-      </p:sp>
-      <p:sp>
-        <p:nvSpPr>
-          <p:cNvPr id="583811" name="Text Box 131"/>
-          <p:cNvSpPr txBox="1">
-            <a:spLocks noChangeArrowheads="1"/>
-          </p:cNvSpPr>
-          <p:nvPr/>
-        </p:nvSpPr>
-        <p:spPr bwMode="auto">
-          <a:xfrm>
-            <a:off x="914400" y="4724400"/>
-            <a:ext cx="7924800" cy="177800"/>
-          </a:xfrm>
-          <a:prstGeom prst="rect">
-            <a:avLst/>
-          </a:prstGeom>
-          <a:noFill/>
-          <a:ln>
-            <a:noFill/>
-          </a:ln>
-          <a:effectLst/>
-          <a:extLst>
-            <a:ext uri="{909E8E84-426E-40dd-AFC4-6F175D3DCCD1}">
-              <a14:hiddenFill xmlns:a14="http://schemas.microsoft.com/office/drawing/2010/main" xmlns="">
-                <a:solidFill>
-                  <a:srgbClr val="FF0000"/>
-                </a:solidFill>
-              </a14:hiddenFill>
-            </a:ext>
-            <a:ext uri="{91240B29-F687-4f45-9708-019B960494DF}">
-              <a14:hiddenLine xmlns:a14="http://schemas.microsoft.com/office/drawing/2010/main" xmlns="" w="9525">
-                <a:solidFill>
-                  <a:schemeClr val="tx1"/>
-                </a:solidFill>
-                <a:miter lim="800000"/>
-                <a:headEnd/>
-                <a:tailEnd/>
-              </a14:hiddenLine>
-            </a:ext>
-            <a:ext uri="{AF507438-7753-43e0-B8FC-AC1667EBCBE1}">
-              <a14:hiddenEffects xmlns:a14="http://schemas.microsoft.com/office/drawing/2010/main" xmlns="">
-                <a:effectLst>
-                  <a:outerShdw blurRad="63500" dist="38099" dir="2700000" algn="ctr" rotWithShape="0">
-                    <a:schemeClr val="bg2">
-                      <a:alpha val="74998"/>
-                    </a:schemeClr>
-                  </a:outerShdw>
-                </a:effectLst>
-              </a14:hiddenEffects>
-            </a:ext>
-          </a:extLst>
-        </p:spPr>
-        <p:txBody>
-          <a:bodyPr lIns="0" tIns="0" rIns="0" bIns="0">
-            <a:spAutoFit/>
-          </a:bodyPr>
-          <a:lstStyle>
-            <a:lvl1pPr>
-              <a:tabLst>
-                <a:tab pos="474663" algn="l"/>
-              </a:tabLst>
-              <a:defRPr sz="2400">
-                <a:solidFill>
-                  <a:schemeClr val="tx1"/>
-                </a:solidFill>
-                <a:latin typeface="Times" charset="0"/>
-                <a:ea typeface="ＭＳ Ｐゴシック" charset="0"/>
-              </a:defRPr>
-            </a:lvl1pPr>
-            <a:lvl2pPr>
-              <a:tabLst>
-                <a:tab pos="474663" algn="l"/>
-              </a:tabLst>
-              <a:defRPr sz="2400">
-                <a:solidFill>
-                  <a:schemeClr val="tx1"/>
-                </a:solidFill>
-                <a:latin typeface="Times" charset="0"/>
-                <a:ea typeface="ＭＳ Ｐゴシック" charset="0"/>
-              </a:defRPr>
-            </a:lvl2pPr>
-            <a:lvl3pPr>
-              <a:tabLst>
-                <a:tab pos="474663" algn="l"/>
-              </a:tabLst>
-              <a:defRPr sz="2400">
-                <a:solidFill>
-                  <a:schemeClr val="tx1"/>
-                </a:solidFill>
-                <a:latin typeface="Times" charset="0"/>
-                <a:ea typeface="ＭＳ Ｐゴシック" charset="0"/>
-              </a:defRPr>
-            </a:lvl3pPr>
-            <a:lvl4pPr>
-              <a:tabLst>
-                <a:tab pos="474663" algn="l"/>
-              </a:tabLst>
-              <a:defRPr sz="2400">
-                <a:solidFill>
-                  <a:schemeClr val="tx1"/>
-                </a:solidFill>
-                <a:latin typeface="Times" charset="0"/>
-                <a:ea typeface="ＭＳ Ｐゴシック" charset="0"/>
-              </a:defRPr>
-            </a:lvl4pPr>
-            <a:lvl5pPr>
-              <a:tabLst>
-                <a:tab pos="474663" algn="l"/>
-              </a:tabLst>
-              <a:defRPr sz="2400">
-                <a:solidFill>
-                  <a:schemeClr val="tx1"/>
-                </a:solidFill>
-                <a:latin typeface="Times" charset="0"/>
-                <a:ea typeface="ＭＳ Ｐゴシック" charset="0"/>
-              </a:defRPr>
-            </a:lvl5pPr>
-            <a:lvl6pPr eaLnBrk="0" fontAlgn="base" hangingPunct="0">
-              <a:spcBef>
-                <a:spcPct val="0"/>
-              </a:spcBef>
-              <a:spcAft>
-                <a:spcPct val="0"/>
-              </a:spcAft>
-              <a:tabLst>
-                <a:tab pos="474663" algn="l"/>
-              </a:tabLst>
-              <a:defRPr sz="2400">
-                <a:solidFill>
-                  <a:schemeClr val="tx1"/>
-                </a:solidFill>
-                <a:latin typeface="Times" charset="0"/>
-                <a:ea typeface="ＭＳ Ｐゴシック" charset="0"/>
-              </a:defRPr>
-            </a:lvl6pPr>
-            <a:lvl7pPr eaLnBrk="0" fontAlgn="base" hangingPunct="0">
-              <a:spcBef>
-                <a:spcPct val="0"/>
-              </a:spcBef>
-              <a:spcAft>
-                <a:spcPct val="0"/>
-              </a:spcAft>
-              <a:tabLst>
-                <a:tab pos="474663" algn="l"/>
-              </a:tabLst>
-              <a:defRPr sz="2400">
-                <a:solidFill>
-                  <a:schemeClr val="tx1"/>
-                </a:solidFill>
-                <a:latin typeface="Times" charset="0"/>
-                <a:ea typeface="ＭＳ Ｐゴシック" charset="0"/>
-              </a:defRPr>
-            </a:lvl7pPr>
-            <a:lvl8pPr eaLnBrk="0" fontAlgn="base" hangingPunct="0">
-              <a:spcBef>
-                <a:spcPct val="0"/>
-              </a:spcBef>
-              <a:spcAft>
-                <a:spcPct val="0"/>
-              </a:spcAft>
-              <a:tabLst>
-                <a:tab pos="474663" algn="l"/>
-              </a:tabLst>
-              <a:defRPr sz="2400">
-                <a:solidFill>
-                  <a:schemeClr val="tx1"/>
-                </a:solidFill>
-                <a:latin typeface="Times" charset="0"/>
-                <a:ea typeface="ＭＳ Ｐゴシック" charset="0"/>
-              </a:defRPr>
-            </a:lvl8pPr>
-            <a:lvl9pPr eaLnBrk="0" fontAlgn="base" hangingPunct="0">
-              <a:spcBef>
-                <a:spcPct val="0"/>
-              </a:spcBef>
-              <a:spcAft>
-                <a:spcPct val="0"/>
-              </a:spcAft>
-              <a:tabLst>
-                <a:tab pos="474663" algn="l"/>
-              </a:tabLst>
-              <a:defRPr sz="2400">
-                <a:solidFill>
-                  <a:schemeClr val="tx1"/>
-                </a:solidFill>
-                <a:latin typeface="Times" charset="0"/>
-                <a:ea typeface="ＭＳ Ｐゴシック" charset="0"/>
-              </a:defRPr>
-            </a:lvl9pPr>
-          </a:lstStyle>
-          <a:p>
-            <a:pPr eaLnBrk="1" hangingPunct="1">
-              <a:lnSpc>
-                <a:spcPts val="1400"/>
-              </a:lnSpc>
-            </a:pPr>
-            <a:r>
-              <a:rPr lang="de-DE" sz="1000">
-                <a:latin typeface="Arial" charset="0"/>
-              </a:rPr>
-              <a:t>Naturwissenschaften sRGB 100%: 189-96-5,  Prozentwerte von 100%-10% in 10er-Schritten	</a:t>
-            </a:r>
-          </a:p>
-        </p:txBody>
-      </p:sp>
-      <p:sp>
-        <p:nvSpPr>
-          <p:cNvPr id="583812" name="Text Box 132"/>
-          <p:cNvSpPr txBox="1">
-            <a:spLocks noChangeArrowheads="1"/>
-          </p:cNvSpPr>
-          <p:nvPr/>
-        </p:nvSpPr>
-        <p:spPr bwMode="auto">
-          <a:xfrm>
-            <a:off x="914400" y="5537200"/>
-            <a:ext cx="7924800" cy="177800"/>
-          </a:xfrm>
-          <a:prstGeom prst="rect">
-            <a:avLst/>
-          </a:prstGeom>
-          <a:noFill/>
-          <a:ln>
-            <a:noFill/>
-          </a:ln>
-          <a:effectLst/>
-          <a:extLst>
-            <a:ext uri="{909E8E84-426E-40dd-AFC4-6F175D3DCCD1}">
-              <a14:hiddenFill xmlns:a14="http://schemas.microsoft.com/office/drawing/2010/main" xmlns="">
-                <a:solidFill>
-                  <a:srgbClr val="FF0000"/>
-                </a:solidFill>
-              </a14:hiddenFill>
-            </a:ext>
-            <a:ext uri="{91240B29-F687-4f45-9708-019B960494DF}">
-              <a14:hiddenLine xmlns:a14="http://schemas.microsoft.com/office/drawing/2010/main" xmlns="" w="9525">
-                <a:solidFill>
-                  <a:schemeClr val="tx1"/>
-                </a:solidFill>
-                <a:miter lim="800000"/>
-                <a:headEnd/>
-                <a:tailEnd/>
-              </a14:hiddenLine>
-            </a:ext>
-            <a:ext uri="{AF507438-7753-43e0-B8FC-AC1667EBCBE1}">
-              <a14:hiddenEffects xmlns:a14="http://schemas.microsoft.com/office/drawing/2010/main" xmlns="">
-                <a:effectLst>
-                  <a:outerShdw blurRad="63500" dist="38099" dir="2700000" algn="ctr" rotWithShape="0">
-                    <a:schemeClr val="bg2">
-                      <a:alpha val="74998"/>
-                    </a:schemeClr>
-                  </a:outerShdw>
-                </a:effectLst>
-              </a14:hiddenEffects>
-            </a:ext>
-          </a:extLst>
-        </p:spPr>
-        <p:txBody>
-          <a:bodyPr lIns="0" tIns="0" rIns="0" bIns="0">
-            <a:spAutoFit/>
-          </a:bodyPr>
-          <a:lstStyle>
-            <a:lvl1pPr>
-              <a:tabLst>
-                <a:tab pos="474663" algn="l"/>
-              </a:tabLst>
-              <a:defRPr sz="2400">
-                <a:solidFill>
-                  <a:schemeClr val="tx1"/>
-                </a:solidFill>
-                <a:latin typeface="Times" charset="0"/>
-                <a:ea typeface="ＭＳ Ｐゴシック" charset="0"/>
-              </a:defRPr>
-            </a:lvl1pPr>
-            <a:lvl2pPr>
-              <a:tabLst>
-                <a:tab pos="474663" algn="l"/>
-              </a:tabLst>
-              <a:defRPr sz="2400">
-                <a:solidFill>
-                  <a:schemeClr val="tx1"/>
-                </a:solidFill>
-                <a:latin typeface="Times" charset="0"/>
-                <a:ea typeface="ＭＳ Ｐゴシック" charset="0"/>
-              </a:defRPr>
-            </a:lvl2pPr>
-            <a:lvl3pPr>
-              <a:tabLst>
-                <a:tab pos="474663" algn="l"/>
-              </a:tabLst>
-              <a:defRPr sz="2400">
-                <a:solidFill>
-                  <a:schemeClr val="tx1"/>
-                </a:solidFill>
-                <a:latin typeface="Times" charset="0"/>
-                <a:ea typeface="ＭＳ Ｐゴシック" charset="0"/>
-              </a:defRPr>
-            </a:lvl3pPr>
-            <a:lvl4pPr>
-              <a:tabLst>
-                <a:tab pos="474663" algn="l"/>
-              </a:tabLst>
-              <a:defRPr sz="2400">
-                <a:solidFill>
-                  <a:schemeClr val="tx1"/>
-                </a:solidFill>
-                <a:latin typeface="Times" charset="0"/>
-                <a:ea typeface="ＭＳ Ｐゴシック" charset="0"/>
-              </a:defRPr>
-            </a:lvl4pPr>
-            <a:lvl5pPr>
-              <a:tabLst>
-                <a:tab pos="474663" algn="l"/>
-              </a:tabLst>
-              <a:defRPr sz="2400">
-                <a:solidFill>
-                  <a:schemeClr val="tx1"/>
-                </a:solidFill>
-                <a:latin typeface="Times" charset="0"/>
-                <a:ea typeface="ＭＳ Ｐゴシック" charset="0"/>
-              </a:defRPr>
-            </a:lvl5pPr>
-            <a:lvl6pPr eaLnBrk="0" fontAlgn="base" hangingPunct="0">
-              <a:spcBef>
-                <a:spcPct val="0"/>
-              </a:spcBef>
-              <a:spcAft>
-                <a:spcPct val="0"/>
-              </a:spcAft>
-              <a:tabLst>
-                <a:tab pos="474663" algn="l"/>
-              </a:tabLst>
-              <a:defRPr sz="2400">
-                <a:solidFill>
-                  <a:schemeClr val="tx1"/>
-                </a:solidFill>
-                <a:latin typeface="Times" charset="0"/>
-                <a:ea typeface="ＭＳ Ｐゴシック" charset="0"/>
-              </a:defRPr>
-            </a:lvl6pPr>
-            <a:lvl7pPr eaLnBrk="0" fontAlgn="base" hangingPunct="0">
-              <a:spcBef>
-                <a:spcPct val="0"/>
-              </a:spcBef>
-              <a:spcAft>
-                <a:spcPct val="0"/>
-              </a:spcAft>
-              <a:tabLst>
-                <a:tab pos="474663" algn="l"/>
-              </a:tabLst>
-              <a:defRPr sz="2400">
-                <a:solidFill>
-                  <a:schemeClr val="tx1"/>
-                </a:solidFill>
-                <a:latin typeface="Times" charset="0"/>
-                <a:ea typeface="ＭＳ Ｐゴシック" charset="0"/>
-              </a:defRPr>
-            </a:lvl7pPr>
-            <a:lvl8pPr eaLnBrk="0" fontAlgn="base" hangingPunct="0">
-              <a:spcBef>
-                <a:spcPct val="0"/>
-              </a:spcBef>
-              <a:spcAft>
-                <a:spcPct val="0"/>
-              </a:spcAft>
-              <a:tabLst>
-                <a:tab pos="474663" algn="l"/>
-              </a:tabLst>
-              <a:defRPr sz="2400">
-                <a:solidFill>
-                  <a:schemeClr val="tx1"/>
-                </a:solidFill>
-                <a:latin typeface="Times" charset="0"/>
-                <a:ea typeface="ＭＳ Ｐゴシック" charset="0"/>
-              </a:defRPr>
-            </a:lvl8pPr>
-            <a:lvl9pPr eaLnBrk="0" fontAlgn="base" hangingPunct="0">
-              <a:spcBef>
-                <a:spcPct val="0"/>
-              </a:spcBef>
-              <a:spcAft>
-                <a:spcPct val="0"/>
-              </a:spcAft>
-              <a:tabLst>
-                <a:tab pos="474663" algn="l"/>
-              </a:tabLst>
-              <a:defRPr sz="2400">
-                <a:solidFill>
-                  <a:schemeClr val="tx1"/>
-                </a:solidFill>
-                <a:latin typeface="Times" charset="0"/>
-                <a:ea typeface="ＭＳ Ｐゴシック" charset="0"/>
-              </a:defRPr>
-            </a:lvl9pPr>
-          </a:lstStyle>
-          <a:p>
-            <a:pPr eaLnBrk="1" hangingPunct="1">
-              <a:lnSpc>
-                <a:spcPts val="1400"/>
-              </a:lnSpc>
-            </a:pPr>
-            <a:r>
-              <a:rPr lang="de-DE" sz="1000">
-                <a:latin typeface="Arial" charset="0"/>
-              </a:rPr>
-              <a:t>Medizin sRGB 100%: 38-84-124,  Prozentwerte von 100%-10% in 10er-Schritten	</a:t>
-            </a:r>
+            <a:endParaRPr lang="de-DE"/>
           </a:p>
         </p:txBody>
       </p:sp>
     </p:spTree>
+    <p:extLst>
+      <p:ext uri="{BB962C8B-B14F-4D97-AF65-F5344CB8AC3E}">
+        <p14:creationId xmlns:p14="http://schemas.microsoft.com/office/powerpoint/2010/main" val="1030539793"/>
+      </p:ext>
+    </p:extLst>
   </p:cSld>
   <p:clrMapOvr>
     <a:masterClrMapping/>
@@ -10525,6 +5768,177 @@
   <p:transition>
     <p:dissolve/>
   </p:transition>
+  <p:timing>
+    <p:tnLst>
+      <p:par>
+        <p:cTn id="1" dur="indefinite" restart="never" nodeType="tmRoot"/>
+      </p:par>
+    </p:tnLst>
+  </p:timing>
+</p:sld>
+</file>
+
+<file path=ppt/slides/slide5.xml><?xml version="1.0" encoding="utf-8"?>
+<p:sld xmlns:a="http://schemas.openxmlformats.org/drawingml/2006/main" xmlns:r="http://schemas.openxmlformats.org/officeDocument/2006/relationships" xmlns:p="http://schemas.openxmlformats.org/presentationml/2006/main">
+  <p:cSld>
+    <p:spTree>
+      <p:nvGrpSpPr>
+        <p:cNvPr id="1" name=""/>
+        <p:cNvGrpSpPr/>
+        <p:nvPr/>
+      </p:nvGrpSpPr>
+      <p:grpSpPr>
+        <a:xfrm>
+          <a:off x="0" y="0"/>
+          <a:ext cx="0" cy="0"/>
+          <a:chOff x="0" y="0"/>
+          <a:chExt cx="0" cy="0"/>
+        </a:xfrm>
+      </p:grpSpPr>
+      <p:sp>
+        <p:nvSpPr>
+          <p:cNvPr id="2" name="Titel 1"/>
+          <p:cNvSpPr>
+            <a:spLocks noGrp="1"/>
+          </p:cNvSpPr>
+          <p:nvPr>
+            <p:ph type="title"/>
+          </p:nvPr>
+        </p:nvSpPr>
+        <p:spPr/>
+        <p:txBody>
+          <a:bodyPr/>
+          <a:lstStyle/>
+          <a:p>
+            <a:r>
+              <a:rPr lang="de-DE" dirty="0" smtClean="0"/>
+              <a:t>Von der Idee zum Video</a:t>
+            </a:r>
+            <a:endParaRPr lang="de-DE" dirty="0"/>
+          </a:p>
+        </p:txBody>
+      </p:sp>
+      <p:sp>
+        <p:nvSpPr>
+          <p:cNvPr id="3" name="Inhaltsplatzhalter 2"/>
+          <p:cNvSpPr>
+            <a:spLocks noGrp="1"/>
+          </p:cNvSpPr>
+          <p:nvPr>
+            <p:ph idx="1"/>
+          </p:nvPr>
+        </p:nvSpPr>
+        <p:spPr/>
+        <p:txBody>
+          <a:bodyPr/>
+          <a:lstStyle/>
+          <a:p>
+            <a:endParaRPr lang="de-DE"/>
+          </a:p>
+        </p:txBody>
+      </p:sp>
+    </p:spTree>
+    <p:extLst>
+      <p:ext uri="{BB962C8B-B14F-4D97-AF65-F5344CB8AC3E}">
+        <p14:creationId xmlns:p14="http://schemas.microsoft.com/office/powerpoint/2010/main" val="3084889739"/>
+      </p:ext>
+    </p:extLst>
+  </p:cSld>
+  <p:clrMapOvr>
+    <a:masterClrMapping/>
+  </p:clrMapOvr>
+  <p:transition>
+    <p:dissolve/>
+  </p:transition>
+  <p:timing>
+    <p:tnLst>
+      <p:par>
+        <p:cTn id="1" dur="indefinite" restart="never" nodeType="tmRoot"/>
+      </p:par>
+    </p:tnLst>
+  </p:timing>
+</p:sld>
+</file>
+
+<file path=ppt/slides/slide6.xml><?xml version="1.0" encoding="utf-8"?>
+<p:sld xmlns:a="http://schemas.openxmlformats.org/drawingml/2006/main" xmlns:r="http://schemas.openxmlformats.org/officeDocument/2006/relationships" xmlns:p="http://schemas.openxmlformats.org/presentationml/2006/main">
+  <p:cSld>
+    <p:spTree>
+      <p:nvGrpSpPr>
+        <p:cNvPr id="1" name=""/>
+        <p:cNvGrpSpPr/>
+        <p:nvPr/>
+      </p:nvGrpSpPr>
+      <p:grpSpPr>
+        <a:xfrm>
+          <a:off x="0" y="0"/>
+          <a:ext cx="0" cy="0"/>
+          <a:chOff x="0" y="0"/>
+          <a:chExt cx="0" cy="0"/>
+        </a:xfrm>
+      </p:grpSpPr>
+      <p:sp>
+        <p:nvSpPr>
+          <p:cNvPr id="2" name="Titel 1"/>
+          <p:cNvSpPr>
+            <a:spLocks noGrp="1"/>
+          </p:cNvSpPr>
+          <p:nvPr>
+            <p:ph type="title"/>
+          </p:nvPr>
+        </p:nvSpPr>
+        <p:spPr/>
+        <p:txBody>
+          <a:bodyPr/>
+          <a:lstStyle/>
+          <a:p>
+            <a:r>
+              <a:rPr lang="de-DE" dirty="0" smtClean="0"/>
+              <a:t>Fazit</a:t>
+            </a:r>
+            <a:endParaRPr lang="de-DE" dirty="0"/>
+          </a:p>
+        </p:txBody>
+      </p:sp>
+      <p:sp>
+        <p:nvSpPr>
+          <p:cNvPr id="3" name="Inhaltsplatzhalter 2"/>
+          <p:cNvSpPr>
+            <a:spLocks noGrp="1"/>
+          </p:cNvSpPr>
+          <p:nvPr>
+            <p:ph idx="1"/>
+          </p:nvPr>
+        </p:nvSpPr>
+        <p:spPr/>
+        <p:txBody>
+          <a:bodyPr/>
+          <a:lstStyle/>
+          <a:p>
+            <a:endParaRPr lang="de-DE"/>
+          </a:p>
+        </p:txBody>
+      </p:sp>
+    </p:spTree>
+    <p:extLst>
+      <p:ext uri="{BB962C8B-B14F-4D97-AF65-F5344CB8AC3E}">
+        <p14:creationId xmlns:p14="http://schemas.microsoft.com/office/powerpoint/2010/main" val="4219393564"/>
+      </p:ext>
+    </p:extLst>
+  </p:cSld>
+  <p:clrMapOvr>
+    <a:masterClrMapping/>
+  </p:clrMapOvr>
+  <p:transition>
+    <p:dissolve/>
+  </p:transition>
+  <p:timing>
+    <p:tnLst>
+      <p:par>
+        <p:cTn id="1" dur="indefinite" restart="never" nodeType="tmRoot"/>
+      </p:par>
+    </p:tnLst>
+  </p:timing>
 </p:sld>
 </file>
 
@@ -10774,7 +6188,7 @@
         <a:effectLst/>
         <a:extLst>
           <a:ext uri="{AF507438-7753-43e0-B8FC-AC1667EBCBE1}">
-            <a14:hiddenEffects xmlns:a14="http://schemas.microsoft.com/office/drawing/2010/main" xmlns="">
+            <a14:hiddenEffects xmlns="" xmlns:a14="http://schemas.microsoft.com/office/drawing/2010/main">
               <a:effectLst>
                 <a:outerShdw blurRad="63500" dist="38099" dir="2700000" algn="ctr" rotWithShape="0">
                   <a:schemeClr val="bg2">
@@ -10850,7 +6264,7 @@
         <a:effectLst/>
         <a:extLst>
           <a:ext uri="{AF507438-7753-43e0-B8FC-AC1667EBCBE1}">
-            <a14:hiddenEffects xmlns:a14="http://schemas.microsoft.com/office/drawing/2010/main" xmlns="">
+            <a14:hiddenEffects xmlns="" xmlns:a14="http://schemas.microsoft.com/office/drawing/2010/main">
               <a:effectLst>
                 <a:outerShdw blurRad="63500" dist="38099" dir="2700000" algn="ctr" rotWithShape="0">
                   <a:schemeClr val="bg2">
